--- a/images/ProcessMap.pptx
+++ b/images/ProcessMap.pptx
@@ -127,8 +127,7 @@
 <file path=ppt/revisionInfo.xml><?xml version="1.0" encoding="utf-8"?>
 <p1510:revInfo xmlns:a="http://schemas.openxmlformats.org/drawingml/2006/main" xmlns:r="http://schemas.openxmlformats.org/officeDocument/2006/relationships" xmlns:p1510="http://schemas.microsoft.com/office/powerpoint/2015/10/main">
   <p1510:revLst>
-    <p1510:client id="{1E164F9B-1AA4-4F00-B498-4771B2C0354E}" v="185" dt="2022-05-15T13:46:54.166"/>
-    <p1510:client id="{D38C5BE2-17A7-461C-BD94-6C0C7CDA27B5}" v="77" dt="2022-05-15T13:49:29.902"/>
+    <p1510:client id="{D38C5BE2-17A7-461C-BD94-6C0C7CDA27B5}" v="79" dt="2022-05-19T22:51:11.256"/>
   </p1510:revLst>
 </p1510:revInfo>
 </file>
@@ -138,18 +137,18 @@
   <pc:docChgLst>
     <pc:chgData name="Jared Fiacco" userId="e4f6bfaef04c63d1" providerId="LiveId" clId="{D38C5BE2-17A7-461C-BD94-6C0C7CDA27B5}"/>
     <pc:docChg chg="modSld">
-      <pc:chgData name="Jared Fiacco" userId="e4f6bfaef04c63d1" providerId="LiveId" clId="{D38C5BE2-17A7-461C-BD94-6C0C7CDA27B5}" dt="2022-05-15T13:49:29.902" v="0" actId="1076"/>
+      <pc:chgData name="Jared Fiacco" userId="e4f6bfaef04c63d1" providerId="LiveId" clId="{D38C5BE2-17A7-461C-BD94-6C0C7CDA27B5}" dt="2022-05-19T22:51:11.256" v="2" actId="1076"/>
       <pc:docMkLst>
         <pc:docMk/>
       </pc:docMkLst>
-      <pc:sldChg chg="modSp">
-        <pc:chgData name="Jared Fiacco" userId="e4f6bfaef04c63d1" providerId="LiveId" clId="{D38C5BE2-17A7-461C-BD94-6C0C7CDA27B5}" dt="2022-05-15T13:49:29.902" v="0" actId="1076"/>
+      <pc:sldChg chg="delSp modSp">
+        <pc:chgData name="Jared Fiacco" userId="e4f6bfaef04c63d1" providerId="LiveId" clId="{D38C5BE2-17A7-461C-BD94-6C0C7CDA27B5}" dt="2022-05-19T22:51:11.256" v="2" actId="1076"/>
         <pc:sldMkLst>
           <pc:docMk/>
           <pc:sldMk cId="2637552424" sldId="266"/>
         </pc:sldMkLst>
         <pc:spChg chg="mod">
-          <ac:chgData name="Jared Fiacco" userId="e4f6bfaef04c63d1" providerId="LiveId" clId="{D38C5BE2-17A7-461C-BD94-6C0C7CDA27B5}" dt="2022-05-15T13:49:29.902" v="0" actId="1076"/>
+          <ac:chgData name="Jared Fiacco" userId="e4f6bfaef04c63d1" providerId="LiveId" clId="{D38C5BE2-17A7-461C-BD94-6C0C7CDA27B5}" dt="2022-05-19T22:51:11.256" v="2" actId="1076"/>
           <ac:spMkLst>
             <pc:docMk/>
             <pc:sldMk cId="2637552424" sldId="266"/>
@@ -157,7 +156,7 @@
           </ac:spMkLst>
         </pc:spChg>
         <pc:spChg chg="mod">
-          <ac:chgData name="Jared Fiacco" userId="e4f6bfaef04c63d1" providerId="LiveId" clId="{D38C5BE2-17A7-461C-BD94-6C0C7CDA27B5}" dt="2022-05-15T13:49:29.902" v="0" actId="1076"/>
+          <ac:chgData name="Jared Fiacco" userId="e4f6bfaef04c63d1" providerId="LiveId" clId="{D38C5BE2-17A7-461C-BD94-6C0C7CDA27B5}" dt="2022-05-19T22:51:11.256" v="2" actId="1076"/>
           <ac:spMkLst>
             <pc:docMk/>
             <pc:sldMk cId="2637552424" sldId="266"/>
@@ -165,7 +164,7 @@
           </ac:spMkLst>
         </pc:spChg>
         <pc:spChg chg="mod">
-          <ac:chgData name="Jared Fiacco" userId="e4f6bfaef04c63d1" providerId="LiveId" clId="{D38C5BE2-17A7-461C-BD94-6C0C7CDA27B5}" dt="2022-05-15T13:49:29.902" v="0" actId="1076"/>
+          <ac:chgData name="Jared Fiacco" userId="e4f6bfaef04c63d1" providerId="LiveId" clId="{D38C5BE2-17A7-461C-BD94-6C0C7CDA27B5}" dt="2022-05-19T22:51:11.256" v="2" actId="1076"/>
           <ac:spMkLst>
             <pc:docMk/>
             <pc:sldMk cId="2637552424" sldId="266"/>
@@ -173,7 +172,7 @@
           </ac:spMkLst>
         </pc:spChg>
         <pc:spChg chg="mod">
-          <ac:chgData name="Jared Fiacco" userId="e4f6bfaef04c63d1" providerId="LiveId" clId="{D38C5BE2-17A7-461C-BD94-6C0C7CDA27B5}" dt="2022-05-15T13:49:29.902" v="0" actId="1076"/>
+          <ac:chgData name="Jared Fiacco" userId="e4f6bfaef04c63d1" providerId="LiveId" clId="{D38C5BE2-17A7-461C-BD94-6C0C7CDA27B5}" dt="2022-05-19T22:51:11.256" v="2" actId="1076"/>
           <ac:spMkLst>
             <pc:docMk/>
             <pc:sldMk cId="2637552424" sldId="266"/>
@@ -181,7 +180,7 @@
           </ac:spMkLst>
         </pc:spChg>
         <pc:spChg chg="mod">
-          <ac:chgData name="Jared Fiacco" userId="e4f6bfaef04c63d1" providerId="LiveId" clId="{D38C5BE2-17A7-461C-BD94-6C0C7CDA27B5}" dt="2022-05-15T13:49:29.902" v="0" actId="1076"/>
+          <ac:chgData name="Jared Fiacco" userId="e4f6bfaef04c63d1" providerId="LiveId" clId="{D38C5BE2-17A7-461C-BD94-6C0C7CDA27B5}" dt="2022-05-19T22:51:11.256" v="2" actId="1076"/>
           <ac:spMkLst>
             <pc:docMk/>
             <pc:sldMk cId="2637552424" sldId="266"/>
@@ -189,7 +188,7 @@
           </ac:spMkLst>
         </pc:spChg>
         <pc:spChg chg="mod">
-          <ac:chgData name="Jared Fiacco" userId="e4f6bfaef04c63d1" providerId="LiveId" clId="{D38C5BE2-17A7-461C-BD94-6C0C7CDA27B5}" dt="2022-05-15T13:49:29.902" v="0" actId="1076"/>
+          <ac:chgData name="Jared Fiacco" userId="e4f6bfaef04c63d1" providerId="LiveId" clId="{D38C5BE2-17A7-461C-BD94-6C0C7CDA27B5}" dt="2022-05-19T22:51:11.256" v="2" actId="1076"/>
           <ac:spMkLst>
             <pc:docMk/>
             <pc:sldMk cId="2637552424" sldId="266"/>
@@ -197,7 +196,7 @@
           </ac:spMkLst>
         </pc:spChg>
         <pc:spChg chg="mod">
-          <ac:chgData name="Jared Fiacco" userId="e4f6bfaef04c63d1" providerId="LiveId" clId="{D38C5BE2-17A7-461C-BD94-6C0C7CDA27B5}" dt="2022-05-15T13:49:29.902" v="0" actId="1076"/>
+          <ac:chgData name="Jared Fiacco" userId="e4f6bfaef04c63d1" providerId="LiveId" clId="{D38C5BE2-17A7-461C-BD94-6C0C7CDA27B5}" dt="2022-05-19T22:51:11.256" v="2" actId="1076"/>
           <ac:spMkLst>
             <pc:docMk/>
             <pc:sldMk cId="2637552424" sldId="266"/>
@@ -205,7 +204,7 @@
           </ac:spMkLst>
         </pc:spChg>
         <pc:spChg chg="mod">
-          <ac:chgData name="Jared Fiacco" userId="e4f6bfaef04c63d1" providerId="LiveId" clId="{D38C5BE2-17A7-461C-BD94-6C0C7CDA27B5}" dt="2022-05-15T13:49:29.902" v="0" actId="1076"/>
+          <ac:chgData name="Jared Fiacco" userId="e4f6bfaef04c63d1" providerId="LiveId" clId="{D38C5BE2-17A7-461C-BD94-6C0C7CDA27B5}" dt="2022-05-19T22:51:11.256" v="2" actId="1076"/>
           <ac:spMkLst>
             <pc:docMk/>
             <pc:sldMk cId="2637552424" sldId="266"/>
@@ -213,7 +212,7 @@
           </ac:spMkLst>
         </pc:spChg>
         <pc:spChg chg="mod">
-          <ac:chgData name="Jared Fiacco" userId="e4f6bfaef04c63d1" providerId="LiveId" clId="{D38C5BE2-17A7-461C-BD94-6C0C7CDA27B5}" dt="2022-05-15T13:49:29.902" v="0" actId="1076"/>
+          <ac:chgData name="Jared Fiacco" userId="e4f6bfaef04c63d1" providerId="LiveId" clId="{D38C5BE2-17A7-461C-BD94-6C0C7CDA27B5}" dt="2022-05-19T22:51:11.256" v="2" actId="1076"/>
           <ac:spMkLst>
             <pc:docMk/>
             <pc:sldMk cId="2637552424" sldId="266"/>
@@ -221,7 +220,7 @@
           </ac:spMkLst>
         </pc:spChg>
         <pc:spChg chg="mod">
-          <ac:chgData name="Jared Fiacco" userId="e4f6bfaef04c63d1" providerId="LiveId" clId="{D38C5BE2-17A7-461C-BD94-6C0C7CDA27B5}" dt="2022-05-15T13:49:29.902" v="0" actId="1076"/>
+          <ac:chgData name="Jared Fiacco" userId="e4f6bfaef04c63d1" providerId="LiveId" clId="{D38C5BE2-17A7-461C-BD94-6C0C7CDA27B5}" dt="2022-05-19T22:51:11.256" v="2" actId="1076"/>
           <ac:spMkLst>
             <pc:docMk/>
             <pc:sldMk cId="2637552424" sldId="266"/>
@@ -229,7 +228,7 @@
           </ac:spMkLst>
         </pc:spChg>
         <pc:grpChg chg="mod">
-          <ac:chgData name="Jared Fiacco" userId="e4f6bfaef04c63d1" providerId="LiveId" clId="{D38C5BE2-17A7-461C-BD94-6C0C7CDA27B5}" dt="2022-05-15T13:49:29.902" v="0" actId="1076"/>
+          <ac:chgData name="Jared Fiacco" userId="e4f6bfaef04c63d1" providerId="LiveId" clId="{D38C5BE2-17A7-461C-BD94-6C0C7CDA27B5}" dt="2022-05-19T22:51:11.256" v="2" actId="1076"/>
           <ac:grpSpMkLst>
             <pc:docMk/>
             <pc:sldMk cId="2637552424" sldId="266"/>
@@ -237,7 +236,7 @@
           </ac:grpSpMkLst>
         </pc:grpChg>
         <pc:grpChg chg="mod">
-          <ac:chgData name="Jared Fiacco" userId="e4f6bfaef04c63d1" providerId="LiveId" clId="{D38C5BE2-17A7-461C-BD94-6C0C7CDA27B5}" dt="2022-05-15T13:49:29.902" v="0" actId="1076"/>
+          <ac:chgData name="Jared Fiacco" userId="e4f6bfaef04c63d1" providerId="LiveId" clId="{D38C5BE2-17A7-461C-BD94-6C0C7CDA27B5}" dt="2022-05-19T22:51:11.256" v="2" actId="1076"/>
           <ac:grpSpMkLst>
             <pc:docMk/>
             <pc:sldMk cId="2637552424" sldId="266"/>
@@ -245,7 +244,7 @@
           </ac:grpSpMkLst>
         </pc:grpChg>
         <pc:picChg chg="mod">
-          <ac:chgData name="Jared Fiacco" userId="e4f6bfaef04c63d1" providerId="LiveId" clId="{D38C5BE2-17A7-461C-BD94-6C0C7CDA27B5}" dt="2022-05-15T13:49:29.902" v="0" actId="1076"/>
+          <ac:chgData name="Jared Fiacco" userId="e4f6bfaef04c63d1" providerId="LiveId" clId="{D38C5BE2-17A7-461C-BD94-6C0C7CDA27B5}" dt="2022-05-19T22:51:11.256" v="2" actId="1076"/>
           <ac:picMkLst>
             <pc:docMk/>
             <pc:sldMk cId="2637552424" sldId="266"/>
@@ -253,7 +252,7 @@
           </ac:picMkLst>
         </pc:picChg>
         <pc:picChg chg="mod">
-          <ac:chgData name="Jared Fiacco" userId="e4f6bfaef04c63d1" providerId="LiveId" clId="{D38C5BE2-17A7-461C-BD94-6C0C7CDA27B5}" dt="2022-05-15T13:49:29.902" v="0" actId="1076"/>
+          <ac:chgData name="Jared Fiacco" userId="e4f6bfaef04c63d1" providerId="LiveId" clId="{D38C5BE2-17A7-461C-BD94-6C0C7CDA27B5}" dt="2022-05-19T22:51:11.256" v="2" actId="1076"/>
           <ac:picMkLst>
             <pc:docMk/>
             <pc:sldMk cId="2637552424" sldId="266"/>
@@ -261,7 +260,7 @@
           </ac:picMkLst>
         </pc:picChg>
         <pc:picChg chg="mod">
-          <ac:chgData name="Jared Fiacco" userId="e4f6bfaef04c63d1" providerId="LiveId" clId="{D38C5BE2-17A7-461C-BD94-6C0C7CDA27B5}" dt="2022-05-15T13:49:29.902" v="0" actId="1076"/>
+          <ac:chgData name="Jared Fiacco" userId="e4f6bfaef04c63d1" providerId="LiveId" clId="{D38C5BE2-17A7-461C-BD94-6C0C7CDA27B5}" dt="2022-05-19T22:51:11.256" v="2" actId="1076"/>
           <ac:picMkLst>
             <pc:docMk/>
             <pc:sldMk cId="2637552424" sldId="266"/>
@@ -269,7 +268,7 @@
           </ac:picMkLst>
         </pc:picChg>
         <pc:picChg chg="mod">
-          <ac:chgData name="Jared Fiacco" userId="e4f6bfaef04c63d1" providerId="LiveId" clId="{D38C5BE2-17A7-461C-BD94-6C0C7CDA27B5}" dt="2022-05-15T13:49:29.902" v="0" actId="1076"/>
+          <ac:chgData name="Jared Fiacco" userId="e4f6bfaef04c63d1" providerId="LiveId" clId="{D38C5BE2-17A7-461C-BD94-6C0C7CDA27B5}" dt="2022-05-19T22:51:11.256" v="2" actId="1076"/>
           <ac:picMkLst>
             <pc:docMk/>
             <pc:sldMk cId="2637552424" sldId="266"/>
@@ -277,7 +276,7 @@
           </ac:picMkLst>
         </pc:picChg>
         <pc:picChg chg="mod">
-          <ac:chgData name="Jared Fiacco" userId="e4f6bfaef04c63d1" providerId="LiveId" clId="{D38C5BE2-17A7-461C-BD94-6C0C7CDA27B5}" dt="2022-05-15T13:49:29.902" v="0" actId="1076"/>
+          <ac:chgData name="Jared Fiacco" userId="e4f6bfaef04c63d1" providerId="LiveId" clId="{D38C5BE2-17A7-461C-BD94-6C0C7CDA27B5}" dt="2022-05-19T22:51:11.256" v="2" actId="1076"/>
           <ac:picMkLst>
             <pc:docMk/>
             <pc:sldMk cId="2637552424" sldId="266"/>
@@ -285,7 +284,7 @@
           </ac:picMkLst>
         </pc:picChg>
         <pc:picChg chg="mod">
-          <ac:chgData name="Jared Fiacco" userId="e4f6bfaef04c63d1" providerId="LiveId" clId="{D38C5BE2-17A7-461C-BD94-6C0C7CDA27B5}" dt="2022-05-15T13:49:29.902" v="0" actId="1076"/>
+          <ac:chgData name="Jared Fiacco" userId="e4f6bfaef04c63d1" providerId="LiveId" clId="{D38C5BE2-17A7-461C-BD94-6C0C7CDA27B5}" dt="2022-05-19T22:51:11.256" v="2" actId="1076"/>
           <ac:picMkLst>
             <pc:docMk/>
             <pc:sldMk cId="2637552424" sldId="266"/>
@@ -293,7 +292,7 @@
           </ac:picMkLst>
         </pc:picChg>
         <pc:picChg chg="mod">
-          <ac:chgData name="Jared Fiacco" userId="e4f6bfaef04c63d1" providerId="LiveId" clId="{D38C5BE2-17A7-461C-BD94-6C0C7CDA27B5}" dt="2022-05-15T13:49:29.902" v="0" actId="1076"/>
+          <ac:chgData name="Jared Fiacco" userId="e4f6bfaef04c63d1" providerId="LiveId" clId="{D38C5BE2-17A7-461C-BD94-6C0C7CDA27B5}" dt="2022-05-19T22:51:11.256" v="2" actId="1076"/>
           <ac:picMkLst>
             <pc:docMk/>
             <pc:sldMk cId="2637552424" sldId="266"/>
@@ -301,7 +300,7 @@
           </ac:picMkLst>
         </pc:picChg>
         <pc:picChg chg="mod">
-          <ac:chgData name="Jared Fiacco" userId="e4f6bfaef04c63d1" providerId="LiveId" clId="{D38C5BE2-17A7-461C-BD94-6C0C7CDA27B5}" dt="2022-05-15T13:49:29.902" v="0" actId="1076"/>
+          <ac:chgData name="Jared Fiacco" userId="e4f6bfaef04c63d1" providerId="LiveId" clId="{D38C5BE2-17A7-461C-BD94-6C0C7CDA27B5}" dt="2022-05-19T22:51:11.256" v="2" actId="1076"/>
           <ac:picMkLst>
             <pc:docMk/>
             <pc:sldMk cId="2637552424" sldId="266"/>
@@ -309,7 +308,7 @@
           </ac:picMkLst>
         </pc:picChg>
         <pc:picChg chg="mod">
-          <ac:chgData name="Jared Fiacco" userId="e4f6bfaef04c63d1" providerId="LiveId" clId="{D38C5BE2-17A7-461C-BD94-6C0C7CDA27B5}" dt="2022-05-15T13:49:29.902" v="0" actId="1076"/>
+          <ac:chgData name="Jared Fiacco" userId="e4f6bfaef04c63d1" providerId="LiveId" clId="{D38C5BE2-17A7-461C-BD94-6C0C7CDA27B5}" dt="2022-05-19T22:51:11.256" v="2" actId="1076"/>
           <ac:picMkLst>
             <pc:docMk/>
             <pc:sldMk cId="2637552424" sldId="266"/>
@@ -317,15 +316,15 @@
           </ac:picMkLst>
         </pc:picChg>
         <pc:picChg chg="mod">
-          <ac:chgData name="Jared Fiacco" userId="e4f6bfaef04c63d1" providerId="LiveId" clId="{D38C5BE2-17A7-461C-BD94-6C0C7CDA27B5}" dt="2022-05-15T13:49:29.902" v="0" actId="1076"/>
+          <ac:chgData name="Jared Fiacco" userId="e4f6bfaef04c63d1" providerId="LiveId" clId="{D38C5BE2-17A7-461C-BD94-6C0C7CDA27B5}" dt="2022-05-19T22:51:11.256" v="2" actId="1076"/>
           <ac:picMkLst>
             <pc:docMk/>
             <pc:sldMk cId="2637552424" sldId="266"/>
             <ac:picMk id="1038" creationId="{6041EDB3-F4B2-2BA9-2F42-5EEF170FE9EA}"/>
           </ac:picMkLst>
         </pc:picChg>
-        <pc:picChg chg="mod">
-          <ac:chgData name="Jared Fiacco" userId="e4f6bfaef04c63d1" providerId="LiveId" clId="{D38C5BE2-17A7-461C-BD94-6C0C7CDA27B5}" dt="2022-05-15T13:49:29.902" v="0" actId="1076"/>
+        <pc:picChg chg="del mod">
+          <ac:chgData name="Jared Fiacco" userId="e4f6bfaef04c63d1" providerId="LiveId" clId="{D38C5BE2-17A7-461C-BD94-6C0C7CDA27B5}" dt="2022-05-19T22:51:04.861" v="1" actId="478"/>
           <ac:picMkLst>
             <pc:docMk/>
             <pc:sldMk cId="2637552424" sldId="266"/>
@@ -333,7 +332,7 @@
           </ac:picMkLst>
         </pc:picChg>
         <pc:picChg chg="mod">
-          <ac:chgData name="Jared Fiacco" userId="e4f6bfaef04c63d1" providerId="LiveId" clId="{D38C5BE2-17A7-461C-BD94-6C0C7CDA27B5}" dt="2022-05-15T13:49:29.902" v="0" actId="1076"/>
+          <ac:chgData name="Jared Fiacco" userId="e4f6bfaef04c63d1" providerId="LiveId" clId="{D38C5BE2-17A7-461C-BD94-6C0C7CDA27B5}" dt="2022-05-19T22:51:11.256" v="2" actId="1076"/>
           <ac:picMkLst>
             <pc:docMk/>
             <pc:sldMk cId="2637552424" sldId="266"/>
@@ -341,7 +340,7 @@
           </ac:picMkLst>
         </pc:picChg>
         <pc:picChg chg="mod">
-          <ac:chgData name="Jared Fiacco" userId="e4f6bfaef04c63d1" providerId="LiveId" clId="{D38C5BE2-17A7-461C-BD94-6C0C7CDA27B5}" dt="2022-05-15T13:49:29.902" v="0" actId="1076"/>
+          <ac:chgData name="Jared Fiacco" userId="e4f6bfaef04c63d1" providerId="LiveId" clId="{D38C5BE2-17A7-461C-BD94-6C0C7CDA27B5}" dt="2022-05-19T22:51:11.256" v="2" actId="1076"/>
           <ac:picMkLst>
             <pc:docMk/>
             <pc:sldMk cId="2637552424" sldId="266"/>
@@ -349,7 +348,7 @@
           </ac:picMkLst>
         </pc:picChg>
         <pc:picChg chg="mod">
-          <ac:chgData name="Jared Fiacco" userId="e4f6bfaef04c63d1" providerId="LiveId" clId="{D38C5BE2-17A7-461C-BD94-6C0C7CDA27B5}" dt="2022-05-15T13:49:29.902" v="0" actId="1076"/>
+          <ac:chgData name="Jared Fiacco" userId="e4f6bfaef04c63d1" providerId="LiveId" clId="{D38C5BE2-17A7-461C-BD94-6C0C7CDA27B5}" dt="2022-05-19T22:51:11.256" v="2" actId="1076"/>
           <ac:picMkLst>
             <pc:docMk/>
             <pc:sldMk cId="2637552424" sldId="266"/>
@@ -357,7 +356,7 @@
           </ac:picMkLst>
         </pc:picChg>
         <pc:picChg chg="mod">
-          <ac:chgData name="Jared Fiacco" userId="e4f6bfaef04c63d1" providerId="LiveId" clId="{D38C5BE2-17A7-461C-BD94-6C0C7CDA27B5}" dt="2022-05-15T13:49:29.902" v="0" actId="1076"/>
+          <ac:chgData name="Jared Fiacco" userId="e4f6bfaef04c63d1" providerId="LiveId" clId="{D38C5BE2-17A7-461C-BD94-6C0C7CDA27B5}" dt="2022-05-19T22:51:11.256" v="2" actId="1076"/>
           <ac:picMkLst>
             <pc:docMk/>
             <pc:sldMk cId="2637552424" sldId="266"/>
@@ -365,7 +364,7 @@
           </ac:picMkLst>
         </pc:picChg>
         <pc:cxnChg chg="mod">
-          <ac:chgData name="Jared Fiacco" userId="e4f6bfaef04c63d1" providerId="LiveId" clId="{D38C5BE2-17A7-461C-BD94-6C0C7CDA27B5}" dt="2022-05-15T13:49:29.902" v="0" actId="1076"/>
+          <ac:chgData name="Jared Fiacco" userId="e4f6bfaef04c63d1" providerId="LiveId" clId="{D38C5BE2-17A7-461C-BD94-6C0C7CDA27B5}" dt="2022-05-19T22:51:11.256" v="2" actId="1076"/>
           <ac:cxnSpMkLst>
             <pc:docMk/>
             <pc:sldMk cId="2637552424" sldId="266"/>
@@ -373,7 +372,7 @@
           </ac:cxnSpMkLst>
         </pc:cxnChg>
         <pc:cxnChg chg="mod">
-          <ac:chgData name="Jared Fiacco" userId="e4f6bfaef04c63d1" providerId="LiveId" clId="{D38C5BE2-17A7-461C-BD94-6C0C7CDA27B5}" dt="2022-05-15T13:49:29.902" v="0" actId="1076"/>
+          <ac:chgData name="Jared Fiacco" userId="e4f6bfaef04c63d1" providerId="LiveId" clId="{D38C5BE2-17A7-461C-BD94-6C0C7CDA27B5}" dt="2022-05-19T22:51:11.256" v="2" actId="1076"/>
           <ac:cxnSpMkLst>
             <pc:docMk/>
             <pc:sldMk cId="2637552424" sldId="266"/>
@@ -381,7 +380,7 @@
           </ac:cxnSpMkLst>
         </pc:cxnChg>
         <pc:cxnChg chg="mod">
-          <ac:chgData name="Jared Fiacco" userId="e4f6bfaef04c63d1" providerId="LiveId" clId="{D38C5BE2-17A7-461C-BD94-6C0C7CDA27B5}" dt="2022-05-15T13:49:29.902" v="0" actId="1076"/>
+          <ac:chgData name="Jared Fiacco" userId="e4f6bfaef04c63d1" providerId="LiveId" clId="{D38C5BE2-17A7-461C-BD94-6C0C7CDA27B5}" dt="2022-05-19T22:51:11.256" v="2" actId="1076"/>
           <ac:cxnSpMkLst>
             <pc:docMk/>
             <pc:sldMk cId="2637552424" sldId="266"/>
@@ -389,7 +388,7 @@
           </ac:cxnSpMkLst>
         </pc:cxnChg>
         <pc:cxnChg chg="mod">
-          <ac:chgData name="Jared Fiacco" userId="e4f6bfaef04c63d1" providerId="LiveId" clId="{D38C5BE2-17A7-461C-BD94-6C0C7CDA27B5}" dt="2022-05-15T13:49:29.902" v="0" actId="1076"/>
+          <ac:chgData name="Jared Fiacco" userId="e4f6bfaef04c63d1" providerId="LiveId" clId="{D38C5BE2-17A7-461C-BD94-6C0C7CDA27B5}" dt="2022-05-19T22:51:11.256" v="2" actId="1076"/>
           <ac:cxnSpMkLst>
             <pc:docMk/>
             <pc:sldMk cId="2637552424" sldId="266"/>
@@ -397,7 +396,7 @@
           </ac:cxnSpMkLst>
         </pc:cxnChg>
         <pc:cxnChg chg="mod">
-          <ac:chgData name="Jared Fiacco" userId="e4f6bfaef04c63d1" providerId="LiveId" clId="{D38C5BE2-17A7-461C-BD94-6C0C7CDA27B5}" dt="2022-05-15T13:49:29.902" v="0" actId="1076"/>
+          <ac:chgData name="Jared Fiacco" userId="e4f6bfaef04c63d1" providerId="LiveId" clId="{D38C5BE2-17A7-461C-BD94-6C0C7CDA27B5}" dt="2022-05-19T22:51:11.256" v="2" actId="1076"/>
           <ac:cxnSpMkLst>
             <pc:docMk/>
             <pc:sldMk cId="2637552424" sldId="266"/>
@@ -405,7 +404,7 @@
           </ac:cxnSpMkLst>
         </pc:cxnChg>
         <pc:cxnChg chg="mod">
-          <ac:chgData name="Jared Fiacco" userId="e4f6bfaef04c63d1" providerId="LiveId" clId="{D38C5BE2-17A7-461C-BD94-6C0C7CDA27B5}" dt="2022-05-15T13:49:29.902" v="0" actId="1076"/>
+          <ac:chgData name="Jared Fiacco" userId="e4f6bfaef04c63d1" providerId="LiveId" clId="{D38C5BE2-17A7-461C-BD94-6C0C7CDA27B5}" dt="2022-05-19T22:51:11.256" v="2" actId="1076"/>
           <ac:cxnSpMkLst>
             <pc:docMk/>
             <pc:sldMk cId="2637552424" sldId="266"/>
@@ -413,7 +412,7 @@
           </ac:cxnSpMkLst>
         </pc:cxnChg>
         <pc:cxnChg chg="mod">
-          <ac:chgData name="Jared Fiacco" userId="e4f6bfaef04c63d1" providerId="LiveId" clId="{D38C5BE2-17A7-461C-BD94-6C0C7CDA27B5}" dt="2022-05-15T13:49:29.902" v="0" actId="1076"/>
+          <ac:chgData name="Jared Fiacco" userId="e4f6bfaef04c63d1" providerId="LiveId" clId="{D38C5BE2-17A7-461C-BD94-6C0C7CDA27B5}" dt="2022-05-19T22:51:11.256" v="2" actId="1076"/>
           <ac:cxnSpMkLst>
             <pc:docMk/>
             <pc:sldMk cId="2637552424" sldId="266"/>
@@ -421,7 +420,7 @@
           </ac:cxnSpMkLst>
         </pc:cxnChg>
         <pc:cxnChg chg="mod">
-          <ac:chgData name="Jared Fiacco" userId="e4f6bfaef04c63d1" providerId="LiveId" clId="{D38C5BE2-17A7-461C-BD94-6C0C7CDA27B5}" dt="2022-05-15T13:49:29.902" v="0" actId="1076"/>
+          <ac:chgData name="Jared Fiacco" userId="e4f6bfaef04c63d1" providerId="LiveId" clId="{D38C5BE2-17A7-461C-BD94-6C0C7CDA27B5}" dt="2022-05-19T22:51:11.256" v="2" actId="1076"/>
           <ac:cxnSpMkLst>
             <pc:docMk/>
             <pc:sldMk cId="2637552424" sldId="266"/>
@@ -916,7 +915,7 @@
           <a:p>
             <a:fld id="{A95E8B5E-9B7E-478B-B1CC-F0BE94E1FF21}" type="datetimeFigureOut">
               <a:rPr lang="en-US" smtClean="0"/>
-              <a:t>5/15/2022</a:t>
+              <a:t>5/19/2022</a:t>
             </a:fld>
             <a:endParaRPr lang="en-US"/>
           </a:p>
@@ -1114,7 +1113,7 @@
           <a:p>
             <a:fld id="{A95E8B5E-9B7E-478B-B1CC-F0BE94E1FF21}" type="datetimeFigureOut">
               <a:rPr lang="en-US" smtClean="0"/>
-              <a:t>5/15/2022</a:t>
+              <a:t>5/19/2022</a:t>
             </a:fld>
             <a:endParaRPr lang="en-US"/>
           </a:p>
@@ -1322,7 +1321,7 @@
           <a:p>
             <a:fld id="{A95E8B5E-9B7E-478B-B1CC-F0BE94E1FF21}" type="datetimeFigureOut">
               <a:rPr lang="en-US" smtClean="0"/>
-              <a:t>5/15/2022</a:t>
+              <a:t>5/19/2022</a:t>
             </a:fld>
             <a:endParaRPr lang="en-US"/>
           </a:p>
@@ -1520,7 +1519,7 @@
           <a:p>
             <a:fld id="{A95E8B5E-9B7E-478B-B1CC-F0BE94E1FF21}" type="datetimeFigureOut">
               <a:rPr lang="en-US" smtClean="0"/>
-              <a:t>5/15/2022</a:t>
+              <a:t>5/19/2022</a:t>
             </a:fld>
             <a:endParaRPr lang="en-US"/>
           </a:p>
@@ -1795,7 +1794,7 @@
           <a:p>
             <a:fld id="{A95E8B5E-9B7E-478B-B1CC-F0BE94E1FF21}" type="datetimeFigureOut">
               <a:rPr lang="en-US" smtClean="0"/>
-              <a:t>5/15/2022</a:t>
+              <a:t>5/19/2022</a:t>
             </a:fld>
             <a:endParaRPr lang="en-US"/>
           </a:p>
@@ -2060,7 +2059,7 @@
           <a:p>
             <a:fld id="{A95E8B5E-9B7E-478B-B1CC-F0BE94E1FF21}" type="datetimeFigureOut">
               <a:rPr lang="en-US" smtClean="0"/>
-              <a:t>5/15/2022</a:t>
+              <a:t>5/19/2022</a:t>
             </a:fld>
             <a:endParaRPr lang="en-US"/>
           </a:p>
@@ -2472,7 +2471,7 @@
           <a:p>
             <a:fld id="{A95E8B5E-9B7E-478B-B1CC-F0BE94E1FF21}" type="datetimeFigureOut">
               <a:rPr lang="en-US" smtClean="0"/>
-              <a:t>5/15/2022</a:t>
+              <a:t>5/19/2022</a:t>
             </a:fld>
             <a:endParaRPr lang="en-US"/>
           </a:p>
@@ -2613,7 +2612,7 @@
           <a:p>
             <a:fld id="{A95E8B5E-9B7E-478B-B1CC-F0BE94E1FF21}" type="datetimeFigureOut">
               <a:rPr lang="en-US" smtClean="0"/>
-              <a:t>5/15/2022</a:t>
+              <a:t>5/19/2022</a:t>
             </a:fld>
             <a:endParaRPr lang="en-US"/>
           </a:p>
@@ -2726,7 +2725,7 @@
           <a:p>
             <a:fld id="{A95E8B5E-9B7E-478B-B1CC-F0BE94E1FF21}" type="datetimeFigureOut">
               <a:rPr lang="en-US" smtClean="0"/>
-              <a:t>5/15/2022</a:t>
+              <a:t>5/19/2022</a:t>
             </a:fld>
             <a:endParaRPr lang="en-US"/>
           </a:p>
@@ -3037,7 +3036,7 @@
           <a:p>
             <a:fld id="{A95E8B5E-9B7E-478B-B1CC-F0BE94E1FF21}" type="datetimeFigureOut">
               <a:rPr lang="en-US" smtClean="0"/>
-              <a:t>5/15/2022</a:t>
+              <a:t>5/19/2022</a:t>
             </a:fld>
             <a:endParaRPr lang="en-US"/>
           </a:p>
@@ -3325,7 +3324,7 @@
           <a:p>
             <a:fld id="{A95E8B5E-9B7E-478B-B1CC-F0BE94E1FF21}" type="datetimeFigureOut">
               <a:rPr lang="en-US" smtClean="0"/>
-              <a:t>5/15/2022</a:t>
+              <a:t>5/19/2022</a:t>
             </a:fld>
             <a:endParaRPr lang="en-US"/>
           </a:p>
@@ -3566,7 +3565,7 @@
           <a:p>
             <a:fld id="{A95E8B5E-9B7E-478B-B1CC-F0BE94E1FF21}" type="datetimeFigureOut">
               <a:rPr lang="en-US" smtClean="0"/>
-              <a:t>5/15/2022</a:t>
+              <a:t>5/19/2022</a:t>
             </a:fld>
             <a:endParaRPr lang="en-US"/>
           </a:p>
@@ -3997,7 +3996,7 @@
         </p:nvSpPr>
         <p:spPr>
           <a:xfrm>
-            <a:off x="493069" y="739369"/>
+            <a:off x="188269" y="695826"/>
             <a:ext cx="6537296" cy="4552219"/>
           </a:xfrm>
           <a:prstGeom prst="rect">
@@ -4059,7 +4058,7 @@
         </p:nvSpPr>
         <p:spPr>
           <a:xfrm rot="15829040" flipV="1">
-            <a:off x="7666705" y="1053759"/>
+            <a:off x="7361905" y="1010216"/>
             <a:ext cx="398534" cy="3991667"/>
           </a:xfrm>
           <a:prstGeom prst="curvedLeftArrow">
@@ -4123,7 +4122,7 @@
         </p:nvCxnSpPr>
         <p:spPr>
           <a:xfrm flipV="1">
-            <a:off x="6482109" y="4161299"/>
+            <a:off x="6177309" y="4117756"/>
             <a:ext cx="2091358" cy="4638"/>
           </a:xfrm>
           <a:prstGeom prst="straightConnector1">
@@ -4167,7 +4166,7 @@
         </p:nvCxnSpPr>
         <p:spPr>
           <a:xfrm>
-            <a:off x="1486933" y="2326059"/>
+            <a:off x="1182133" y="2282516"/>
             <a:ext cx="14566" cy="1206849"/>
           </a:xfrm>
           <a:prstGeom prst="straightConnector1">
@@ -4209,7 +4208,7 @@
         </p:nvGrpSpPr>
         <p:grpSpPr>
           <a:xfrm>
-            <a:off x="4866335" y="3477950"/>
+            <a:off x="4561535" y="3434407"/>
             <a:ext cx="1965846" cy="1536205"/>
             <a:chOff x="3343002" y="3461920"/>
             <a:chExt cx="1965846" cy="1536205"/>
@@ -4367,7 +4366,7 @@
         </p:nvSpPr>
         <p:spPr>
           <a:xfrm>
-            <a:off x="5108206" y="716523"/>
+            <a:off x="4803406" y="672980"/>
             <a:ext cx="1524013" cy="400110"/>
           </a:xfrm>
           <a:prstGeom prst="rect">
@@ -4407,7 +4406,7 @@
         </p:nvSpPr>
         <p:spPr>
           <a:xfrm>
-            <a:off x="919735" y="4646895"/>
+            <a:off x="614935" y="4603352"/>
             <a:ext cx="1161248" cy="400110"/>
           </a:xfrm>
           <a:prstGeom prst="rect">
@@ -4447,7 +4446,7 @@
         </p:nvSpPr>
         <p:spPr>
           <a:xfrm>
-            <a:off x="750645" y="818462"/>
+            <a:off x="445845" y="774919"/>
             <a:ext cx="1582787" cy="400110"/>
           </a:xfrm>
           <a:prstGeom prst="rect">
@@ -4489,7 +4488,7 @@
         </p:nvCxnSpPr>
         <p:spPr>
           <a:xfrm>
-            <a:off x="2149557" y="4129526"/>
+            <a:off x="1844757" y="4085983"/>
             <a:ext cx="873863" cy="0"/>
           </a:xfrm>
           <a:prstGeom prst="straightConnector1">
@@ -4533,7 +4532,7 @@
         </p:nvCxnSpPr>
         <p:spPr>
           <a:xfrm flipV="1">
-            <a:off x="5784404" y="2088356"/>
+            <a:off x="5479604" y="2044813"/>
             <a:ext cx="11339" cy="1358997"/>
           </a:xfrm>
           <a:prstGeom prst="straightConnector1">
@@ -4592,7 +4591,7 @@
         </p:blipFill>
         <p:spPr>
           <a:xfrm>
-            <a:off x="6935369" y="1136332"/>
+            <a:off x="6630569" y="1092789"/>
             <a:ext cx="904978" cy="904978"/>
           </a:xfrm>
           <a:prstGeom prst="rect">
@@ -4614,7 +4613,7 @@
         </p:nvSpPr>
         <p:spPr>
           <a:xfrm>
-            <a:off x="7504286" y="1378054"/>
+            <a:off x="7199486" y="1334511"/>
             <a:ext cx="1618014" cy="400110"/>
           </a:xfrm>
           <a:prstGeom prst="rect">
@@ -4657,7 +4656,7 @@
         </p:nvCxnSpPr>
         <p:spPr>
           <a:xfrm>
-            <a:off x="6366452" y="1588379"/>
+            <a:off x="6061652" y="1544836"/>
             <a:ext cx="568917" cy="442"/>
           </a:xfrm>
           <a:prstGeom prst="straightConnector1">
@@ -4687,51 +4686,6 @@
       </p:cxnSp>
       <p:pic>
         <p:nvPicPr>
-          <p:cNvPr id="1040" name="Picture 16">
-            <a:extLst>
-              <a:ext uri="{FF2B5EF4-FFF2-40B4-BE49-F238E27FC236}">
-                <a16:creationId xmlns:a16="http://schemas.microsoft.com/office/drawing/2014/main" id="{D7B46418-511E-4114-8B8D-7D6CD964B97B}"/>
-              </a:ext>
-            </a:extLst>
-          </p:cNvPr>
-          <p:cNvPicPr>
-            <a:picLocks noChangeAspect="1" noChangeArrowheads="1"/>
-          </p:cNvPicPr>
-          <p:nvPr/>
-        </p:nvPicPr>
-        <p:blipFill rotWithShape="1">
-          <a:blip r:embed="rId7">
-            <a:extLst>
-              <a:ext uri="{28A0092B-C50C-407E-A947-70E740481C1C}">
-                <a14:useLocalDpi xmlns:a14="http://schemas.microsoft.com/office/drawing/2010/main" val="0"/>
-              </a:ext>
-            </a:extLst>
-          </a:blip>
-          <a:srcRect l="4363" t="48833" r="5439"/>
-          <a:stretch/>
-        </p:blipFill>
-        <p:spPr bwMode="auto">
-          <a:xfrm>
-            <a:off x="11286350" y="1075515"/>
-            <a:ext cx="1362101" cy="1051343"/>
-          </a:xfrm>
-          <a:prstGeom prst="rect">
-            <a:avLst/>
-          </a:prstGeom>
-          <a:noFill/>
-          <a:extLst>
-            <a:ext uri="{909E8E84-426E-40DD-AFC4-6F175D3DCCD1}">
-              <a14:hiddenFill xmlns:a14="http://schemas.microsoft.com/office/drawing/2010/main">
-                <a:solidFill>
-                  <a:srgbClr val="FFFFFF"/>
-                </a:solidFill>
-              </a14:hiddenFill>
-            </a:ext>
-          </a:extLst>
-        </p:spPr>
-      </p:pic>
-      <p:pic>
-        <p:nvPicPr>
           <p:cNvPr id="1042" name="Picture 18" descr="Gmail Logo (2022) - Free Download PNG, SVG, AI">
             <a:extLst>
               <a:ext uri="{FF2B5EF4-FFF2-40B4-BE49-F238E27FC236}">
@@ -4745,7 +4699,7 @@
           <p:nvPr/>
         </p:nvPicPr>
         <p:blipFill>
-          <a:blip r:embed="rId8">
+          <a:blip r:embed="rId7">
             <a:extLst>
               <a:ext uri="{28A0092B-C50C-407E-A947-70E740481C1C}">
                 <a14:useLocalDpi xmlns:a14="http://schemas.microsoft.com/office/drawing/2010/main" val="0"/>
@@ -4759,7 +4713,7 @@
         </p:blipFill>
         <p:spPr bwMode="auto">
           <a:xfrm>
-            <a:off x="9636474" y="1223937"/>
+            <a:off x="9331674" y="1180394"/>
             <a:ext cx="1010913" cy="754501"/>
           </a:xfrm>
           <a:prstGeom prst="rect">
@@ -4793,7 +4747,7 @@
         </p:nvCxnSpPr>
         <p:spPr>
           <a:xfrm flipV="1">
-            <a:off x="9037560" y="1578109"/>
+            <a:off x="8732760" y="1534566"/>
             <a:ext cx="501644" cy="2457"/>
           </a:xfrm>
           <a:prstGeom prst="straightConnector1">
@@ -4837,7 +4791,7 @@
         </p:nvCxnSpPr>
         <p:spPr>
           <a:xfrm flipV="1">
-            <a:off x="10731346" y="1575652"/>
+            <a:off x="10426546" y="1532109"/>
             <a:ext cx="501644" cy="2457"/>
           </a:xfrm>
           <a:prstGeom prst="straightConnector1">
@@ -4879,7 +4833,7 @@
         </p:nvSpPr>
         <p:spPr>
           <a:xfrm>
-            <a:off x="8259710" y="600002"/>
+            <a:off x="7954910" y="556459"/>
             <a:ext cx="3408604" cy="338554"/>
           </a:xfrm>
           <a:prstGeom prst="rect">
@@ -4922,7 +4876,7 @@
           <p:nvPr/>
         </p:nvPicPr>
         <p:blipFill rotWithShape="1">
-          <a:blip r:embed="rId9">
+          <a:blip r:embed="rId8">
             <a:extLst>
               <a:ext uri="{28A0092B-C50C-407E-A947-70E740481C1C}">
                 <a14:useLocalDpi xmlns:a14="http://schemas.microsoft.com/office/drawing/2010/main" val="0"/>
@@ -4934,7 +4888,7 @@
         </p:blipFill>
         <p:spPr bwMode="auto">
           <a:xfrm>
-            <a:off x="5290674" y="1039876"/>
+            <a:off x="4985874" y="996333"/>
             <a:ext cx="1016476" cy="1050901"/>
           </a:xfrm>
           <a:prstGeom prst="rect">
@@ -4967,7 +4921,7 @@
           <p:nvPr/>
         </p:nvPicPr>
         <p:blipFill rotWithShape="1">
-          <a:blip r:embed="rId10">
+          <a:blip r:embed="rId9">
             <a:extLst>
               <a:ext uri="{28A0092B-C50C-407E-A947-70E740481C1C}">
                 <a14:useLocalDpi xmlns:a14="http://schemas.microsoft.com/office/drawing/2010/main" val="0"/>
@@ -4979,7 +4933,7 @@
         </p:blipFill>
         <p:spPr bwMode="auto">
           <a:xfrm>
-            <a:off x="984566" y="3602549"/>
+            <a:off x="679766" y="3559006"/>
             <a:ext cx="1114946" cy="1025438"/>
           </a:xfrm>
           <a:prstGeom prst="rect">
@@ -5012,7 +4966,7 @@
           <p:nvPr/>
         </p:nvPicPr>
         <p:blipFill>
-          <a:blip r:embed="rId11">
+          <a:blip r:embed="rId10">
             <a:extLst>
               <a:ext uri="{28A0092B-C50C-407E-A947-70E740481C1C}">
                 <a14:useLocalDpi xmlns:a14="http://schemas.microsoft.com/office/drawing/2010/main" val="0"/>
@@ -5026,7 +4980,7 @@
         </p:blipFill>
         <p:spPr bwMode="auto">
           <a:xfrm>
-            <a:off x="999179" y="1166064"/>
+            <a:off x="694379" y="1122521"/>
             <a:ext cx="975507" cy="1105216"/>
           </a:xfrm>
           <a:prstGeom prst="rect">
@@ -5059,7 +5013,7 @@
           <p:nvPr/>
         </p:nvPicPr>
         <p:blipFill rotWithShape="1">
-          <a:blip r:embed="rId12">
+          <a:blip r:embed="rId11">
             <a:extLst>
               <a:ext uri="{28A0092B-C50C-407E-A947-70E740481C1C}">
                 <a14:useLocalDpi xmlns:a14="http://schemas.microsoft.com/office/drawing/2010/main" val="0"/>
@@ -5071,7 +5025,7 @@
         </p:blipFill>
         <p:spPr bwMode="auto">
           <a:xfrm>
-            <a:off x="3106692" y="3447353"/>
+            <a:off x="2801892" y="3403810"/>
             <a:ext cx="1297135" cy="1428745"/>
           </a:xfrm>
           <a:prstGeom prst="rect">
@@ -5104,7 +5058,7 @@
           <p:nvPr/>
         </p:nvPicPr>
         <p:blipFill>
-          <a:blip r:embed="rId13">
+          <a:blip r:embed="rId12">
             <a:extLst>
               <a:ext uri="{28A0092B-C50C-407E-A947-70E740481C1C}">
                 <a14:useLocalDpi xmlns:a14="http://schemas.microsoft.com/office/drawing/2010/main" val="0"/>
@@ -5118,7 +5072,7 @@
         </p:blipFill>
         <p:spPr bwMode="auto">
           <a:xfrm>
-            <a:off x="3002069" y="1201270"/>
+            <a:off x="2697269" y="1157727"/>
             <a:ext cx="1336098" cy="799832"/>
           </a:xfrm>
           <a:prstGeom prst="rect">
@@ -5150,7 +5104,7 @@
         </p:nvSpPr>
         <p:spPr>
           <a:xfrm>
-            <a:off x="3434297" y="4793966"/>
+            <a:off x="3129497" y="4750423"/>
             <a:ext cx="632102" cy="400110"/>
           </a:xfrm>
           <a:prstGeom prst="rect">
@@ -5190,7 +5144,7 @@
         </p:nvGrpSpPr>
         <p:grpSpPr>
           <a:xfrm>
-            <a:off x="8236039" y="3025374"/>
+            <a:off x="7931239" y="2981831"/>
             <a:ext cx="3105223" cy="3461043"/>
             <a:chOff x="8991153" y="3167002"/>
             <a:chExt cx="3105223" cy="3461043"/>
@@ -5202,6 +5156,53 @@
               <a:extLst>
                 <a:ext uri="{FF2B5EF4-FFF2-40B4-BE49-F238E27FC236}">
                   <a16:creationId xmlns:a16="http://schemas.microsoft.com/office/drawing/2014/main" id="{12E4C943-39D1-C0A6-627C-640C39364F38}"/>
+                </a:ext>
+              </a:extLst>
+            </p:cNvPr>
+            <p:cNvPicPr>
+              <a:picLocks noChangeAspect="1" noChangeArrowheads="1"/>
+            </p:cNvPicPr>
+            <p:nvPr/>
+          </p:nvPicPr>
+          <p:blipFill>
+            <a:blip r:embed="rId13">
+              <a:extLst>
+                <a:ext uri="{28A0092B-C50C-407E-A947-70E740481C1C}">
+                  <a14:useLocalDpi xmlns:a14="http://schemas.microsoft.com/office/drawing/2010/main" val="0"/>
+                </a:ext>
+              </a:extLst>
+            </a:blip>
+            <a:srcRect/>
+            <a:stretch>
+              <a:fillRect/>
+            </a:stretch>
+          </p:blipFill>
+          <p:spPr bwMode="auto">
+            <a:xfrm>
+              <a:off x="9724407" y="3458933"/>
+              <a:ext cx="1677140" cy="568630"/>
+            </a:xfrm>
+            <a:prstGeom prst="rect">
+              <a:avLst/>
+            </a:prstGeom>
+            <a:noFill/>
+            <a:extLst>
+              <a:ext uri="{909E8E84-426E-40DD-AFC4-6F175D3DCCD1}">
+                <a14:hiddenFill xmlns:a14="http://schemas.microsoft.com/office/drawing/2010/main">
+                  <a:solidFill>
+                    <a:srgbClr val="FFFFFF"/>
+                  </a:solidFill>
+                </a14:hiddenFill>
+              </a:ext>
+            </a:extLst>
+          </p:spPr>
+        </p:pic>
+        <p:pic>
+          <p:nvPicPr>
+            <p:cNvPr id="8" name="Picture 16" descr="Lyft Logo / Internet / Logonoid.com">
+              <a:extLst>
+                <a:ext uri="{FF2B5EF4-FFF2-40B4-BE49-F238E27FC236}">
+                  <a16:creationId xmlns:a16="http://schemas.microsoft.com/office/drawing/2014/main" id="{8E4E5B15-A4EB-6EFA-16C8-BEAD11DEBFC4}"/>
                 </a:ext>
               </a:extLst>
             </p:cNvPr>
@@ -5225,53 +5226,6 @@
           </p:blipFill>
           <p:spPr bwMode="auto">
             <a:xfrm>
-              <a:off x="9724407" y="3458933"/>
-              <a:ext cx="1677140" cy="568630"/>
-            </a:xfrm>
-            <a:prstGeom prst="rect">
-              <a:avLst/>
-            </a:prstGeom>
-            <a:noFill/>
-            <a:extLst>
-              <a:ext uri="{909E8E84-426E-40DD-AFC4-6F175D3DCCD1}">
-                <a14:hiddenFill xmlns:a14="http://schemas.microsoft.com/office/drawing/2010/main">
-                  <a:solidFill>
-                    <a:srgbClr val="FFFFFF"/>
-                  </a:solidFill>
-                </a14:hiddenFill>
-              </a:ext>
-            </a:extLst>
-          </p:spPr>
-        </p:pic>
-        <p:pic>
-          <p:nvPicPr>
-            <p:cNvPr id="8" name="Picture 16" descr="Lyft Logo / Internet / Logonoid.com">
-              <a:extLst>
-                <a:ext uri="{FF2B5EF4-FFF2-40B4-BE49-F238E27FC236}">
-                  <a16:creationId xmlns:a16="http://schemas.microsoft.com/office/drawing/2014/main" id="{8E4E5B15-A4EB-6EFA-16C8-BEAD11DEBFC4}"/>
-                </a:ext>
-              </a:extLst>
-            </p:cNvPr>
-            <p:cNvPicPr>
-              <a:picLocks noChangeAspect="1" noChangeArrowheads="1"/>
-            </p:cNvPicPr>
-            <p:nvPr/>
-          </p:nvPicPr>
-          <p:blipFill>
-            <a:blip r:embed="rId15">
-              <a:extLst>
-                <a:ext uri="{28A0092B-C50C-407E-A947-70E740481C1C}">
-                  <a14:useLocalDpi xmlns:a14="http://schemas.microsoft.com/office/drawing/2010/main" val="0"/>
-                </a:ext>
-              </a:extLst>
-            </a:blip>
-            <a:srcRect/>
-            <a:stretch>
-              <a:fillRect/>
-            </a:stretch>
-          </p:blipFill>
-          <p:spPr bwMode="auto">
-            <a:xfrm>
               <a:off x="10072046" y="3947785"/>
               <a:ext cx="1141662" cy="809450"/>
             </a:xfrm>
@@ -5305,7 +5259,7 @@
             <p:nvPr/>
           </p:nvPicPr>
           <p:blipFill rotWithShape="1">
-            <a:blip r:embed="rId16">
+            <a:blip r:embed="rId15">
               <a:extLst>
                 <a:ext uri="{28A0092B-C50C-407E-A947-70E740481C1C}">
                   <a14:useLocalDpi xmlns:a14="http://schemas.microsoft.com/office/drawing/2010/main" val="0"/>
@@ -5350,7 +5304,7 @@
             <p:nvPr/>
           </p:nvPicPr>
           <p:blipFill>
-            <a:blip r:embed="rId17">
+            <a:blip r:embed="rId16">
               <a:extLst>
                 <a:ext uri="{28A0092B-C50C-407E-A947-70E740481C1C}">
                   <a14:useLocalDpi xmlns:a14="http://schemas.microsoft.com/office/drawing/2010/main" val="0"/>
@@ -5397,7 +5351,7 @@
             <p:nvPr/>
           </p:nvPicPr>
           <p:blipFill>
-            <a:blip r:embed="rId18">
+            <a:blip r:embed="rId17">
               <a:extLst>
                 <a:ext uri="{28A0092B-C50C-407E-A947-70E740481C1C}">
                   <a14:useLocalDpi xmlns:a14="http://schemas.microsoft.com/office/drawing/2010/main" val="0"/>
@@ -5488,7 +5442,7 @@
         </p:nvCxnSpPr>
         <p:spPr>
           <a:xfrm>
-            <a:off x="4349775" y="4120552"/>
+            <a:off x="4044975" y="4077009"/>
             <a:ext cx="873863" cy="0"/>
           </a:xfrm>
           <a:prstGeom prst="straightConnector1">

--- a/images/ProcessMap.pptx
+++ b/images/ProcessMap.pptx
@@ -6,18 +6,10 @@
   </p:sldMasterIdLst>
   <p:sldIdLst>
     <p:sldId id="266" r:id="rId2"/>
-    <p:sldId id="261" r:id="rId3"/>
-    <p:sldId id="265" r:id="rId4"/>
-    <p:sldId id="260" r:id="rId5"/>
-    <p:sldId id="262" r:id="rId6"/>
-    <p:sldId id="263" r:id="rId7"/>
-    <p:sldId id="268" r:id="rId8"/>
-    <p:sldId id="269" r:id="rId9"/>
-    <p:sldId id="270" r:id="rId10"/>
-    <p:sldId id="264" r:id="rId11"/>
-    <p:sldId id="271" r:id="rId12"/>
-    <p:sldId id="257" r:id="rId13"/>
-    <p:sldId id="267" r:id="rId14"/>
+    <p:sldId id="267" r:id="rId3"/>
+    <p:sldId id="268" r:id="rId4"/>
+    <p:sldId id="269" r:id="rId5"/>
+    <p:sldId id="270" r:id="rId6"/>
   </p:sldIdLst>
   <p:sldSz cx="12192000" cy="6858000"/>
   <p:notesSz cx="6858000" cy="9144000"/>
@@ -127,7 +119,7 @@
 <file path=ppt/revisionInfo.xml><?xml version="1.0" encoding="utf-8"?>
 <p1510:revInfo xmlns:a="http://schemas.openxmlformats.org/drawingml/2006/main" xmlns:r="http://schemas.openxmlformats.org/officeDocument/2006/relationships" xmlns:p1510="http://schemas.microsoft.com/office/powerpoint/2015/10/main">
   <p1510:revLst>
-    <p1510:client id="{D38C5BE2-17A7-461C-BD94-6C0C7CDA27B5}" v="79" dt="2022-05-19T22:51:11.256"/>
+    <p1510:client id="{D38C5BE2-17A7-461C-BD94-6C0C7CDA27B5}" v="103" dt="2022-05-20T00:22:58.082"/>
   </p1510:revLst>
 </p1510:revInfo>
 </file>
@@ -136,27 +128,92 @@
 <pc:chgInfo xmlns:a="http://schemas.openxmlformats.org/drawingml/2006/main" xmlns:r="http://schemas.openxmlformats.org/officeDocument/2006/relationships" xmlns:ac="http://schemas.microsoft.com/office/drawing/2013/main/command" xmlns:pc="http://schemas.microsoft.com/office/powerpoint/2013/main/command">
   <pc:docChgLst>
     <pc:chgData name="Jared Fiacco" userId="e4f6bfaef04c63d1" providerId="LiveId" clId="{D38C5BE2-17A7-461C-BD94-6C0C7CDA27B5}"/>
-    <pc:docChg chg="modSld">
-      <pc:chgData name="Jared Fiacco" userId="e4f6bfaef04c63d1" providerId="LiveId" clId="{D38C5BE2-17A7-461C-BD94-6C0C7CDA27B5}" dt="2022-05-19T22:51:11.256" v="2" actId="1076"/>
+    <pc:docChg chg="undo custSel addSld delSld modSld">
+      <pc:chgData name="Jared Fiacco" userId="e4f6bfaef04c63d1" providerId="LiveId" clId="{D38C5BE2-17A7-461C-BD94-6C0C7CDA27B5}" dt="2022-05-20T00:23:04.046" v="344" actId="478"/>
       <pc:docMkLst>
         <pc:docMk/>
       </pc:docMkLst>
-      <pc:sldChg chg="delSp modSp">
-        <pc:chgData name="Jared Fiacco" userId="e4f6bfaef04c63d1" providerId="LiveId" clId="{D38C5BE2-17A7-461C-BD94-6C0C7CDA27B5}" dt="2022-05-19T22:51:11.256" v="2" actId="1076"/>
+      <pc:sldChg chg="del">
+        <pc:chgData name="Jared Fiacco" userId="e4f6bfaef04c63d1" providerId="LiveId" clId="{D38C5BE2-17A7-461C-BD94-6C0C7CDA27B5}" dt="2022-05-19T23:49:25.274" v="303" actId="47"/>
+        <pc:sldMkLst>
+          <pc:docMk/>
+          <pc:sldMk cId="3995841754" sldId="257"/>
+        </pc:sldMkLst>
+      </pc:sldChg>
+      <pc:sldChg chg="del">
+        <pc:chgData name="Jared Fiacco" userId="e4f6bfaef04c63d1" providerId="LiveId" clId="{D38C5BE2-17A7-461C-BD94-6C0C7CDA27B5}" dt="2022-05-19T23:49:20.799" v="295" actId="47"/>
+        <pc:sldMkLst>
+          <pc:docMk/>
+          <pc:sldMk cId="2533316695" sldId="260"/>
+        </pc:sldMkLst>
+      </pc:sldChg>
+      <pc:sldChg chg="del">
+        <pc:chgData name="Jared Fiacco" userId="e4f6bfaef04c63d1" providerId="LiveId" clId="{D38C5BE2-17A7-461C-BD94-6C0C7CDA27B5}" dt="2022-05-19T23:49:19.176" v="293" actId="47"/>
+        <pc:sldMkLst>
+          <pc:docMk/>
+          <pc:sldMk cId="3500024006" sldId="261"/>
+        </pc:sldMkLst>
+      </pc:sldChg>
+      <pc:sldChg chg="del">
+        <pc:chgData name="Jared Fiacco" userId="e4f6bfaef04c63d1" providerId="LiveId" clId="{D38C5BE2-17A7-461C-BD94-6C0C7CDA27B5}" dt="2022-05-19T23:49:21.480" v="296" actId="47"/>
+        <pc:sldMkLst>
+          <pc:docMk/>
+          <pc:sldMk cId="4212965284" sldId="262"/>
+        </pc:sldMkLst>
+      </pc:sldChg>
+      <pc:sldChg chg="del">
+        <pc:chgData name="Jared Fiacco" userId="e4f6bfaef04c63d1" providerId="LiveId" clId="{D38C5BE2-17A7-461C-BD94-6C0C7CDA27B5}" dt="2022-05-19T23:49:22.130" v="297" actId="47"/>
+        <pc:sldMkLst>
+          <pc:docMk/>
+          <pc:sldMk cId="822399426" sldId="263"/>
+        </pc:sldMkLst>
+      </pc:sldChg>
+      <pc:sldChg chg="del">
+        <pc:chgData name="Jared Fiacco" userId="e4f6bfaef04c63d1" providerId="LiveId" clId="{D38C5BE2-17A7-461C-BD94-6C0C7CDA27B5}" dt="2022-05-19T23:49:23.912" v="301" actId="47"/>
+        <pc:sldMkLst>
+          <pc:docMk/>
+          <pc:sldMk cId="3824346644" sldId="264"/>
+        </pc:sldMkLst>
+      </pc:sldChg>
+      <pc:sldChg chg="del">
+        <pc:chgData name="Jared Fiacco" userId="e4f6bfaef04c63d1" providerId="LiveId" clId="{D38C5BE2-17A7-461C-BD94-6C0C7CDA27B5}" dt="2022-05-19T23:49:20.064" v="294" actId="47"/>
+        <pc:sldMkLst>
+          <pc:docMk/>
+          <pc:sldMk cId="3204689719" sldId="265"/>
+        </pc:sldMkLst>
+      </pc:sldChg>
+      <pc:sldChg chg="addSp delSp modSp mod">
+        <pc:chgData name="Jared Fiacco" userId="e4f6bfaef04c63d1" providerId="LiveId" clId="{D38C5BE2-17A7-461C-BD94-6C0C7CDA27B5}" dt="2022-05-19T23:48:58.648" v="292" actId="1076"/>
         <pc:sldMkLst>
           <pc:docMk/>
           <pc:sldMk cId="2637552424" sldId="266"/>
         </pc:sldMkLst>
+        <pc:spChg chg="add mod ord">
+          <ac:chgData name="Jared Fiacco" userId="e4f6bfaef04c63d1" providerId="LiveId" clId="{D38C5BE2-17A7-461C-BD94-6C0C7CDA27B5}" dt="2022-05-19T23:48:58.648" v="292" actId="1076"/>
+          <ac:spMkLst>
+            <pc:docMk/>
+            <pc:sldMk cId="2637552424" sldId="266"/>
+            <ac:spMk id="7" creationId="{DC8B8C25-E888-B12C-0492-5ED76DA79D84}"/>
+          </ac:spMkLst>
+        </pc:spChg>
         <pc:spChg chg="mod">
-          <ac:chgData name="Jared Fiacco" userId="e4f6bfaef04c63d1" providerId="LiveId" clId="{D38C5BE2-17A7-461C-BD94-6C0C7CDA27B5}" dt="2022-05-19T22:51:11.256" v="2" actId="1076"/>
+          <ac:chgData name="Jared Fiacco" userId="e4f6bfaef04c63d1" providerId="LiveId" clId="{D38C5BE2-17A7-461C-BD94-6C0C7CDA27B5}" dt="2022-05-19T23:48:58.648" v="292" actId="1076"/>
           <ac:spMkLst>
             <pc:docMk/>
             <pc:sldMk cId="2637552424" sldId="266"/>
             <ac:spMk id="38" creationId="{FB331FEB-7A12-1CEE-33B8-6F50F3A3886C}"/>
           </ac:spMkLst>
         </pc:spChg>
+        <pc:spChg chg="add mod">
+          <ac:chgData name="Jared Fiacco" userId="e4f6bfaef04c63d1" providerId="LiveId" clId="{D38C5BE2-17A7-461C-BD94-6C0C7CDA27B5}" dt="2022-05-19T23:48:58.648" v="292" actId="1076"/>
+          <ac:spMkLst>
+            <pc:docMk/>
+            <pc:sldMk cId="2637552424" sldId="266"/>
+            <ac:spMk id="39" creationId="{CC445EB6-0CEE-8D4A-EB26-4E70CD0D8890}"/>
+          </ac:spMkLst>
+        </pc:spChg>
         <pc:spChg chg="mod">
-          <ac:chgData name="Jared Fiacco" userId="e4f6bfaef04c63d1" providerId="LiveId" clId="{D38C5BE2-17A7-461C-BD94-6C0C7CDA27B5}" dt="2022-05-19T22:51:11.256" v="2" actId="1076"/>
+          <ac:chgData name="Jared Fiacco" userId="e4f6bfaef04c63d1" providerId="LiveId" clId="{D38C5BE2-17A7-461C-BD94-6C0C7CDA27B5}" dt="2022-05-19T23:48:58.648" v="292" actId="1076"/>
           <ac:spMkLst>
             <pc:docMk/>
             <pc:sldMk cId="2637552424" sldId="266"/>
@@ -164,7 +221,7 @@
           </ac:spMkLst>
         </pc:spChg>
         <pc:spChg chg="mod">
-          <ac:chgData name="Jared Fiacco" userId="e4f6bfaef04c63d1" providerId="LiveId" clId="{D38C5BE2-17A7-461C-BD94-6C0C7CDA27B5}" dt="2022-05-19T22:51:11.256" v="2" actId="1076"/>
+          <ac:chgData name="Jared Fiacco" userId="e4f6bfaef04c63d1" providerId="LiveId" clId="{D38C5BE2-17A7-461C-BD94-6C0C7CDA27B5}" dt="2022-05-19T23:48:58.648" v="292" actId="1076"/>
           <ac:spMkLst>
             <pc:docMk/>
             <pc:sldMk cId="2637552424" sldId="266"/>
@@ -172,15 +229,15 @@
           </ac:spMkLst>
         </pc:spChg>
         <pc:spChg chg="mod">
-          <ac:chgData name="Jared Fiacco" userId="e4f6bfaef04c63d1" providerId="LiveId" clId="{D38C5BE2-17A7-461C-BD94-6C0C7CDA27B5}" dt="2022-05-19T22:51:11.256" v="2" actId="1076"/>
+          <ac:chgData name="Jared Fiacco" userId="e4f6bfaef04c63d1" providerId="LiveId" clId="{D38C5BE2-17A7-461C-BD94-6C0C7CDA27B5}" dt="2022-05-19T23:48:58.648" v="292" actId="1076"/>
           <ac:spMkLst>
             <pc:docMk/>
             <pc:sldMk cId="2637552424" sldId="266"/>
             <ac:spMk id="44" creationId="{573F4EF7-DDBC-4CC4-A95C-DD8AEB8B3A09}"/>
           </ac:spMkLst>
         </pc:spChg>
-        <pc:spChg chg="mod">
-          <ac:chgData name="Jared Fiacco" userId="e4f6bfaef04c63d1" providerId="LiveId" clId="{D38C5BE2-17A7-461C-BD94-6C0C7CDA27B5}" dt="2022-05-19T22:51:11.256" v="2" actId="1076"/>
+        <pc:spChg chg="mod ord">
+          <ac:chgData name="Jared Fiacco" userId="e4f6bfaef04c63d1" providerId="LiveId" clId="{D38C5BE2-17A7-461C-BD94-6C0C7CDA27B5}" dt="2022-05-19T23:48:58.648" v="292" actId="1076"/>
           <ac:spMkLst>
             <pc:docMk/>
             <pc:sldMk cId="2637552424" sldId="266"/>
@@ -188,7 +245,7 @@
           </ac:spMkLst>
         </pc:spChg>
         <pc:spChg chg="mod">
-          <ac:chgData name="Jared Fiacco" userId="e4f6bfaef04c63d1" providerId="LiveId" clId="{D38C5BE2-17A7-461C-BD94-6C0C7CDA27B5}" dt="2022-05-19T22:51:11.256" v="2" actId="1076"/>
+          <ac:chgData name="Jared Fiacco" userId="e4f6bfaef04c63d1" providerId="LiveId" clId="{D38C5BE2-17A7-461C-BD94-6C0C7CDA27B5}" dt="2022-05-19T23:48:58.648" v="292" actId="1076"/>
           <ac:spMkLst>
             <pc:docMk/>
             <pc:sldMk cId="2637552424" sldId="266"/>
@@ -196,7 +253,7 @@
           </ac:spMkLst>
         </pc:spChg>
         <pc:spChg chg="mod">
-          <ac:chgData name="Jared Fiacco" userId="e4f6bfaef04c63d1" providerId="LiveId" clId="{D38C5BE2-17A7-461C-BD94-6C0C7CDA27B5}" dt="2022-05-19T22:51:11.256" v="2" actId="1076"/>
+          <ac:chgData name="Jared Fiacco" userId="e4f6bfaef04c63d1" providerId="LiveId" clId="{D38C5BE2-17A7-461C-BD94-6C0C7CDA27B5}" dt="2022-05-19T23:48:58.648" v="292" actId="1076"/>
           <ac:spMkLst>
             <pc:docMk/>
             <pc:sldMk cId="2637552424" sldId="266"/>
@@ -204,7 +261,7 @@
           </ac:spMkLst>
         </pc:spChg>
         <pc:spChg chg="mod">
-          <ac:chgData name="Jared Fiacco" userId="e4f6bfaef04c63d1" providerId="LiveId" clId="{D38C5BE2-17A7-461C-BD94-6C0C7CDA27B5}" dt="2022-05-19T22:51:11.256" v="2" actId="1076"/>
+          <ac:chgData name="Jared Fiacco" userId="e4f6bfaef04c63d1" providerId="LiveId" clId="{D38C5BE2-17A7-461C-BD94-6C0C7CDA27B5}" dt="2022-05-19T23:48:58.648" v="292" actId="1076"/>
           <ac:spMkLst>
             <pc:docMk/>
             <pc:sldMk cId="2637552424" sldId="266"/>
@@ -212,7 +269,7 @@
           </ac:spMkLst>
         </pc:spChg>
         <pc:spChg chg="mod">
-          <ac:chgData name="Jared Fiacco" userId="e4f6bfaef04c63d1" providerId="LiveId" clId="{D38C5BE2-17A7-461C-BD94-6C0C7CDA27B5}" dt="2022-05-19T22:51:11.256" v="2" actId="1076"/>
+          <ac:chgData name="Jared Fiacco" userId="e4f6bfaef04c63d1" providerId="LiveId" clId="{D38C5BE2-17A7-461C-BD94-6C0C7CDA27B5}" dt="2022-05-19T23:48:58.648" v="292" actId="1076"/>
           <ac:spMkLst>
             <pc:docMk/>
             <pc:sldMk cId="2637552424" sldId="266"/>
@@ -220,7 +277,7 @@
           </ac:spMkLst>
         </pc:spChg>
         <pc:spChg chg="mod">
-          <ac:chgData name="Jared Fiacco" userId="e4f6bfaef04c63d1" providerId="LiveId" clId="{D38C5BE2-17A7-461C-BD94-6C0C7CDA27B5}" dt="2022-05-19T22:51:11.256" v="2" actId="1076"/>
+          <ac:chgData name="Jared Fiacco" userId="e4f6bfaef04c63d1" providerId="LiveId" clId="{D38C5BE2-17A7-461C-BD94-6C0C7CDA27B5}" dt="2022-05-19T23:48:58.648" v="292" actId="1076"/>
           <ac:spMkLst>
             <pc:docMk/>
             <pc:sldMk cId="2637552424" sldId="266"/>
@@ -228,7 +285,7 @@
           </ac:spMkLst>
         </pc:spChg>
         <pc:grpChg chg="mod">
-          <ac:chgData name="Jared Fiacco" userId="e4f6bfaef04c63d1" providerId="LiveId" clId="{D38C5BE2-17A7-461C-BD94-6C0C7CDA27B5}" dt="2022-05-19T22:51:11.256" v="2" actId="1076"/>
+          <ac:chgData name="Jared Fiacco" userId="e4f6bfaef04c63d1" providerId="LiveId" clId="{D38C5BE2-17A7-461C-BD94-6C0C7CDA27B5}" dt="2022-05-19T23:48:58.648" v="292" actId="1076"/>
           <ac:grpSpMkLst>
             <pc:docMk/>
             <pc:sldMk cId="2637552424" sldId="266"/>
@@ -236,15 +293,23 @@
           </ac:grpSpMkLst>
         </pc:grpChg>
         <pc:grpChg chg="mod">
-          <ac:chgData name="Jared Fiacco" userId="e4f6bfaef04c63d1" providerId="LiveId" clId="{D38C5BE2-17A7-461C-BD94-6C0C7CDA27B5}" dt="2022-05-19T22:51:11.256" v="2" actId="1076"/>
+          <ac:chgData name="Jared Fiacco" userId="e4f6bfaef04c63d1" providerId="LiveId" clId="{D38C5BE2-17A7-461C-BD94-6C0C7CDA27B5}" dt="2022-05-19T23:48:58.648" v="292" actId="1076"/>
           <ac:grpSpMkLst>
             <pc:docMk/>
             <pc:sldMk cId="2637552424" sldId="266"/>
             <ac:grpSpMk id="11" creationId="{1576249E-C9FC-311A-810D-B600249E7A01}"/>
           </ac:grpSpMkLst>
         </pc:grpChg>
+        <pc:picChg chg="add mod">
+          <ac:chgData name="Jared Fiacco" userId="e4f6bfaef04c63d1" providerId="LiveId" clId="{D38C5BE2-17A7-461C-BD94-6C0C7CDA27B5}" dt="2022-05-19T23:48:58.648" v="292" actId="1076"/>
+          <ac:picMkLst>
+            <pc:docMk/>
+            <pc:sldMk cId="2637552424" sldId="266"/>
+            <ac:picMk id="3" creationId="{671110A7-3AA6-3342-2EFD-BC659E8CA909}"/>
+          </ac:picMkLst>
+        </pc:picChg>
         <pc:picChg chg="mod">
-          <ac:chgData name="Jared Fiacco" userId="e4f6bfaef04c63d1" providerId="LiveId" clId="{D38C5BE2-17A7-461C-BD94-6C0C7CDA27B5}" dt="2022-05-19T22:51:11.256" v="2" actId="1076"/>
+          <ac:chgData name="Jared Fiacco" userId="e4f6bfaef04c63d1" providerId="LiveId" clId="{D38C5BE2-17A7-461C-BD94-6C0C7CDA27B5}" dt="2022-05-19T23:48:58.648" v="292" actId="1076"/>
           <ac:picMkLst>
             <pc:docMk/>
             <pc:sldMk cId="2637552424" sldId="266"/>
@@ -252,7 +317,7 @@
           </ac:picMkLst>
         </pc:picChg>
         <pc:picChg chg="mod">
-          <ac:chgData name="Jared Fiacco" userId="e4f6bfaef04c63d1" providerId="LiveId" clId="{D38C5BE2-17A7-461C-BD94-6C0C7CDA27B5}" dt="2022-05-19T22:51:11.256" v="2" actId="1076"/>
+          <ac:chgData name="Jared Fiacco" userId="e4f6bfaef04c63d1" providerId="LiveId" clId="{D38C5BE2-17A7-461C-BD94-6C0C7CDA27B5}" dt="2022-05-19T23:48:58.648" v="292" actId="1076"/>
           <ac:picMkLst>
             <pc:docMk/>
             <pc:sldMk cId="2637552424" sldId="266"/>
@@ -260,7 +325,7 @@
           </ac:picMkLst>
         </pc:picChg>
         <pc:picChg chg="mod">
-          <ac:chgData name="Jared Fiacco" userId="e4f6bfaef04c63d1" providerId="LiveId" clId="{D38C5BE2-17A7-461C-BD94-6C0C7CDA27B5}" dt="2022-05-19T22:51:11.256" v="2" actId="1076"/>
+          <ac:chgData name="Jared Fiacco" userId="e4f6bfaef04c63d1" providerId="LiveId" clId="{D38C5BE2-17A7-461C-BD94-6C0C7CDA27B5}" dt="2022-05-19T23:48:58.648" v="292" actId="1076"/>
           <ac:picMkLst>
             <pc:docMk/>
             <pc:sldMk cId="2637552424" sldId="266"/>
@@ -268,7 +333,7 @@
           </ac:picMkLst>
         </pc:picChg>
         <pc:picChg chg="mod">
-          <ac:chgData name="Jared Fiacco" userId="e4f6bfaef04c63d1" providerId="LiveId" clId="{D38C5BE2-17A7-461C-BD94-6C0C7CDA27B5}" dt="2022-05-19T22:51:11.256" v="2" actId="1076"/>
+          <ac:chgData name="Jared Fiacco" userId="e4f6bfaef04c63d1" providerId="LiveId" clId="{D38C5BE2-17A7-461C-BD94-6C0C7CDA27B5}" dt="2022-05-19T23:48:58.648" v="292" actId="1076"/>
           <ac:picMkLst>
             <pc:docMk/>
             <pc:sldMk cId="2637552424" sldId="266"/>
@@ -276,7 +341,7 @@
           </ac:picMkLst>
         </pc:picChg>
         <pc:picChg chg="mod">
-          <ac:chgData name="Jared Fiacco" userId="e4f6bfaef04c63d1" providerId="LiveId" clId="{D38C5BE2-17A7-461C-BD94-6C0C7CDA27B5}" dt="2022-05-19T22:51:11.256" v="2" actId="1076"/>
+          <ac:chgData name="Jared Fiacco" userId="e4f6bfaef04c63d1" providerId="LiveId" clId="{D38C5BE2-17A7-461C-BD94-6C0C7CDA27B5}" dt="2022-05-19T23:48:58.648" v="292" actId="1076"/>
           <ac:picMkLst>
             <pc:docMk/>
             <pc:sldMk cId="2637552424" sldId="266"/>
@@ -284,7 +349,7 @@
           </ac:picMkLst>
         </pc:picChg>
         <pc:picChg chg="mod">
-          <ac:chgData name="Jared Fiacco" userId="e4f6bfaef04c63d1" providerId="LiveId" clId="{D38C5BE2-17A7-461C-BD94-6C0C7CDA27B5}" dt="2022-05-19T22:51:11.256" v="2" actId="1076"/>
+          <ac:chgData name="Jared Fiacco" userId="e4f6bfaef04c63d1" providerId="LiveId" clId="{D38C5BE2-17A7-461C-BD94-6C0C7CDA27B5}" dt="2022-05-19T23:48:58.648" v="292" actId="1076"/>
           <ac:picMkLst>
             <pc:docMk/>
             <pc:sldMk cId="2637552424" sldId="266"/>
@@ -292,7 +357,7 @@
           </ac:picMkLst>
         </pc:picChg>
         <pc:picChg chg="mod">
-          <ac:chgData name="Jared Fiacco" userId="e4f6bfaef04c63d1" providerId="LiveId" clId="{D38C5BE2-17A7-461C-BD94-6C0C7CDA27B5}" dt="2022-05-19T22:51:11.256" v="2" actId="1076"/>
+          <ac:chgData name="Jared Fiacco" userId="e4f6bfaef04c63d1" providerId="LiveId" clId="{D38C5BE2-17A7-461C-BD94-6C0C7CDA27B5}" dt="2022-05-19T23:48:58.648" v="292" actId="1076"/>
           <ac:picMkLst>
             <pc:docMk/>
             <pc:sldMk cId="2637552424" sldId="266"/>
@@ -300,7 +365,7 @@
           </ac:picMkLst>
         </pc:picChg>
         <pc:picChg chg="mod">
-          <ac:chgData name="Jared Fiacco" userId="e4f6bfaef04c63d1" providerId="LiveId" clId="{D38C5BE2-17A7-461C-BD94-6C0C7CDA27B5}" dt="2022-05-19T22:51:11.256" v="2" actId="1076"/>
+          <ac:chgData name="Jared Fiacco" userId="e4f6bfaef04c63d1" providerId="LiveId" clId="{D38C5BE2-17A7-461C-BD94-6C0C7CDA27B5}" dt="2022-05-19T23:48:58.648" v="292" actId="1076"/>
           <ac:picMkLst>
             <pc:docMk/>
             <pc:sldMk cId="2637552424" sldId="266"/>
@@ -308,7 +373,7 @@
           </ac:picMkLst>
         </pc:picChg>
         <pc:picChg chg="mod">
-          <ac:chgData name="Jared Fiacco" userId="e4f6bfaef04c63d1" providerId="LiveId" clId="{D38C5BE2-17A7-461C-BD94-6C0C7CDA27B5}" dt="2022-05-19T22:51:11.256" v="2" actId="1076"/>
+          <ac:chgData name="Jared Fiacco" userId="e4f6bfaef04c63d1" providerId="LiveId" clId="{D38C5BE2-17A7-461C-BD94-6C0C7CDA27B5}" dt="2022-05-19T23:48:58.648" v="292" actId="1076"/>
           <ac:picMkLst>
             <pc:docMk/>
             <pc:sldMk cId="2637552424" sldId="266"/>
@@ -316,7 +381,7 @@
           </ac:picMkLst>
         </pc:picChg>
         <pc:picChg chg="mod">
-          <ac:chgData name="Jared Fiacco" userId="e4f6bfaef04c63d1" providerId="LiveId" clId="{D38C5BE2-17A7-461C-BD94-6C0C7CDA27B5}" dt="2022-05-19T22:51:11.256" v="2" actId="1076"/>
+          <ac:chgData name="Jared Fiacco" userId="e4f6bfaef04c63d1" providerId="LiveId" clId="{D38C5BE2-17A7-461C-BD94-6C0C7CDA27B5}" dt="2022-05-19T23:48:58.648" v="292" actId="1076"/>
           <ac:picMkLst>
             <pc:docMk/>
             <pc:sldMk cId="2637552424" sldId="266"/>
@@ -332,7 +397,7 @@
           </ac:picMkLst>
         </pc:picChg>
         <pc:picChg chg="mod">
-          <ac:chgData name="Jared Fiacco" userId="e4f6bfaef04c63d1" providerId="LiveId" clId="{D38C5BE2-17A7-461C-BD94-6C0C7CDA27B5}" dt="2022-05-19T22:51:11.256" v="2" actId="1076"/>
+          <ac:chgData name="Jared Fiacco" userId="e4f6bfaef04c63d1" providerId="LiveId" clId="{D38C5BE2-17A7-461C-BD94-6C0C7CDA27B5}" dt="2022-05-19T23:48:58.648" v="292" actId="1076"/>
           <ac:picMkLst>
             <pc:docMk/>
             <pc:sldMk cId="2637552424" sldId="266"/>
@@ -340,7 +405,7 @@
           </ac:picMkLst>
         </pc:picChg>
         <pc:picChg chg="mod">
-          <ac:chgData name="Jared Fiacco" userId="e4f6bfaef04c63d1" providerId="LiveId" clId="{D38C5BE2-17A7-461C-BD94-6C0C7CDA27B5}" dt="2022-05-19T22:51:11.256" v="2" actId="1076"/>
+          <ac:chgData name="Jared Fiacco" userId="e4f6bfaef04c63d1" providerId="LiveId" clId="{D38C5BE2-17A7-461C-BD94-6C0C7CDA27B5}" dt="2022-05-19T23:48:58.648" v="292" actId="1076"/>
           <ac:picMkLst>
             <pc:docMk/>
             <pc:sldMk cId="2637552424" sldId="266"/>
@@ -348,7 +413,7 @@
           </ac:picMkLst>
         </pc:picChg>
         <pc:picChg chg="mod">
-          <ac:chgData name="Jared Fiacco" userId="e4f6bfaef04c63d1" providerId="LiveId" clId="{D38C5BE2-17A7-461C-BD94-6C0C7CDA27B5}" dt="2022-05-19T22:51:11.256" v="2" actId="1076"/>
+          <ac:chgData name="Jared Fiacco" userId="e4f6bfaef04c63d1" providerId="LiveId" clId="{D38C5BE2-17A7-461C-BD94-6C0C7CDA27B5}" dt="2022-05-19T23:48:58.648" v="292" actId="1076"/>
           <ac:picMkLst>
             <pc:docMk/>
             <pc:sldMk cId="2637552424" sldId="266"/>
@@ -356,7 +421,7 @@
           </ac:picMkLst>
         </pc:picChg>
         <pc:picChg chg="mod">
-          <ac:chgData name="Jared Fiacco" userId="e4f6bfaef04c63d1" providerId="LiveId" clId="{D38C5BE2-17A7-461C-BD94-6C0C7CDA27B5}" dt="2022-05-19T22:51:11.256" v="2" actId="1076"/>
+          <ac:chgData name="Jared Fiacco" userId="e4f6bfaef04c63d1" providerId="LiveId" clId="{D38C5BE2-17A7-461C-BD94-6C0C7CDA27B5}" dt="2022-05-19T23:48:58.648" v="292" actId="1076"/>
           <ac:picMkLst>
             <pc:docMk/>
             <pc:sldMk cId="2637552424" sldId="266"/>
@@ -364,7 +429,7 @@
           </ac:picMkLst>
         </pc:picChg>
         <pc:cxnChg chg="mod">
-          <ac:chgData name="Jared Fiacco" userId="e4f6bfaef04c63d1" providerId="LiveId" clId="{D38C5BE2-17A7-461C-BD94-6C0C7CDA27B5}" dt="2022-05-19T22:51:11.256" v="2" actId="1076"/>
+          <ac:chgData name="Jared Fiacco" userId="e4f6bfaef04c63d1" providerId="LiveId" clId="{D38C5BE2-17A7-461C-BD94-6C0C7CDA27B5}" dt="2022-05-19T23:48:58.648" v="292" actId="1076"/>
           <ac:cxnSpMkLst>
             <pc:docMk/>
             <pc:sldMk cId="2637552424" sldId="266"/>
@@ -372,7 +437,7 @@
           </ac:cxnSpMkLst>
         </pc:cxnChg>
         <pc:cxnChg chg="mod">
-          <ac:chgData name="Jared Fiacco" userId="e4f6bfaef04c63d1" providerId="LiveId" clId="{D38C5BE2-17A7-461C-BD94-6C0C7CDA27B5}" dt="2022-05-19T22:51:11.256" v="2" actId="1076"/>
+          <ac:chgData name="Jared Fiacco" userId="e4f6bfaef04c63d1" providerId="LiveId" clId="{D38C5BE2-17A7-461C-BD94-6C0C7CDA27B5}" dt="2022-05-19T23:48:58.648" v="292" actId="1076"/>
           <ac:cxnSpMkLst>
             <pc:docMk/>
             <pc:sldMk cId="2637552424" sldId="266"/>
@@ -380,7 +445,7 @@
           </ac:cxnSpMkLst>
         </pc:cxnChg>
         <pc:cxnChg chg="mod">
-          <ac:chgData name="Jared Fiacco" userId="e4f6bfaef04c63d1" providerId="LiveId" clId="{D38C5BE2-17A7-461C-BD94-6C0C7CDA27B5}" dt="2022-05-19T22:51:11.256" v="2" actId="1076"/>
+          <ac:chgData name="Jared Fiacco" userId="e4f6bfaef04c63d1" providerId="LiveId" clId="{D38C5BE2-17A7-461C-BD94-6C0C7CDA27B5}" dt="2022-05-19T23:48:58.648" v="292" actId="1076"/>
           <ac:cxnSpMkLst>
             <pc:docMk/>
             <pc:sldMk cId="2637552424" sldId="266"/>
@@ -388,7 +453,7 @@
           </ac:cxnSpMkLst>
         </pc:cxnChg>
         <pc:cxnChg chg="mod">
-          <ac:chgData name="Jared Fiacco" userId="e4f6bfaef04c63d1" providerId="LiveId" clId="{D38C5BE2-17A7-461C-BD94-6C0C7CDA27B5}" dt="2022-05-19T22:51:11.256" v="2" actId="1076"/>
+          <ac:chgData name="Jared Fiacco" userId="e4f6bfaef04c63d1" providerId="LiveId" clId="{D38C5BE2-17A7-461C-BD94-6C0C7CDA27B5}" dt="2022-05-19T23:48:58.648" v="292" actId="1076"/>
           <ac:cxnSpMkLst>
             <pc:docMk/>
             <pc:sldMk cId="2637552424" sldId="266"/>
@@ -396,7 +461,7 @@
           </ac:cxnSpMkLst>
         </pc:cxnChg>
         <pc:cxnChg chg="mod">
-          <ac:chgData name="Jared Fiacco" userId="e4f6bfaef04c63d1" providerId="LiveId" clId="{D38C5BE2-17A7-461C-BD94-6C0C7CDA27B5}" dt="2022-05-19T22:51:11.256" v="2" actId="1076"/>
+          <ac:chgData name="Jared Fiacco" userId="e4f6bfaef04c63d1" providerId="LiveId" clId="{D38C5BE2-17A7-461C-BD94-6C0C7CDA27B5}" dt="2022-05-19T23:48:58.648" v="292" actId="1076"/>
           <ac:cxnSpMkLst>
             <pc:docMk/>
             <pc:sldMk cId="2637552424" sldId="266"/>
@@ -404,7 +469,7 @@
           </ac:cxnSpMkLst>
         </pc:cxnChg>
         <pc:cxnChg chg="mod">
-          <ac:chgData name="Jared Fiacco" userId="e4f6bfaef04c63d1" providerId="LiveId" clId="{D38C5BE2-17A7-461C-BD94-6C0C7CDA27B5}" dt="2022-05-19T22:51:11.256" v="2" actId="1076"/>
+          <ac:chgData name="Jared Fiacco" userId="e4f6bfaef04c63d1" providerId="LiveId" clId="{D38C5BE2-17A7-461C-BD94-6C0C7CDA27B5}" dt="2022-05-19T23:48:58.648" v="292" actId="1076"/>
           <ac:cxnSpMkLst>
             <pc:docMk/>
             <pc:sldMk cId="2637552424" sldId="266"/>
@@ -412,7 +477,7 @@
           </ac:cxnSpMkLst>
         </pc:cxnChg>
         <pc:cxnChg chg="mod">
-          <ac:chgData name="Jared Fiacco" userId="e4f6bfaef04c63d1" providerId="LiveId" clId="{D38C5BE2-17A7-461C-BD94-6C0C7CDA27B5}" dt="2022-05-19T22:51:11.256" v="2" actId="1076"/>
+          <ac:chgData name="Jared Fiacco" userId="e4f6bfaef04c63d1" providerId="LiveId" clId="{D38C5BE2-17A7-461C-BD94-6C0C7CDA27B5}" dt="2022-05-19T23:48:58.648" v="292" actId="1076"/>
           <ac:cxnSpMkLst>
             <pc:docMk/>
             <pc:sldMk cId="2637552424" sldId="266"/>
@@ -420,13 +485,268 @@
           </ac:cxnSpMkLst>
         </pc:cxnChg>
         <pc:cxnChg chg="mod">
-          <ac:chgData name="Jared Fiacco" userId="e4f6bfaef04c63d1" providerId="LiveId" clId="{D38C5BE2-17A7-461C-BD94-6C0C7CDA27B5}" dt="2022-05-19T22:51:11.256" v="2" actId="1076"/>
+          <ac:chgData name="Jared Fiacco" userId="e4f6bfaef04c63d1" providerId="LiveId" clId="{D38C5BE2-17A7-461C-BD94-6C0C7CDA27B5}" dt="2022-05-19T23:48:58.648" v="292" actId="1076"/>
           <ac:cxnSpMkLst>
             <pc:docMk/>
             <pc:sldMk cId="2637552424" sldId="266"/>
             <ac:cxnSpMk id="87" creationId="{2631579E-EA0D-4C22-9086-ADA4FA144BDB}"/>
           </ac:cxnSpMkLst>
         </pc:cxnChg>
+      </pc:sldChg>
+      <pc:sldChg chg="addSp delSp mod">
+        <pc:chgData name="Jared Fiacco" userId="e4f6bfaef04c63d1" providerId="LiveId" clId="{D38C5BE2-17A7-461C-BD94-6C0C7CDA27B5}" dt="2022-05-20T00:12:23.220" v="305" actId="22"/>
+        <pc:sldMkLst>
+          <pc:docMk/>
+          <pc:sldMk cId="849574699" sldId="267"/>
+        </pc:sldMkLst>
+        <pc:picChg chg="add">
+          <ac:chgData name="Jared Fiacco" userId="e4f6bfaef04c63d1" providerId="LiveId" clId="{D38C5BE2-17A7-461C-BD94-6C0C7CDA27B5}" dt="2022-05-20T00:12:23.220" v="305" actId="22"/>
+          <ac:picMkLst>
+            <pc:docMk/>
+            <pc:sldMk cId="849574699" sldId="267"/>
+            <ac:picMk id="3" creationId="{A06B3056-A351-5E3C-1100-7273ABB4EDB3}"/>
+          </ac:picMkLst>
+        </pc:picChg>
+        <pc:picChg chg="del">
+          <ac:chgData name="Jared Fiacco" userId="e4f6bfaef04c63d1" providerId="LiveId" clId="{D38C5BE2-17A7-461C-BD94-6C0C7CDA27B5}" dt="2022-05-19T23:49:27.479" v="304" actId="478"/>
+          <ac:picMkLst>
+            <pc:docMk/>
+            <pc:sldMk cId="849574699" sldId="267"/>
+            <ac:picMk id="7" creationId="{A8AC5FA5-8930-43E2-86E6-FF4CEC75DE67}"/>
+          </ac:picMkLst>
+        </pc:picChg>
+      </pc:sldChg>
+      <pc:sldChg chg="addSp delSp modSp add mod">
+        <pc:chgData name="Jared Fiacco" userId="e4f6bfaef04c63d1" providerId="LiveId" clId="{D38C5BE2-17A7-461C-BD94-6C0C7CDA27B5}" dt="2022-05-20T00:19:17.927" v="312"/>
+        <pc:sldMkLst>
+          <pc:docMk/>
+          <pc:sldMk cId="1501980821" sldId="268"/>
+        </pc:sldMkLst>
+        <pc:picChg chg="del">
+          <ac:chgData name="Jared Fiacco" userId="e4f6bfaef04c63d1" providerId="LiveId" clId="{D38C5BE2-17A7-461C-BD94-6C0C7CDA27B5}" dt="2022-05-20T00:14:50.005" v="307" actId="478"/>
+          <ac:picMkLst>
+            <pc:docMk/>
+            <pc:sldMk cId="1501980821" sldId="268"/>
+            <ac:picMk id="3" creationId="{A06B3056-A351-5E3C-1100-7273ABB4EDB3}"/>
+          </ac:picMkLst>
+        </pc:picChg>
+        <pc:picChg chg="add">
+          <ac:chgData name="Jared Fiacco" userId="e4f6bfaef04c63d1" providerId="LiveId" clId="{D38C5BE2-17A7-461C-BD94-6C0C7CDA27B5}" dt="2022-05-20T00:14:54.135" v="310" actId="22"/>
+          <ac:picMkLst>
+            <pc:docMk/>
+            <pc:sldMk cId="1501980821" sldId="268"/>
+            <ac:picMk id="4" creationId="{35E729E3-65F0-D47A-B267-E1ECAB397BC3}"/>
+          </ac:picMkLst>
+        </pc:picChg>
+        <pc:picChg chg="add del mod">
+          <ac:chgData name="Jared Fiacco" userId="e4f6bfaef04c63d1" providerId="LiveId" clId="{D38C5BE2-17A7-461C-BD94-6C0C7CDA27B5}" dt="2022-05-20T00:19:17.927" v="312"/>
+          <ac:picMkLst>
+            <pc:docMk/>
+            <pc:sldMk cId="1501980821" sldId="268"/>
+            <ac:picMk id="5" creationId="{4C744039-97E1-1C32-390F-4294C7030969}"/>
+          </ac:picMkLst>
+        </pc:picChg>
+      </pc:sldChg>
+      <pc:sldChg chg="del">
+        <pc:chgData name="Jared Fiacco" userId="e4f6bfaef04c63d1" providerId="LiveId" clId="{D38C5BE2-17A7-461C-BD94-6C0C7CDA27B5}" dt="2022-05-19T23:49:22.568" v="298" actId="47"/>
+        <pc:sldMkLst>
+          <pc:docMk/>
+          <pc:sldMk cId="3261590427" sldId="268"/>
+        </pc:sldMkLst>
+      </pc:sldChg>
+      <pc:sldChg chg="addSp delSp modSp add mod">
+        <pc:chgData name="Jared Fiacco" userId="e4f6bfaef04c63d1" providerId="LiveId" clId="{D38C5BE2-17A7-461C-BD94-6C0C7CDA27B5}" dt="2022-05-20T00:22:50.637" v="342"/>
+        <pc:sldMkLst>
+          <pc:docMk/>
+          <pc:sldMk cId="399489823" sldId="269"/>
+        </pc:sldMkLst>
+        <pc:spChg chg="add mod">
+          <ac:chgData name="Jared Fiacco" userId="e4f6bfaef04c63d1" providerId="LiveId" clId="{D38C5BE2-17A7-461C-BD94-6C0C7CDA27B5}" dt="2022-05-20T00:19:59.261" v="326" actId="14100"/>
+          <ac:spMkLst>
+            <pc:docMk/>
+            <pc:sldMk cId="399489823" sldId="269"/>
+            <ac:spMk id="9" creationId="{A8AFBAB6-A0A4-29D3-CD41-B1F7DA271134}"/>
+          </ac:spMkLst>
+        </pc:spChg>
+        <pc:spChg chg="add mod">
+          <ac:chgData name="Jared Fiacco" userId="e4f6bfaef04c63d1" providerId="LiveId" clId="{D38C5BE2-17A7-461C-BD94-6C0C7CDA27B5}" dt="2022-05-20T00:20:13.282" v="333" actId="14100"/>
+          <ac:spMkLst>
+            <pc:docMk/>
+            <pc:sldMk cId="399489823" sldId="269"/>
+            <ac:spMk id="12" creationId="{55647193-1FED-3C1C-E877-A2D65728646D}"/>
+          </ac:spMkLst>
+        </pc:spChg>
+        <pc:spChg chg="add mod">
+          <ac:chgData name="Jared Fiacco" userId="e4f6bfaef04c63d1" providerId="LiveId" clId="{D38C5BE2-17A7-461C-BD94-6C0C7CDA27B5}" dt="2022-05-20T00:20:23.159" v="336" actId="14100"/>
+          <ac:spMkLst>
+            <pc:docMk/>
+            <pc:sldMk cId="399489823" sldId="269"/>
+            <ac:spMk id="13" creationId="{C0817E1B-A8E4-69A4-0504-6E8B05F6CF7E}"/>
+          </ac:spMkLst>
+        </pc:spChg>
+        <pc:spChg chg="add mod">
+          <ac:chgData name="Jared Fiacco" userId="e4f6bfaef04c63d1" providerId="LiveId" clId="{D38C5BE2-17A7-461C-BD94-6C0C7CDA27B5}" dt="2022-05-20T00:20:35.104" v="340" actId="14100"/>
+          <ac:spMkLst>
+            <pc:docMk/>
+            <pc:sldMk cId="399489823" sldId="269"/>
+            <ac:spMk id="14" creationId="{88B6E0A7-6914-FD27-B0E2-9599EA29BAB4}"/>
+          </ac:spMkLst>
+        </pc:spChg>
+        <pc:spChg chg="add del mod">
+          <ac:chgData name="Jared Fiacco" userId="e4f6bfaef04c63d1" providerId="LiveId" clId="{D38C5BE2-17A7-461C-BD94-6C0C7CDA27B5}" dt="2022-05-20T00:22:50.637" v="342"/>
+          <ac:spMkLst>
+            <pc:docMk/>
+            <pc:sldMk cId="399489823" sldId="269"/>
+            <ac:spMk id="16" creationId="{500D58B0-BA5A-9827-BB89-1B2089B27792}"/>
+          </ac:spMkLst>
+        </pc:spChg>
+        <pc:spChg chg="add del mod">
+          <ac:chgData name="Jared Fiacco" userId="e4f6bfaef04c63d1" providerId="LiveId" clId="{D38C5BE2-17A7-461C-BD94-6C0C7CDA27B5}" dt="2022-05-20T00:22:50.637" v="342"/>
+          <ac:spMkLst>
+            <pc:docMk/>
+            <pc:sldMk cId="399489823" sldId="269"/>
+            <ac:spMk id="17" creationId="{F44F2773-F2B2-5547-7AC4-54C1E54EADF0}"/>
+          </ac:spMkLst>
+        </pc:spChg>
+        <pc:spChg chg="add del mod">
+          <ac:chgData name="Jared Fiacco" userId="e4f6bfaef04c63d1" providerId="LiveId" clId="{D38C5BE2-17A7-461C-BD94-6C0C7CDA27B5}" dt="2022-05-20T00:22:50.637" v="342"/>
+          <ac:spMkLst>
+            <pc:docMk/>
+            <pc:sldMk cId="399489823" sldId="269"/>
+            <ac:spMk id="18" creationId="{E80B701D-9885-1A27-D640-F602A748DEE9}"/>
+          </ac:spMkLst>
+        </pc:spChg>
+        <pc:spChg chg="add del mod">
+          <ac:chgData name="Jared Fiacco" userId="e4f6bfaef04c63d1" providerId="LiveId" clId="{D38C5BE2-17A7-461C-BD94-6C0C7CDA27B5}" dt="2022-05-20T00:22:50.637" v="342"/>
+          <ac:spMkLst>
+            <pc:docMk/>
+            <pc:sldMk cId="399489823" sldId="269"/>
+            <ac:spMk id="19" creationId="{DD6DB801-9764-ED82-3928-4671FB1BE345}"/>
+          </ac:spMkLst>
+        </pc:spChg>
+        <pc:picChg chg="add del">
+          <ac:chgData name="Jared Fiacco" userId="e4f6bfaef04c63d1" providerId="LiveId" clId="{D38C5BE2-17A7-461C-BD94-6C0C7CDA27B5}" dt="2022-05-20T00:19:24.839" v="316" actId="22"/>
+          <ac:picMkLst>
+            <pc:docMk/>
+            <pc:sldMk cId="399489823" sldId="269"/>
+            <ac:picMk id="3" creationId="{3951A4D2-BC73-CB23-0E69-E818123D70F2}"/>
+          </ac:picMkLst>
+        </pc:picChg>
+        <pc:picChg chg="del">
+          <ac:chgData name="Jared Fiacco" userId="e4f6bfaef04c63d1" providerId="LiveId" clId="{D38C5BE2-17A7-461C-BD94-6C0C7CDA27B5}" dt="2022-05-20T00:19:21.568" v="314" actId="478"/>
+          <ac:picMkLst>
+            <pc:docMk/>
+            <pc:sldMk cId="399489823" sldId="269"/>
+            <ac:picMk id="4" creationId="{35E729E3-65F0-D47A-B267-E1ECAB397BC3}"/>
+          </ac:picMkLst>
+        </pc:picChg>
+        <pc:picChg chg="add del">
+          <ac:chgData name="Jared Fiacco" userId="e4f6bfaef04c63d1" providerId="LiveId" clId="{D38C5BE2-17A7-461C-BD94-6C0C7CDA27B5}" dt="2022-05-20T00:19:28.216" v="318" actId="22"/>
+          <ac:picMkLst>
+            <pc:docMk/>
+            <pc:sldMk cId="399489823" sldId="269"/>
+            <ac:picMk id="6" creationId="{A77AD850-DE3E-FFE9-03ED-A17367380A5D}"/>
+          </ac:picMkLst>
+        </pc:picChg>
+        <pc:picChg chg="add mod">
+          <ac:chgData name="Jared Fiacco" userId="e4f6bfaef04c63d1" providerId="LiveId" clId="{D38C5BE2-17A7-461C-BD94-6C0C7CDA27B5}" dt="2022-05-20T00:20:04.618" v="331" actId="1076"/>
+          <ac:picMkLst>
+            <pc:docMk/>
+            <pc:sldMk cId="399489823" sldId="269"/>
+            <ac:picMk id="8" creationId="{95455ED1-8A22-E4D4-3DB2-DC59088B72C2}"/>
+          </ac:picMkLst>
+        </pc:picChg>
+        <pc:picChg chg="add del">
+          <ac:chgData name="Jared Fiacco" userId="e4f6bfaef04c63d1" providerId="LiveId" clId="{D38C5BE2-17A7-461C-BD94-6C0C7CDA27B5}" dt="2022-05-20T00:20:01.420" v="328" actId="22"/>
+          <ac:picMkLst>
+            <pc:docMk/>
+            <pc:sldMk cId="399489823" sldId="269"/>
+            <ac:picMk id="11" creationId="{BCA2E09A-B02B-9DA3-9E23-F2B0448F15B4}"/>
+          </ac:picMkLst>
+        </pc:picChg>
+        <pc:picChg chg="add del mod">
+          <ac:chgData name="Jared Fiacco" userId="e4f6bfaef04c63d1" providerId="LiveId" clId="{D38C5BE2-17A7-461C-BD94-6C0C7CDA27B5}" dt="2022-05-20T00:22:50.637" v="342"/>
+          <ac:picMkLst>
+            <pc:docMk/>
+            <pc:sldMk cId="399489823" sldId="269"/>
+            <ac:picMk id="15" creationId="{E174C605-EDEA-F6F1-3EC3-99B29BB961F3}"/>
+          </ac:picMkLst>
+        </pc:picChg>
+      </pc:sldChg>
+      <pc:sldChg chg="add del">
+        <pc:chgData name="Jared Fiacco" userId="e4f6bfaef04c63d1" providerId="LiveId" clId="{D38C5BE2-17A7-461C-BD94-6C0C7CDA27B5}" dt="2022-05-20T00:14:51.646" v="309"/>
+        <pc:sldMkLst>
+          <pc:docMk/>
+          <pc:sldMk cId="948636279" sldId="269"/>
+        </pc:sldMkLst>
+      </pc:sldChg>
+      <pc:sldChg chg="del">
+        <pc:chgData name="Jared Fiacco" userId="e4f6bfaef04c63d1" providerId="LiveId" clId="{D38C5BE2-17A7-461C-BD94-6C0C7CDA27B5}" dt="2022-05-19T23:49:22.962" v="299" actId="47"/>
+        <pc:sldMkLst>
+          <pc:docMk/>
+          <pc:sldMk cId="1250587808" sldId="269"/>
+        </pc:sldMkLst>
+      </pc:sldChg>
+      <pc:sldChg chg="del">
+        <pc:chgData name="Jared Fiacco" userId="e4f6bfaef04c63d1" providerId="LiveId" clId="{D38C5BE2-17A7-461C-BD94-6C0C7CDA27B5}" dt="2022-05-19T23:49:23.299" v="300" actId="47"/>
+        <pc:sldMkLst>
+          <pc:docMk/>
+          <pc:sldMk cId="2998061435" sldId="270"/>
+        </pc:sldMkLst>
+      </pc:sldChg>
+      <pc:sldChg chg="delSp add mod">
+        <pc:chgData name="Jared Fiacco" userId="e4f6bfaef04c63d1" providerId="LiveId" clId="{D38C5BE2-17A7-461C-BD94-6C0C7CDA27B5}" dt="2022-05-20T00:23:04.046" v="344" actId="478"/>
+        <pc:sldMkLst>
+          <pc:docMk/>
+          <pc:sldMk cId="3623422223" sldId="270"/>
+        </pc:sldMkLst>
+        <pc:spChg chg="del">
+          <ac:chgData name="Jared Fiacco" userId="e4f6bfaef04c63d1" providerId="LiveId" clId="{D38C5BE2-17A7-461C-BD94-6C0C7CDA27B5}" dt="2022-05-20T00:23:04.046" v="344" actId="478"/>
+          <ac:spMkLst>
+            <pc:docMk/>
+            <pc:sldMk cId="3623422223" sldId="270"/>
+            <ac:spMk id="9" creationId="{A8AFBAB6-A0A4-29D3-CD41-B1F7DA271134}"/>
+          </ac:spMkLst>
+        </pc:spChg>
+        <pc:spChg chg="del">
+          <ac:chgData name="Jared Fiacco" userId="e4f6bfaef04c63d1" providerId="LiveId" clId="{D38C5BE2-17A7-461C-BD94-6C0C7CDA27B5}" dt="2022-05-20T00:23:04.046" v="344" actId="478"/>
+          <ac:spMkLst>
+            <pc:docMk/>
+            <pc:sldMk cId="3623422223" sldId="270"/>
+            <ac:spMk id="12" creationId="{55647193-1FED-3C1C-E877-A2D65728646D}"/>
+          </ac:spMkLst>
+        </pc:spChg>
+        <pc:spChg chg="del">
+          <ac:chgData name="Jared Fiacco" userId="e4f6bfaef04c63d1" providerId="LiveId" clId="{D38C5BE2-17A7-461C-BD94-6C0C7CDA27B5}" dt="2022-05-20T00:23:04.046" v="344" actId="478"/>
+          <ac:spMkLst>
+            <pc:docMk/>
+            <pc:sldMk cId="3623422223" sldId="270"/>
+            <ac:spMk id="13" creationId="{C0817E1B-A8E4-69A4-0504-6E8B05F6CF7E}"/>
+          </ac:spMkLst>
+        </pc:spChg>
+        <pc:spChg chg="del">
+          <ac:chgData name="Jared Fiacco" userId="e4f6bfaef04c63d1" providerId="LiveId" clId="{D38C5BE2-17A7-461C-BD94-6C0C7CDA27B5}" dt="2022-05-20T00:23:04.046" v="344" actId="478"/>
+          <ac:spMkLst>
+            <pc:docMk/>
+            <pc:sldMk cId="3623422223" sldId="270"/>
+            <ac:spMk id="14" creationId="{88B6E0A7-6914-FD27-B0E2-9599EA29BAB4}"/>
+          </ac:spMkLst>
+        </pc:spChg>
+        <pc:picChg chg="del">
+          <ac:chgData name="Jared Fiacco" userId="e4f6bfaef04c63d1" providerId="LiveId" clId="{D38C5BE2-17A7-461C-BD94-6C0C7CDA27B5}" dt="2022-05-20T00:23:04.046" v="344" actId="478"/>
+          <ac:picMkLst>
+            <pc:docMk/>
+            <pc:sldMk cId="3623422223" sldId="270"/>
+            <ac:picMk id="8" creationId="{95455ED1-8A22-E4D4-3DB2-DC59088B72C2}"/>
+          </ac:picMkLst>
+        </pc:picChg>
+      </pc:sldChg>
+      <pc:sldChg chg="del">
+        <pc:chgData name="Jared Fiacco" userId="e4f6bfaef04c63d1" providerId="LiveId" clId="{D38C5BE2-17A7-461C-BD94-6C0C7CDA27B5}" dt="2022-05-19T23:49:24.592" v="302" actId="47"/>
+        <pc:sldMkLst>
+          <pc:docMk/>
+          <pc:sldMk cId="1205139507" sldId="271"/>
+        </pc:sldMkLst>
       </pc:sldChg>
     </pc:docChg>
   </pc:docChgLst>
@@ -3996,8 +4316,8 @@
         </p:nvSpPr>
         <p:spPr>
           <a:xfrm>
-            <a:off x="188269" y="695826"/>
-            <a:ext cx="6537296" cy="4552219"/>
+            <a:off x="355183" y="926296"/>
+            <a:ext cx="6537296" cy="5330491"/>
           </a:xfrm>
           <a:prstGeom prst="rect">
             <a:avLst/>
@@ -4046,10 +4366,10 @@
       </p:sp>
       <p:sp>
         <p:nvSpPr>
-          <p:cNvPr id="41" name="Arrow: Curved Left 40">
-            <a:extLst>
-              <a:ext uri="{FF2B5EF4-FFF2-40B4-BE49-F238E27FC236}">
-                <a16:creationId xmlns:a16="http://schemas.microsoft.com/office/drawing/2014/main" id="{3C06F8D7-9F68-4789-B25E-FD9DA1513E71}"/>
+          <p:cNvPr id="7" name="Isosceles Triangle 6">
+            <a:extLst>
+              <a:ext uri="{FF2B5EF4-FFF2-40B4-BE49-F238E27FC236}">
+                <a16:creationId xmlns:a16="http://schemas.microsoft.com/office/drawing/2014/main" id="{DC8B8C25-E888-B12C-0492-5ED76DA79D84}"/>
               </a:ext>
             </a:extLst>
           </p:cNvPr>
@@ -4057,9 +4377,78 @@
           <p:nvPr/>
         </p:nvSpPr>
         <p:spPr>
+          <a:xfrm rot="14591827" flipV="1">
+            <a:off x="3777849" y="2172630"/>
+            <a:ext cx="2021238" cy="2156098"/>
+          </a:xfrm>
+          <a:prstGeom prst="triangle">
+            <a:avLst/>
+          </a:prstGeom>
+          <a:gradFill>
+            <a:gsLst>
+              <a:gs pos="0">
+                <a:schemeClr val="accent1">
+                  <a:lumMod val="5000"/>
+                  <a:lumOff val="95000"/>
+                </a:schemeClr>
+              </a:gs>
+              <a:gs pos="50000">
+                <a:srgbClr val="5294CF"/>
+              </a:gs>
+              <a:gs pos="82000">
+                <a:srgbClr val="2D72B8"/>
+              </a:gs>
+              <a:gs pos="100000">
+                <a:srgbClr val="205B98"/>
+              </a:gs>
+            </a:gsLst>
+            <a:lin ang="5400000" scaled="1"/>
+          </a:gradFill>
+          <a:ln>
+            <a:noFill/>
+          </a:ln>
+        </p:spPr>
+        <p:style>
+          <a:lnRef idx="2">
+            <a:schemeClr val="accent1">
+              <a:shade val="50000"/>
+            </a:schemeClr>
+          </a:lnRef>
+          <a:fillRef idx="1">
+            <a:schemeClr val="accent1"/>
+          </a:fillRef>
+          <a:effectRef idx="0">
+            <a:schemeClr val="accent1"/>
+          </a:effectRef>
+          <a:fontRef idx="minor">
+            <a:schemeClr val="lt1"/>
+          </a:fontRef>
+        </p:style>
+        <p:txBody>
+          <a:bodyPr rtlCol="0" anchor="ctr"/>
+          <a:lstStyle/>
+          <a:p>
+            <a:pPr algn="ctr"/>
+            <a:endParaRPr lang="en-US"/>
+          </a:p>
+        </p:txBody>
+      </p:sp>
+      <p:sp>
+        <p:nvSpPr>
+          <p:cNvPr id="41" name="Arrow: Curved Left 40">
+            <a:extLst>
+              <a:ext uri="{FF2B5EF4-FFF2-40B4-BE49-F238E27FC236}">
+                <a16:creationId xmlns:a16="http://schemas.microsoft.com/office/drawing/2014/main" id="{3C06F8D7-9F68-4789-B25E-FD9DA1513E71}"/>
+              </a:ext>
+            </a:extLst>
+          </p:cNvPr>
+          <p:cNvSpPr/>
+          <p:nvPr/>
+        </p:nvSpPr>
+        <p:spPr>
           <a:xfrm rot="15829040" flipV="1">
-            <a:off x="7361905" y="1010216"/>
-            <a:ext cx="398534" cy="3991667"/>
+            <a:off x="7183520" y="2446686"/>
+            <a:ext cx="398534" cy="3232072"/>
           </a:xfrm>
           <a:prstGeom prst="curvedLeftArrow">
             <a:avLst>
@@ -4122,7 +4511,7 @@
         </p:nvCxnSpPr>
         <p:spPr>
           <a:xfrm flipV="1">
-            <a:off x="6177309" y="4117756"/>
+            <a:off x="6344223" y="5126498"/>
             <a:ext cx="2091358" cy="4638"/>
           </a:xfrm>
           <a:prstGeom prst="straightConnector1">
@@ -4166,7 +4555,7 @@
         </p:nvCxnSpPr>
         <p:spPr>
           <a:xfrm>
-            <a:off x="1182133" y="2282516"/>
+            <a:off x="1349047" y="3291258"/>
             <a:ext cx="14566" cy="1206849"/>
           </a:xfrm>
           <a:prstGeom prst="straightConnector1">
@@ -4208,7 +4597,7 @@
         </p:nvGrpSpPr>
         <p:grpSpPr>
           <a:xfrm>
-            <a:off x="4561535" y="3434407"/>
+            <a:off x="4728449" y="4443149"/>
             <a:ext cx="1965846" cy="1536205"/>
             <a:chOff x="3343002" y="3461920"/>
             <a:chExt cx="1965846" cy="1536205"/>
@@ -4366,7 +4755,7 @@
         </p:nvSpPr>
         <p:spPr>
           <a:xfrm>
-            <a:off x="4803406" y="672980"/>
+            <a:off x="4895850" y="1694130"/>
             <a:ext cx="1524013" cy="400110"/>
           </a:xfrm>
           <a:prstGeom prst="rect">
@@ -4406,7 +4795,7 @@
         </p:nvSpPr>
         <p:spPr>
           <a:xfrm>
-            <a:off x="614935" y="4603352"/>
+            <a:off x="781849" y="5612094"/>
             <a:ext cx="1161248" cy="400110"/>
           </a:xfrm>
           <a:prstGeom prst="rect">
@@ -4446,7 +4835,7 @@
         </p:nvSpPr>
         <p:spPr>
           <a:xfrm>
-            <a:off x="445845" y="774919"/>
+            <a:off x="612759" y="1783661"/>
             <a:ext cx="1582787" cy="400110"/>
           </a:xfrm>
           <a:prstGeom prst="rect">
@@ -4488,7 +4877,7 @@
         </p:nvCxnSpPr>
         <p:spPr>
           <a:xfrm>
-            <a:off x="1844757" y="4085983"/>
+            <a:off x="2011671" y="5094725"/>
             <a:ext cx="873863" cy="0"/>
           </a:xfrm>
           <a:prstGeom prst="straightConnector1">
@@ -4532,7 +4921,7 @@
         </p:nvCxnSpPr>
         <p:spPr>
           <a:xfrm flipV="1">
-            <a:off x="5479604" y="2044813"/>
+            <a:off x="5646518" y="3053555"/>
             <a:ext cx="11339" cy="1358997"/>
           </a:xfrm>
           <a:prstGeom prst="straightConnector1">
@@ -4591,7 +4980,7 @@
         </p:blipFill>
         <p:spPr>
           <a:xfrm>
-            <a:off x="6630569" y="1092789"/>
+            <a:off x="6797483" y="2101531"/>
             <a:ext cx="904978" cy="904978"/>
           </a:xfrm>
           <a:prstGeom prst="rect">
@@ -4613,7 +5002,7 @@
         </p:nvSpPr>
         <p:spPr>
           <a:xfrm>
-            <a:off x="7199486" y="1334511"/>
+            <a:off x="7366400" y="2343253"/>
             <a:ext cx="1618014" cy="400110"/>
           </a:xfrm>
           <a:prstGeom prst="rect">
@@ -4656,7 +5045,7 @@
         </p:nvCxnSpPr>
         <p:spPr>
           <a:xfrm>
-            <a:off x="6061652" y="1544836"/>
+            <a:off x="6228566" y="2553578"/>
             <a:ext cx="568917" cy="442"/>
           </a:xfrm>
           <a:prstGeom prst="straightConnector1">
@@ -4713,7 +5102,7 @@
         </p:blipFill>
         <p:spPr bwMode="auto">
           <a:xfrm>
-            <a:off x="9331674" y="1180394"/>
+            <a:off x="9498588" y="2189136"/>
             <a:ext cx="1010913" cy="754501"/>
           </a:xfrm>
           <a:prstGeom prst="rect">
@@ -4747,7 +5136,7 @@
         </p:nvCxnSpPr>
         <p:spPr>
           <a:xfrm flipV="1">
-            <a:off x="8732760" y="1534566"/>
+            <a:off x="8899674" y="2543308"/>
             <a:ext cx="501644" cy="2457"/>
           </a:xfrm>
           <a:prstGeom prst="straightConnector1">
@@ -4791,7 +5180,7 @@
         </p:nvCxnSpPr>
         <p:spPr>
           <a:xfrm flipV="1">
-            <a:off x="10426546" y="1532109"/>
+            <a:off x="10593460" y="2540851"/>
             <a:ext cx="501644" cy="2457"/>
           </a:xfrm>
           <a:prstGeom prst="straightConnector1">
@@ -4833,7 +5222,7 @@
         </p:nvSpPr>
         <p:spPr>
           <a:xfrm>
-            <a:off x="7954910" y="556459"/>
+            <a:off x="8356207" y="1810179"/>
             <a:ext cx="3408604" cy="338554"/>
           </a:xfrm>
           <a:prstGeom prst="rect">
@@ -4888,7 +5277,7 @@
         </p:blipFill>
         <p:spPr bwMode="auto">
           <a:xfrm>
-            <a:off x="4985874" y="996333"/>
+            <a:off x="5152788" y="2005075"/>
             <a:ext cx="1016476" cy="1050901"/>
           </a:xfrm>
           <a:prstGeom prst="rect">
@@ -4933,7 +5322,7 @@
         </p:blipFill>
         <p:spPr bwMode="auto">
           <a:xfrm>
-            <a:off x="679766" y="3559006"/>
+            <a:off x="846680" y="4567748"/>
             <a:ext cx="1114946" cy="1025438"/>
           </a:xfrm>
           <a:prstGeom prst="rect">
@@ -4980,7 +5369,7 @@
         </p:blipFill>
         <p:spPr bwMode="auto">
           <a:xfrm>
-            <a:off x="694379" y="1122521"/>
+            <a:off x="861293" y="2131263"/>
             <a:ext cx="975507" cy="1105216"/>
           </a:xfrm>
           <a:prstGeom prst="rect">
@@ -5025,7 +5414,7 @@
         </p:blipFill>
         <p:spPr bwMode="auto">
           <a:xfrm>
-            <a:off x="2801892" y="3403810"/>
+            <a:off x="2968806" y="4412552"/>
             <a:ext cx="1297135" cy="1428745"/>
           </a:xfrm>
           <a:prstGeom prst="rect">
@@ -5072,7 +5461,7 @@
         </p:blipFill>
         <p:spPr bwMode="auto">
           <a:xfrm>
-            <a:off x="2697269" y="1157727"/>
+            <a:off x="2955782" y="1094353"/>
             <a:ext cx="1336098" cy="799832"/>
           </a:xfrm>
           <a:prstGeom prst="rect">
@@ -5104,7 +5493,7 @@
         </p:nvSpPr>
         <p:spPr>
           <a:xfrm>
-            <a:off x="3129497" y="4750423"/>
+            <a:off x="3296411" y="5759165"/>
             <a:ext cx="632102" cy="400110"/>
           </a:xfrm>
           <a:prstGeom prst="rect">
@@ -5144,7 +5533,7 @@
         </p:nvGrpSpPr>
         <p:grpSpPr>
           <a:xfrm>
-            <a:off x="7931239" y="2981831"/>
+            <a:off x="8488685" y="3071188"/>
             <a:ext cx="3105223" cy="3461043"/>
             <a:chOff x="8991153" y="3167002"/>
             <a:chExt cx="3105223" cy="3461043"/>
@@ -5442,7 +5831,7 @@
         </p:nvCxnSpPr>
         <p:spPr>
           <a:xfrm>
-            <a:off x="4044975" y="4077009"/>
+            <a:off x="4211889" y="5085751"/>
             <a:ext cx="873863" cy="0"/>
           </a:xfrm>
           <a:prstGeom prst="straightConnector1">
@@ -5470,42 +5859,12 @@
           </a:fontRef>
         </p:style>
       </p:cxnSp>
-    </p:spTree>
-    <p:extLst>
-      <p:ext uri="{BB962C8B-B14F-4D97-AF65-F5344CB8AC3E}">
-        <p14:creationId xmlns:p14="http://schemas.microsoft.com/office/powerpoint/2010/main" val="2637552424"/>
-      </p:ext>
-    </p:extLst>
-  </p:cSld>
-  <p:clrMapOvr>
-    <a:masterClrMapping/>
-  </p:clrMapOvr>
-</p:sld>
-</file>
-
-<file path=ppt/slides/slide10.xml><?xml version="1.0" encoding="utf-8"?>
-<p:sld xmlns:a="http://schemas.openxmlformats.org/drawingml/2006/main" xmlns:r="http://schemas.openxmlformats.org/officeDocument/2006/relationships" xmlns:p="http://schemas.openxmlformats.org/presentationml/2006/main">
-  <p:cSld>
-    <p:spTree>
-      <p:nvGrpSpPr>
-        <p:cNvPr id="1" name=""/>
-        <p:cNvGrpSpPr/>
-        <p:nvPr/>
-      </p:nvGrpSpPr>
-      <p:grpSpPr>
-        <a:xfrm>
-          <a:off x="0" y="0"/>
-          <a:ext cx="0" cy="0"/>
-          <a:chOff x="0" y="0"/>
-          <a:chExt cx="0" cy="0"/>
-        </a:xfrm>
-      </p:grpSpPr>
       <p:pic>
         <p:nvPicPr>
-          <p:cNvPr id="5" name="Picture 4">
-            <a:extLst>
-              <a:ext uri="{FF2B5EF4-FFF2-40B4-BE49-F238E27FC236}">
-                <a16:creationId xmlns:a16="http://schemas.microsoft.com/office/drawing/2014/main" id="{ACD869C1-D46A-4F66-B0F8-7BE8EECE86A7}"/>
+          <p:cNvPr id="3" name="Picture 2" descr="Graphical user interface&#10;&#10;Description automatically generated">
+            <a:extLst>
+              <a:ext uri="{FF2B5EF4-FFF2-40B4-BE49-F238E27FC236}">
+                <a16:creationId xmlns:a16="http://schemas.microsoft.com/office/drawing/2014/main" id="{671110A7-3AA6-3342-2EFD-BC659E8CA909}"/>
               </a:ext>
             </a:extLst>
           </p:cNvPr>
@@ -5515,635 +5874,71 @@
           <p:nvPr/>
         </p:nvPicPr>
         <p:blipFill>
-          <a:blip r:embed="rId2"/>
+          <a:blip r:embed="rId18">
+            <a:extLst>
+              <a:ext uri="{28A0092B-C50C-407E-A947-70E740481C1C}">
+                <a14:useLocalDpi xmlns:a14="http://schemas.microsoft.com/office/drawing/2010/main" val="0"/>
+              </a:ext>
+            </a:extLst>
+          </a:blip>
           <a:stretch>
             <a:fillRect/>
           </a:stretch>
         </p:blipFill>
         <p:spPr>
           <a:xfrm>
-            <a:off x="3249794" y="0"/>
-            <a:ext cx="5692411" cy="6858000"/>
+            <a:off x="2957147" y="2878476"/>
+            <a:ext cx="1361932" cy="1485744"/>
           </a:xfrm>
           <a:prstGeom prst="rect">
             <a:avLst/>
           </a:prstGeom>
         </p:spPr>
       </p:pic>
-      <p:pic>
-        <p:nvPicPr>
-          <p:cNvPr id="6" name="Picture 5">
-            <a:extLst>
-              <a:ext uri="{FF2B5EF4-FFF2-40B4-BE49-F238E27FC236}">
-                <a16:creationId xmlns:a16="http://schemas.microsoft.com/office/drawing/2014/main" id="{F01894FD-D0F3-4EE0-BDC0-2E603DEA2ADF}"/>
-              </a:ext>
-            </a:extLst>
-          </p:cNvPr>
-          <p:cNvPicPr>
-            <a:picLocks noChangeAspect="1"/>
-          </p:cNvPicPr>
+      <p:sp>
+        <p:nvSpPr>
+          <p:cNvPr id="39" name="TextBox 38">
+            <a:extLst>
+              <a:ext uri="{FF2B5EF4-FFF2-40B4-BE49-F238E27FC236}">
+                <a16:creationId xmlns:a16="http://schemas.microsoft.com/office/drawing/2014/main" id="{CC445EB6-0CEE-8D4A-EB26-4E70CD0D8890}"/>
+              </a:ext>
+            </a:extLst>
+          </p:cNvPr>
+          <p:cNvSpPr txBox="1"/>
           <p:nvPr/>
-        </p:nvPicPr>
-        <p:blipFill rotWithShape="1">
-          <a:blip r:embed="rId3">
-            <a:extLst>
-              <a:ext uri="{BEBA8EAE-BF5A-486C-A8C5-ECC9F3942E4B}">
-                <a14:imgProps xmlns:a14="http://schemas.microsoft.com/office/drawing/2010/main">
-                  <a14:imgLayer r:embed="rId4">
-                    <a14:imgEffect>
-                      <a14:artisticGlass/>
-                    </a14:imgEffect>
-                  </a14:imgLayer>
-                </a14:imgProps>
-              </a:ext>
-            </a:extLst>
-          </a:blip>
-          <a:srcRect l="9284" t="82870" r="19881" b="13796"/>
-          <a:stretch/>
-        </p:blipFill>
+        </p:nvSpPr>
         <p:spPr>
           <a:xfrm>
-            <a:off x="3778251" y="5683250"/>
-            <a:ext cx="4032250" cy="228600"/>
+            <a:off x="2700952" y="2146424"/>
+            <a:ext cx="1753034" cy="707886"/>
           </a:xfrm>
           <a:prstGeom prst="rect">
             <a:avLst/>
           </a:prstGeom>
+          <a:noFill/>
         </p:spPr>
-      </p:pic>
+        <p:txBody>
+          <a:bodyPr wrap="square" rtlCol="0">
+            <a:spAutoFit/>
+          </a:bodyPr>
+          <a:lstStyle/>
+          <a:p>
+            <a:pPr algn="ctr"/>
+            <a:r>
+              <a:rPr lang="en-US" sz="2000" dirty="0">
+                <a:solidFill>
+                  <a:srgbClr val="FF9900"/>
+                </a:solidFill>
+              </a:rPr>
+              <a:t>Data Vault Data Modeling</a:t>
+            </a:r>
+          </a:p>
+        </p:txBody>
+      </p:sp>
     </p:spTree>
     <p:extLst>
       <p:ext uri="{BB962C8B-B14F-4D97-AF65-F5344CB8AC3E}">
-        <p14:creationId xmlns:p14="http://schemas.microsoft.com/office/powerpoint/2010/main" val="3824346644"/>
-      </p:ext>
-    </p:extLst>
-  </p:cSld>
-  <p:clrMapOvr>
-    <a:masterClrMapping/>
-  </p:clrMapOvr>
-</p:sld>
-</file>
-
-<file path=ppt/slides/slide11.xml><?xml version="1.0" encoding="utf-8"?>
-<p:sld xmlns:a="http://schemas.openxmlformats.org/drawingml/2006/main" xmlns:r="http://schemas.openxmlformats.org/officeDocument/2006/relationships" xmlns:p="http://schemas.openxmlformats.org/presentationml/2006/main">
-  <p:cSld>
-    <p:spTree>
-      <p:nvGrpSpPr>
-        <p:cNvPr id="1" name=""/>
-        <p:cNvGrpSpPr/>
-        <p:nvPr/>
-      </p:nvGrpSpPr>
-      <p:grpSpPr>
-        <a:xfrm>
-          <a:off x="0" y="0"/>
-          <a:ext cx="0" cy="0"/>
-          <a:chOff x="0" y="0"/>
-          <a:chExt cx="0" cy="0"/>
-        </a:xfrm>
-      </p:grpSpPr>
-      <p:pic>
-        <p:nvPicPr>
-          <p:cNvPr id="5" name="Picture 4">
-            <a:extLst>
-              <a:ext uri="{FF2B5EF4-FFF2-40B4-BE49-F238E27FC236}">
-                <a16:creationId xmlns:a16="http://schemas.microsoft.com/office/drawing/2014/main" id="{6E3AEEAE-A158-44AA-99E0-083F45A073F5}"/>
-              </a:ext>
-            </a:extLst>
-          </p:cNvPr>
-          <p:cNvPicPr>
-            <a:picLocks noChangeAspect="1"/>
-          </p:cNvPicPr>
-          <p:nvPr/>
-        </p:nvPicPr>
-        <p:blipFill>
-          <a:blip r:embed="rId2"/>
-          <a:stretch>
-            <a:fillRect/>
-          </a:stretch>
-        </p:blipFill>
-        <p:spPr>
-          <a:xfrm>
-            <a:off x="4043347" y="1133458"/>
-            <a:ext cx="4105305" cy="4591084"/>
-          </a:xfrm>
-          <a:prstGeom prst="rect">
-            <a:avLst/>
-          </a:prstGeom>
-        </p:spPr>
-      </p:pic>
-    </p:spTree>
-    <p:extLst>
-      <p:ext uri="{BB962C8B-B14F-4D97-AF65-F5344CB8AC3E}">
-        <p14:creationId xmlns:p14="http://schemas.microsoft.com/office/powerpoint/2010/main" val="1205139507"/>
-      </p:ext>
-    </p:extLst>
-  </p:cSld>
-  <p:clrMapOvr>
-    <a:masterClrMapping/>
-  </p:clrMapOvr>
-</p:sld>
-</file>
-
-<file path=ppt/slides/slide12.xml><?xml version="1.0" encoding="utf-8"?>
-<p:sld xmlns:a="http://schemas.openxmlformats.org/drawingml/2006/main" xmlns:r="http://schemas.openxmlformats.org/officeDocument/2006/relationships" xmlns:p="http://schemas.openxmlformats.org/presentationml/2006/main">
-  <p:cSld>
-    <p:spTree>
-      <p:nvGrpSpPr>
-        <p:cNvPr id="1" name=""/>
-        <p:cNvGrpSpPr/>
-        <p:nvPr/>
-      </p:nvGrpSpPr>
-      <p:grpSpPr>
-        <a:xfrm>
-          <a:off x="0" y="0"/>
-          <a:ext cx="0" cy="0"/>
-          <a:chOff x="0" y="0"/>
-          <a:chExt cx="0" cy="0"/>
-        </a:xfrm>
-      </p:grpSpPr>
-      <p:grpSp>
-        <p:nvGrpSpPr>
-          <p:cNvPr id="2" name="Group 1">
-            <a:extLst>
-              <a:ext uri="{FF2B5EF4-FFF2-40B4-BE49-F238E27FC236}">
-                <a16:creationId xmlns:a16="http://schemas.microsoft.com/office/drawing/2014/main" id="{63D100F7-5634-4E30-8F2C-67F0907C7907}"/>
-              </a:ext>
-            </a:extLst>
-          </p:cNvPr>
-          <p:cNvGrpSpPr/>
-          <p:nvPr/>
-        </p:nvGrpSpPr>
-        <p:grpSpPr>
-          <a:xfrm>
-            <a:off x="830395" y="71181"/>
-            <a:ext cx="10274246" cy="6553864"/>
-            <a:chOff x="830395" y="71181"/>
-            <a:chExt cx="10274246" cy="6553864"/>
-          </a:xfrm>
-        </p:grpSpPr>
-        <p:pic>
-          <p:nvPicPr>
-            <p:cNvPr id="6" name="Picture 5">
-              <a:extLst>
-                <a:ext uri="{FF2B5EF4-FFF2-40B4-BE49-F238E27FC236}">
-                  <a16:creationId xmlns:a16="http://schemas.microsoft.com/office/drawing/2014/main" id="{168FF33C-EE55-404D-B202-C2CCD6FF0752}"/>
-                </a:ext>
-              </a:extLst>
-            </p:cNvPr>
-            <p:cNvPicPr>
-              <a:picLocks noChangeAspect="1"/>
-            </p:cNvPicPr>
-            <p:nvPr/>
-          </p:nvPicPr>
-          <p:blipFill>
-            <a:blip r:embed="rId2"/>
-            <a:stretch>
-              <a:fillRect/>
-            </a:stretch>
-          </p:blipFill>
-          <p:spPr>
-            <a:xfrm>
-              <a:off x="830395" y="1095528"/>
-              <a:ext cx="10274246" cy="5529517"/>
-            </a:xfrm>
-            <a:prstGeom prst="rect">
-              <a:avLst/>
-            </a:prstGeom>
-          </p:spPr>
-        </p:pic>
-        <p:sp>
-          <p:nvSpPr>
-            <p:cNvPr id="15" name="TextBox 14">
-              <a:extLst>
-                <a:ext uri="{FF2B5EF4-FFF2-40B4-BE49-F238E27FC236}">
-                  <a16:creationId xmlns:a16="http://schemas.microsoft.com/office/drawing/2014/main" id="{ACF257E7-7E2B-4BA1-A4AE-B5C545042387}"/>
-                </a:ext>
-              </a:extLst>
-            </p:cNvPr>
-            <p:cNvSpPr txBox="1"/>
-            <p:nvPr/>
-          </p:nvSpPr>
-          <p:spPr>
-            <a:xfrm>
-              <a:off x="1122428" y="71181"/>
-              <a:ext cx="9690180" cy="1024347"/>
-            </a:xfrm>
-            <a:prstGeom prst="rect">
-              <a:avLst/>
-            </a:prstGeom>
-            <a:noFill/>
-          </p:spPr>
-          <p:txBody>
-            <a:bodyPr wrap="square">
-              <a:spAutoFit/>
-            </a:bodyPr>
-            <a:lstStyle/>
-            <a:p>
-              <a:r>
-                <a:rPr lang="en-US" sz="2400" dirty="0" err="1">
-                  <a:solidFill>
-                    <a:schemeClr val="accent1"/>
-                  </a:solidFill>
-                </a:rPr>
-                <a:t>BigQuery</a:t>
-              </a:r>
-              <a:r>
-                <a:rPr lang="en-US" sz="2400" dirty="0">
-                  <a:solidFill>
-                    <a:schemeClr val="accent1"/>
-                  </a:solidFill>
-                </a:rPr>
-                <a:t>:</a:t>
-              </a:r>
-            </a:p>
-            <a:p>
-              <a:r>
-                <a:rPr lang="en-US" sz="1800" dirty="0">
-                  <a:solidFill>
-                    <a:schemeClr val="accent1"/>
-                  </a:solidFill>
-                </a:rPr>
-                <a:t>Go to the [DATASET.TABLE_NAME] you chose in the cloud_function_event_prod.py. Go </a:t>
-              </a:r>
-              <a:r>
-                <a:rPr lang="en-US" dirty="0">
-                  <a:solidFill>
-                    <a:schemeClr val="accent1"/>
-                  </a:solidFill>
-                </a:rPr>
-                <a:t>to </a:t>
-              </a:r>
-              <a:r>
-                <a:rPr lang="en-US" dirty="0" err="1">
-                  <a:solidFill>
-                    <a:schemeClr val="accent1"/>
-                  </a:solidFill>
-                </a:rPr>
-                <a:t>BigQuery</a:t>
-              </a:r>
-              <a:r>
-                <a:rPr lang="en-US" dirty="0">
-                  <a:solidFill>
-                    <a:schemeClr val="accent1"/>
-                  </a:solidFill>
-                </a:rPr>
-                <a:t> and q</a:t>
-              </a:r>
-              <a:r>
-                <a:rPr lang="en-US" sz="1800" dirty="0">
-                  <a:solidFill>
-                    <a:schemeClr val="accent1"/>
-                  </a:solidFill>
-                </a:rPr>
-                <a:t>uery the table after publishing using the main.py script.</a:t>
-              </a:r>
-            </a:p>
-          </p:txBody>
-        </p:sp>
-        <p:sp>
-          <p:nvSpPr>
-            <p:cNvPr id="22" name="Rectangle 21">
-              <a:extLst>
-                <a:ext uri="{FF2B5EF4-FFF2-40B4-BE49-F238E27FC236}">
-                  <a16:creationId xmlns:a16="http://schemas.microsoft.com/office/drawing/2014/main" id="{C0AB7178-3BA5-453B-9E20-EE7B700B6114}"/>
-                </a:ext>
-              </a:extLst>
-            </p:cNvPr>
-            <p:cNvSpPr/>
-            <p:nvPr/>
-          </p:nvSpPr>
-          <p:spPr>
-            <a:xfrm>
-              <a:off x="2724794" y="3057412"/>
-              <a:ext cx="1576307" cy="1500647"/>
-            </a:xfrm>
-            <a:prstGeom prst="rect">
-              <a:avLst/>
-            </a:prstGeom>
-            <a:noFill/>
-            <a:ln w="38100">
-              <a:solidFill>
-                <a:srgbClr val="C00000"/>
-              </a:solidFill>
-            </a:ln>
-          </p:spPr>
-          <p:style>
-            <a:lnRef idx="2">
-              <a:schemeClr val="accent1">
-                <a:shade val="50000"/>
-              </a:schemeClr>
-            </a:lnRef>
-            <a:fillRef idx="1">
-              <a:schemeClr val="accent1"/>
-            </a:fillRef>
-            <a:effectRef idx="0">
-              <a:schemeClr val="accent1"/>
-            </a:effectRef>
-            <a:fontRef idx="minor">
-              <a:schemeClr val="lt1"/>
-            </a:fontRef>
-          </p:style>
-          <p:txBody>
-            <a:bodyPr rtlCol="0" anchor="ctr"/>
-            <a:lstStyle/>
-            <a:p>
-              <a:pPr algn="ctr"/>
-              <a:endParaRPr lang="en-US"/>
-            </a:p>
-          </p:txBody>
-        </p:sp>
-        <p:sp>
-          <p:nvSpPr>
-            <p:cNvPr id="24" name="Rectangle 23">
-              <a:extLst>
-                <a:ext uri="{FF2B5EF4-FFF2-40B4-BE49-F238E27FC236}">
-                  <a16:creationId xmlns:a16="http://schemas.microsoft.com/office/drawing/2014/main" id="{C665467D-1D2E-4809-9955-85B6F5FC4BA5}"/>
-                </a:ext>
-              </a:extLst>
-            </p:cNvPr>
-            <p:cNvSpPr/>
-            <p:nvPr/>
-          </p:nvSpPr>
-          <p:spPr>
-            <a:xfrm>
-              <a:off x="5103004" y="2250936"/>
-              <a:ext cx="5393019" cy="170808"/>
-            </a:xfrm>
-            <a:prstGeom prst="rect">
-              <a:avLst/>
-            </a:prstGeom>
-            <a:noFill/>
-            <a:ln w="38100">
-              <a:solidFill>
-                <a:srgbClr val="C00000"/>
-              </a:solidFill>
-            </a:ln>
-          </p:spPr>
-          <p:style>
-            <a:lnRef idx="2">
-              <a:schemeClr val="accent1">
-                <a:shade val="50000"/>
-              </a:schemeClr>
-            </a:lnRef>
-            <a:fillRef idx="1">
-              <a:schemeClr val="accent1"/>
-            </a:fillRef>
-            <a:effectRef idx="0">
-              <a:schemeClr val="accent1"/>
-            </a:effectRef>
-            <a:fontRef idx="minor">
-              <a:schemeClr val="lt1"/>
-            </a:fontRef>
-          </p:style>
-          <p:txBody>
-            <a:bodyPr rtlCol="0" anchor="ctr"/>
-            <a:lstStyle/>
-            <a:p>
-              <a:pPr algn="ctr"/>
-              <a:endParaRPr lang="en-US"/>
-            </a:p>
-          </p:txBody>
-        </p:sp>
-        <p:sp>
-          <p:nvSpPr>
-            <p:cNvPr id="26" name="Rectangle 25">
-              <a:extLst>
-                <a:ext uri="{FF2B5EF4-FFF2-40B4-BE49-F238E27FC236}">
-                  <a16:creationId xmlns:a16="http://schemas.microsoft.com/office/drawing/2014/main" id="{23E989DB-F35A-4791-B762-49C59DDEAA86}"/>
-                </a:ext>
-              </a:extLst>
-            </p:cNvPr>
-            <p:cNvSpPr/>
-            <p:nvPr/>
-          </p:nvSpPr>
-          <p:spPr>
-            <a:xfrm>
-              <a:off x="4788416" y="3311027"/>
-              <a:ext cx="6316225" cy="2884192"/>
-            </a:xfrm>
-            <a:prstGeom prst="rect">
-              <a:avLst/>
-            </a:prstGeom>
-            <a:noFill/>
-            <a:ln w="38100">
-              <a:solidFill>
-                <a:srgbClr val="C00000"/>
-              </a:solidFill>
-            </a:ln>
-          </p:spPr>
-          <p:style>
-            <a:lnRef idx="2">
-              <a:schemeClr val="accent1">
-                <a:shade val="50000"/>
-              </a:schemeClr>
-            </a:lnRef>
-            <a:fillRef idx="1">
-              <a:schemeClr val="accent1"/>
-            </a:fillRef>
-            <a:effectRef idx="0">
-              <a:schemeClr val="accent1"/>
-            </a:effectRef>
-            <a:fontRef idx="minor">
-              <a:schemeClr val="lt1"/>
-            </a:fontRef>
-          </p:style>
-          <p:txBody>
-            <a:bodyPr rtlCol="0" anchor="ctr"/>
-            <a:lstStyle/>
-            <a:p>
-              <a:pPr algn="ctr"/>
-              <a:endParaRPr lang="en-US"/>
-            </a:p>
-          </p:txBody>
-        </p:sp>
-        <p:pic>
-          <p:nvPicPr>
-            <p:cNvPr id="7" name="Picture 6">
-              <a:extLst>
-                <a:ext uri="{FF2B5EF4-FFF2-40B4-BE49-F238E27FC236}">
-                  <a16:creationId xmlns:a16="http://schemas.microsoft.com/office/drawing/2014/main" id="{D73E1B9A-1471-4FD9-8649-C857A93BD9FF}"/>
-                </a:ext>
-              </a:extLst>
-            </p:cNvPr>
-            <p:cNvPicPr>
-              <a:picLocks noChangeAspect="1"/>
-            </p:cNvPicPr>
-            <p:nvPr/>
-          </p:nvPicPr>
-          <p:blipFill rotWithShape="1">
-            <a:blip r:embed="rId3">
-              <a:extLst>
-                <a:ext uri="{BEBA8EAE-BF5A-486C-A8C5-ECC9F3942E4B}">
-                  <a14:imgProps xmlns:a14="http://schemas.microsoft.com/office/drawing/2010/main">
-                    <a14:imgLayer r:embed="rId4">
-                      <a14:imgEffect>
-                        <a14:artisticGlass/>
-                      </a14:imgEffect>
-                    </a14:imgLayer>
-                  </a14:imgProps>
-                </a:ext>
-              </a:extLst>
-            </a:blip>
-            <a:srcRect l="9284" t="82870" r="19881" b="13796"/>
-            <a:stretch/>
-          </p:blipFill>
-          <p:spPr>
-            <a:xfrm>
-              <a:off x="3086879" y="3137740"/>
-              <a:ext cx="1126615" cy="173286"/>
-            </a:xfrm>
-            <a:prstGeom prst="rect">
-              <a:avLst/>
-            </a:prstGeom>
-          </p:spPr>
-        </p:pic>
-        <p:pic>
-          <p:nvPicPr>
-            <p:cNvPr id="8" name="Picture 7">
-              <a:extLst>
-                <a:ext uri="{FF2B5EF4-FFF2-40B4-BE49-F238E27FC236}">
-                  <a16:creationId xmlns:a16="http://schemas.microsoft.com/office/drawing/2014/main" id="{D9CF81B8-3784-417E-9AF6-7F6088BFDFE3}"/>
-                </a:ext>
-              </a:extLst>
-            </p:cNvPr>
-            <p:cNvPicPr>
-              <a:picLocks noChangeAspect="1"/>
-            </p:cNvPicPr>
-            <p:nvPr/>
-          </p:nvPicPr>
-          <p:blipFill rotWithShape="1">
-            <a:blip r:embed="rId3">
-              <a:extLst>
-                <a:ext uri="{BEBA8EAE-BF5A-486C-A8C5-ECC9F3942E4B}">
-                  <a14:imgProps xmlns:a14="http://schemas.microsoft.com/office/drawing/2010/main">
-                    <a14:imgLayer r:embed="rId4">
-                      <a14:imgEffect>
-                        <a14:artisticGlass/>
-                      </a14:imgEffect>
-                    </a14:imgLayer>
-                  </a14:imgProps>
-                </a:ext>
-              </a:extLst>
-            </a:blip>
-            <a:srcRect l="9284" t="82870" r="19881" b="13796"/>
-            <a:stretch/>
-          </p:blipFill>
-          <p:spPr>
-            <a:xfrm>
-              <a:off x="5967518" y="2283903"/>
-              <a:ext cx="3086273" cy="103431"/>
-            </a:xfrm>
-            <a:prstGeom prst="rect">
-              <a:avLst/>
-            </a:prstGeom>
-          </p:spPr>
-        </p:pic>
-        <p:pic>
-          <p:nvPicPr>
-            <p:cNvPr id="9" name="Picture 8">
-              <a:extLst>
-                <a:ext uri="{FF2B5EF4-FFF2-40B4-BE49-F238E27FC236}">
-                  <a16:creationId xmlns:a16="http://schemas.microsoft.com/office/drawing/2014/main" id="{F8B0C59F-EA8D-484A-99DB-CB084904867E}"/>
-                </a:ext>
-              </a:extLst>
-            </p:cNvPr>
-            <p:cNvPicPr>
-              <a:picLocks noChangeAspect="1"/>
-            </p:cNvPicPr>
-            <p:nvPr/>
-          </p:nvPicPr>
-          <p:blipFill rotWithShape="1">
-            <a:blip r:embed="rId3">
-              <a:extLst>
-                <a:ext uri="{BEBA8EAE-BF5A-486C-A8C5-ECC9F3942E4B}">
-                  <a14:imgProps xmlns:a14="http://schemas.microsoft.com/office/drawing/2010/main">
-                    <a14:imgLayer r:embed="rId4">
-                      <a14:imgEffect>
-                        <a14:artisticGlass/>
-                      </a14:imgEffect>
-                    </a14:imgLayer>
-                  </a14:imgProps>
-                </a:ext>
-              </a:extLst>
-            </a:blip>
-            <a:srcRect l="9284" t="82870" r="19881" b="13796"/>
-            <a:stretch/>
-          </p:blipFill>
-          <p:spPr>
-            <a:xfrm>
-              <a:off x="2724794" y="1178171"/>
-              <a:ext cx="1126615" cy="173286"/>
-            </a:xfrm>
-            <a:prstGeom prst="rect">
-              <a:avLst/>
-            </a:prstGeom>
-          </p:spPr>
-        </p:pic>
-      </p:grpSp>
-    </p:spTree>
-    <p:extLst>
-      <p:ext uri="{BB962C8B-B14F-4D97-AF65-F5344CB8AC3E}">
-        <p14:creationId xmlns:p14="http://schemas.microsoft.com/office/powerpoint/2010/main" val="3995841754"/>
-      </p:ext>
-    </p:extLst>
-  </p:cSld>
-  <p:clrMapOvr>
-    <a:masterClrMapping/>
-  </p:clrMapOvr>
-</p:sld>
-</file>
-
-<file path=ppt/slides/slide13.xml><?xml version="1.0" encoding="utf-8"?>
-<p:sld xmlns:a="http://schemas.openxmlformats.org/drawingml/2006/main" xmlns:r="http://schemas.openxmlformats.org/officeDocument/2006/relationships" xmlns:p="http://schemas.openxmlformats.org/presentationml/2006/main">
-  <p:cSld>
-    <p:spTree>
-      <p:nvGrpSpPr>
-        <p:cNvPr id="1" name=""/>
-        <p:cNvGrpSpPr/>
-        <p:nvPr/>
-      </p:nvGrpSpPr>
-      <p:grpSpPr>
-        <a:xfrm>
-          <a:off x="0" y="0"/>
-          <a:ext cx="0" cy="0"/>
-          <a:chOff x="0" y="0"/>
-          <a:chExt cx="0" cy="0"/>
-        </a:xfrm>
-      </p:grpSpPr>
-      <p:pic>
-        <p:nvPicPr>
-          <p:cNvPr id="7" name="Picture 6">
-            <a:extLst>
-              <a:ext uri="{FF2B5EF4-FFF2-40B4-BE49-F238E27FC236}">
-                <a16:creationId xmlns:a16="http://schemas.microsoft.com/office/drawing/2014/main" id="{A8AC5FA5-8930-43E2-86E6-FF4CEC75DE67}"/>
-              </a:ext>
-            </a:extLst>
-          </p:cNvPr>
-          <p:cNvPicPr>
-            <a:picLocks noChangeAspect="1"/>
-          </p:cNvPicPr>
-          <p:nvPr/>
-        </p:nvPicPr>
-        <p:blipFill>
-          <a:blip r:embed="rId2"/>
-          <a:stretch>
-            <a:fillRect/>
-          </a:stretch>
-        </p:blipFill>
-        <p:spPr>
-          <a:xfrm>
-            <a:off x="2971777" y="2076440"/>
-            <a:ext cx="6248446" cy="2705120"/>
-          </a:xfrm>
-          <a:prstGeom prst="rect">
-            <a:avLst/>
-          </a:prstGeom>
-        </p:spPr>
-      </p:pic>
-    </p:spTree>
-    <p:extLst>
-      <p:ext uri="{BB962C8B-B14F-4D97-AF65-F5344CB8AC3E}">
-        <p14:creationId xmlns:p14="http://schemas.microsoft.com/office/powerpoint/2010/main" val="849574699"/>
+        <p14:creationId xmlns:p14="http://schemas.microsoft.com/office/powerpoint/2010/main" val="2637552424"/>
       </p:ext>
     </p:extLst>
   </p:cSld>
@@ -6175,7 +5970,7 @@
           <p:cNvPr id="3" name="Picture 2">
             <a:extLst>
               <a:ext uri="{FF2B5EF4-FFF2-40B4-BE49-F238E27FC236}">
-                <a16:creationId xmlns:a16="http://schemas.microsoft.com/office/drawing/2014/main" id="{00E47EC6-E36E-4149-96BC-1CF4177E953F}"/>
+                <a16:creationId xmlns:a16="http://schemas.microsoft.com/office/drawing/2014/main" id="{A06B3056-A351-5E3C-1100-7273ABB4EDB3}"/>
               </a:ext>
             </a:extLst>
           </p:cNvPr>
@@ -6192,8 +5987,8 @@
         </p:blipFill>
         <p:spPr>
           <a:xfrm>
-            <a:off x="3424218" y="962007"/>
-            <a:ext cx="5343564" cy="4933986"/>
+            <a:off x="3057503" y="1352535"/>
+            <a:ext cx="6076994" cy="4152930"/>
           </a:xfrm>
           <a:prstGeom prst="rect">
             <a:avLst/>
@@ -6203,7 +5998,7 @@
     </p:spTree>
     <p:extLst>
       <p:ext uri="{BB962C8B-B14F-4D97-AF65-F5344CB8AC3E}">
-        <p14:creationId xmlns:p14="http://schemas.microsoft.com/office/powerpoint/2010/main" val="3500024006"/>
+        <p14:creationId xmlns:p14="http://schemas.microsoft.com/office/powerpoint/2010/main" val="849574699"/>
       </p:ext>
     </p:extLst>
   </p:cSld>
@@ -6230,90 +6025,40 @@
           <a:chExt cx="0" cy="0"/>
         </a:xfrm>
       </p:grpSpPr>
-      <p:grpSp>
-        <p:nvGrpSpPr>
-          <p:cNvPr id="8" name="Group 7">
-            <a:extLst>
-              <a:ext uri="{FF2B5EF4-FFF2-40B4-BE49-F238E27FC236}">
-                <a16:creationId xmlns:a16="http://schemas.microsoft.com/office/drawing/2014/main" id="{BCA14098-6DC4-4792-86BE-DF490E811A54}"/>
-              </a:ext>
-            </a:extLst>
-          </p:cNvPr>
-          <p:cNvGrpSpPr/>
+      <p:pic>
+        <p:nvPicPr>
+          <p:cNvPr id="4" name="Picture 3">
+            <a:extLst>
+              <a:ext uri="{FF2B5EF4-FFF2-40B4-BE49-F238E27FC236}">
+                <a16:creationId xmlns:a16="http://schemas.microsoft.com/office/drawing/2014/main" id="{35E729E3-65F0-D47A-B267-E1ECAB397BC3}"/>
+              </a:ext>
+            </a:extLst>
+          </p:cNvPr>
+          <p:cNvPicPr>
+            <a:picLocks noChangeAspect="1"/>
+          </p:cNvPicPr>
           <p:nvPr/>
-        </p:nvGrpSpPr>
-        <p:grpSpPr>
+        </p:nvPicPr>
+        <p:blipFill>
+          <a:blip r:embed="rId2"/>
+          <a:stretch>
+            <a:fillRect/>
+          </a:stretch>
+        </p:blipFill>
+        <p:spPr>
           <a:xfrm>
-            <a:off x="3539591" y="-406400"/>
-            <a:ext cx="4998517" cy="10023487"/>
-            <a:chOff x="3596742" y="0"/>
-            <a:chExt cx="4998517" cy="10023487"/>
+            <a:off x="314325" y="1981200"/>
+            <a:ext cx="11563350" cy="2895600"/>
           </a:xfrm>
-        </p:grpSpPr>
-        <p:pic>
-          <p:nvPicPr>
-            <p:cNvPr id="5" name="Picture 4">
-              <a:extLst>
-                <a:ext uri="{FF2B5EF4-FFF2-40B4-BE49-F238E27FC236}">
-                  <a16:creationId xmlns:a16="http://schemas.microsoft.com/office/drawing/2014/main" id="{BB703734-B43D-462A-8468-69CD4D83CA7F}"/>
-                </a:ext>
-              </a:extLst>
-            </p:cNvPr>
-            <p:cNvPicPr>
-              <a:picLocks noChangeAspect="1"/>
-            </p:cNvPicPr>
-            <p:nvPr/>
-          </p:nvPicPr>
-          <p:blipFill>
-            <a:blip r:embed="rId2"/>
-            <a:stretch>
-              <a:fillRect/>
-            </a:stretch>
-          </p:blipFill>
-          <p:spPr>
-            <a:xfrm>
-              <a:off x="3596742" y="0"/>
-              <a:ext cx="4998516" cy="6858000"/>
-            </a:xfrm>
-            <a:prstGeom prst="rect">
-              <a:avLst/>
-            </a:prstGeom>
-          </p:spPr>
-        </p:pic>
-        <p:pic>
-          <p:nvPicPr>
-            <p:cNvPr id="7" name="Picture 6">
-              <a:extLst>
-                <a:ext uri="{FF2B5EF4-FFF2-40B4-BE49-F238E27FC236}">
-                  <a16:creationId xmlns:a16="http://schemas.microsoft.com/office/drawing/2014/main" id="{56AAEC8C-D5C3-44CC-98D4-BD9A2C007051}"/>
-                </a:ext>
-              </a:extLst>
-            </p:cNvPr>
-            <p:cNvPicPr>
-              <a:picLocks noChangeAspect="1"/>
-            </p:cNvPicPr>
-            <p:nvPr/>
-          </p:nvPicPr>
-          <p:blipFill rotWithShape="1">
-            <a:blip r:embed="rId3"/>
-            <a:srcRect r="7888"/>
-            <a:stretch/>
-          </p:blipFill>
-          <p:spPr>
-            <a:xfrm>
-              <a:off x="3596743" y="6804013"/>
-              <a:ext cx="4998516" cy="3219474"/>
-            </a:xfrm>
-            <a:prstGeom prst="rect">
-              <a:avLst/>
-            </a:prstGeom>
-          </p:spPr>
-        </p:pic>
-      </p:grpSp>
+          <a:prstGeom prst="rect">
+            <a:avLst/>
+          </a:prstGeom>
+        </p:spPr>
+      </p:pic>
     </p:spTree>
     <p:extLst>
       <p:ext uri="{BB962C8B-B14F-4D97-AF65-F5344CB8AC3E}">
-        <p14:creationId xmlns:p14="http://schemas.microsoft.com/office/powerpoint/2010/main" val="3204689719"/>
+        <p14:creationId xmlns:p14="http://schemas.microsoft.com/office/powerpoint/2010/main" val="1501980821"/>
       </p:ext>
     </p:extLst>
   </p:cSld>
@@ -6342,10 +6087,10 @@
       </p:grpSpPr>
       <p:pic>
         <p:nvPicPr>
-          <p:cNvPr id="6" name="Picture 5">
-            <a:extLst>
-              <a:ext uri="{FF2B5EF4-FFF2-40B4-BE49-F238E27FC236}">
-                <a16:creationId xmlns:a16="http://schemas.microsoft.com/office/drawing/2014/main" id="{C2186FB6-FB9F-41D9-9CE3-EEF3890ED259}"/>
+          <p:cNvPr id="8" name="Picture 7">
+            <a:extLst>
+              <a:ext uri="{FF2B5EF4-FFF2-40B4-BE49-F238E27FC236}">
+                <a16:creationId xmlns:a16="http://schemas.microsoft.com/office/drawing/2014/main" id="{95455ED1-8A22-E4D4-3DB2-DC59088B72C2}"/>
               </a:ext>
             </a:extLst>
           </p:cNvPr>
@@ -6362,18 +6107,226 @@
         </p:blipFill>
         <p:spPr>
           <a:xfrm>
-            <a:off x="3457555" y="847706"/>
-            <a:ext cx="5276889" cy="5162588"/>
+            <a:off x="1190625" y="695325"/>
+            <a:ext cx="9810750" cy="5467350"/>
           </a:xfrm>
           <a:prstGeom prst="rect">
             <a:avLst/>
           </a:prstGeom>
         </p:spPr>
       </p:pic>
+      <p:sp>
+        <p:nvSpPr>
+          <p:cNvPr id="9" name="Rectangle 8">
+            <a:extLst>
+              <a:ext uri="{FF2B5EF4-FFF2-40B4-BE49-F238E27FC236}">
+                <a16:creationId xmlns:a16="http://schemas.microsoft.com/office/drawing/2014/main" id="{A8AFBAB6-A0A4-29D3-CD41-B1F7DA271134}"/>
+              </a:ext>
+            </a:extLst>
+          </p:cNvPr>
+          <p:cNvSpPr/>
+          <p:nvPr/>
+        </p:nvSpPr>
+        <p:spPr>
+          <a:xfrm>
+            <a:off x="1320800" y="1016000"/>
+            <a:ext cx="863600" cy="266700"/>
+          </a:xfrm>
+          <a:prstGeom prst="rect">
+            <a:avLst/>
+          </a:prstGeom>
+          <a:noFill/>
+          <a:ln w="57150">
+            <a:solidFill>
+              <a:srgbClr val="C00000"/>
+            </a:solidFill>
+          </a:ln>
+        </p:spPr>
+        <p:style>
+          <a:lnRef idx="2">
+            <a:schemeClr val="accent1">
+              <a:shade val="50000"/>
+            </a:schemeClr>
+          </a:lnRef>
+          <a:fillRef idx="1">
+            <a:schemeClr val="accent1"/>
+          </a:fillRef>
+          <a:effectRef idx="0">
+            <a:schemeClr val="accent1"/>
+          </a:effectRef>
+          <a:fontRef idx="minor">
+            <a:schemeClr val="lt1"/>
+          </a:fontRef>
+        </p:style>
+        <p:txBody>
+          <a:bodyPr rtlCol="0" anchor="ctr"/>
+          <a:lstStyle/>
+          <a:p>
+            <a:pPr algn="ctr"/>
+            <a:endParaRPr lang="en-US"/>
+          </a:p>
+        </p:txBody>
+      </p:sp>
+      <p:sp>
+        <p:nvSpPr>
+          <p:cNvPr id="12" name="Rectangle 11">
+            <a:extLst>
+              <a:ext uri="{FF2B5EF4-FFF2-40B4-BE49-F238E27FC236}">
+                <a16:creationId xmlns:a16="http://schemas.microsoft.com/office/drawing/2014/main" id="{55647193-1FED-3C1C-E877-A2D65728646D}"/>
+              </a:ext>
+            </a:extLst>
+          </p:cNvPr>
+          <p:cNvSpPr/>
+          <p:nvPr/>
+        </p:nvSpPr>
+        <p:spPr>
+          <a:xfrm>
+            <a:off x="1266825" y="3022600"/>
+            <a:ext cx="561975" cy="406400"/>
+          </a:xfrm>
+          <a:prstGeom prst="rect">
+            <a:avLst/>
+          </a:prstGeom>
+          <a:noFill/>
+          <a:ln w="57150">
+            <a:solidFill>
+              <a:srgbClr val="C00000"/>
+            </a:solidFill>
+          </a:ln>
+        </p:spPr>
+        <p:style>
+          <a:lnRef idx="2">
+            <a:schemeClr val="accent1">
+              <a:shade val="50000"/>
+            </a:schemeClr>
+          </a:lnRef>
+          <a:fillRef idx="1">
+            <a:schemeClr val="accent1"/>
+          </a:fillRef>
+          <a:effectRef idx="0">
+            <a:schemeClr val="accent1"/>
+          </a:effectRef>
+          <a:fontRef idx="minor">
+            <a:schemeClr val="lt1"/>
+          </a:fontRef>
+        </p:style>
+        <p:txBody>
+          <a:bodyPr rtlCol="0" anchor="ctr"/>
+          <a:lstStyle/>
+          <a:p>
+            <a:pPr algn="ctr"/>
+            <a:endParaRPr lang="en-US"/>
+          </a:p>
+        </p:txBody>
+      </p:sp>
+      <p:sp>
+        <p:nvSpPr>
+          <p:cNvPr id="13" name="Rectangle 12">
+            <a:extLst>
+              <a:ext uri="{FF2B5EF4-FFF2-40B4-BE49-F238E27FC236}">
+                <a16:creationId xmlns:a16="http://schemas.microsoft.com/office/drawing/2014/main" id="{C0817E1B-A8E4-69A4-0504-6E8B05F6CF7E}"/>
+              </a:ext>
+            </a:extLst>
+          </p:cNvPr>
+          <p:cNvSpPr/>
+          <p:nvPr/>
+        </p:nvSpPr>
+        <p:spPr>
+          <a:xfrm>
+            <a:off x="4137025" y="3695700"/>
+            <a:ext cx="993775" cy="304800"/>
+          </a:xfrm>
+          <a:prstGeom prst="rect">
+            <a:avLst/>
+          </a:prstGeom>
+          <a:noFill/>
+          <a:ln w="57150">
+            <a:solidFill>
+              <a:srgbClr val="C00000"/>
+            </a:solidFill>
+          </a:ln>
+        </p:spPr>
+        <p:style>
+          <a:lnRef idx="2">
+            <a:schemeClr val="accent1">
+              <a:shade val="50000"/>
+            </a:schemeClr>
+          </a:lnRef>
+          <a:fillRef idx="1">
+            <a:schemeClr val="accent1"/>
+          </a:fillRef>
+          <a:effectRef idx="0">
+            <a:schemeClr val="accent1"/>
+          </a:effectRef>
+          <a:fontRef idx="minor">
+            <a:schemeClr val="lt1"/>
+          </a:fontRef>
+        </p:style>
+        <p:txBody>
+          <a:bodyPr rtlCol="0" anchor="ctr"/>
+          <a:lstStyle/>
+          <a:p>
+            <a:pPr algn="ctr"/>
+            <a:endParaRPr lang="en-US"/>
+          </a:p>
+        </p:txBody>
+      </p:sp>
+      <p:sp>
+        <p:nvSpPr>
+          <p:cNvPr id="14" name="Rectangle 13">
+            <a:extLst>
+              <a:ext uri="{FF2B5EF4-FFF2-40B4-BE49-F238E27FC236}">
+                <a16:creationId xmlns:a16="http://schemas.microsoft.com/office/drawing/2014/main" id="{88B6E0A7-6914-FD27-B0E2-9599EA29BAB4}"/>
+              </a:ext>
+            </a:extLst>
+          </p:cNvPr>
+          <p:cNvSpPr/>
+          <p:nvPr/>
+        </p:nvSpPr>
+        <p:spPr>
+          <a:xfrm>
+            <a:off x="3143250" y="4000500"/>
+            <a:ext cx="4845050" cy="215900"/>
+          </a:xfrm>
+          <a:prstGeom prst="rect">
+            <a:avLst/>
+          </a:prstGeom>
+          <a:noFill/>
+          <a:ln w="57150">
+            <a:solidFill>
+              <a:srgbClr val="C00000"/>
+            </a:solidFill>
+          </a:ln>
+        </p:spPr>
+        <p:style>
+          <a:lnRef idx="2">
+            <a:schemeClr val="accent1">
+              <a:shade val="50000"/>
+            </a:schemeClr>
+          </a:lnRef>
+          <a:fillRef idx="1">
+            <a:schemeClr val="accent1"/>
+          </a:fillRef>
+          <a:effectRef idx="0">
+            <a:schemeClr val="accent1"/>
+          </a:effectRef>
+          <a:fontRef idx="minor">
+            <a:schemeClr val="lt1"/>
+          </a:fontRef>
+        </p:style>
+        <p:txBody>
+          <a:bodyPr rtlCol="0" anchor="ctr"/>
+          <a:lstStyle/>
+          <a:p>
+            <a:pPr algn="ctr"/>
+            <a:endParaRPr lang="en-US"/>
+          </a:p>
+        </p:txBody>
+      </p:sp>
     </p:spTree>
     <p:extLst>
       <p:ext uri="{BB962C8B-B14F-4D97-AF65-F5344CB8AC3E}">
-        <p14:creationId xmlns:p14="http://schemas.microsoft.com/office/powerpoint/2010/main" val="2533316695"/>
+        <p14:creationId xmlns:p14="http://schemas.microsoft.com/office/powerpoint/2010/main" val="399489823"/>
       </p:ext>
     </p:extLst>
   </p:cSld>
@@ -6400,484 +6353,10 @@
           <a:chExt cx="0" cy="0"/>
         </a:xfrm>
       </p:grpSpPr>
-      <p:pic>
-        <p:nvPicPr>
-          <p:cNvPr id="4" name="Picture 3">
-            <a:extLst>
-              <a:ext uri="{FF2B5EF4-FFF2-40B4-BE49-F238E27FC236}">
-                <a16:creationId xmlns:a16="http://schemas.microsoft.com/office/drawing/2014/main" id="{A67574FD-E161-4DCD-A07A-B3CA690DB364}"/>
-              </a:ext>
-            </a:extLst>
-          </p:cNvPr>
-          <p:cNvPicPr>
-            <a:picLocks noChangeAspect="1"/>
-          </p:cNvPicPr>
-          <p:nvPr/>
-        </p:nvPicPr>
-        <p:blipFill>
-          <a:blip r:embed="rId2"/>
-          <a:stretch>
-            <a:fillRect/>
-          </a:stretch>
-        </p:blipFill>
-        <p:spPr>
-          <a:xfrm>
-            <a:off x="3595880" y="0"/>
-            <a:ext cx="5000240" cy="6858000"/>
-          </a:xfrm>
-          <a:prstGeom prst="rect">
-            <a:avLst/>
-          </a:prstGeom>
-        </p:spPr>
-      </p:pic>
     </p:spTree>
     <p:extLst>
       <p:ext uri="{BB962C8B-B14F-4D97-AF65-F5344CB8AC3E}">
-        <p14:creationId xmlns:p14="http://schemas.microsoft.com/office/powerpoint/2010/main" val="4212965284"/>
-      </p:ext>
-    </p:extLst>
-  </p:cSld>
-  <p:clrMapOvr>
-    <a:masterClrMapping/>
-  </p:clrMapOvr>
-</p:sld>
-</file>
-
-<file path=ppt/slides/slide6.xml><?xml version="1.0" encoding="utf-8"?>
-<p:sld xmlns:a="http://schemas.openxmlformats.org/drawingml/2006/main" xmlns:r="http://schemas.openxmlformats.org/officeDocument/2006/relationships" xmlns:p="http://schemas.openxmlformats.org/presentationml/2006/main">
-  <p:cSld>
-    <p:spTree>
-      <p:nvGrpSpPr>
-        <p:cNvPr id="1" name=""/>
-        <p:cNvGrpSpPr/>
-        <p:nvPr/>
-      </p:nvGrpSpPr>
-      <p:grpSpPr>
-        <a:xfrm>
-          <a:off x="0" y="0"/>
-          <a:ext cx="0" cy="0"/>
-          <a:chOff x="0" y="0"/>
-          <a:chExt cx="0" cy="0"/>
-        </a:xfrm>
-      </p:grpSpPr>
-      <p:pic>
-        <p:nvPicPr>
-          <p:cNvPr id="5" name="Picture 4">
-            <a:extLst>
-              <a:ext uri="{FF2B5EF4-FFF2-40B4-BE49-F238E27FC236}">
-                <a16:creationId xmlns:a16="http://schemas.microsoft.com/office/drawing/2014/main" id="{28F362A9-9BAA-40F0-B564-2CE438276FE4}"/>
-              </a:ext>
-            </a:extLst>
-          </p:cNvPr>
-          <p:cNvPicPr>
-            <a:picLocks noChangeAspect="1"/>
-          </p:cNvPicPr>
-          <p:nvPr/>
-        </p:nvPicPr>
-        <p:blipFill>
-          <a:blip r:embed="rId2"/>
-          <a:stretch>
-            <a:fillRect/>
-          </a:stretch>
-        </p:blipFill>
-        <p:spPr>
-          <a:xfrm>
-            <a:off x="3599724" y="0"/>
-            <a:ext cx="4992552" cy="6858000"/>
-          </a:xfrm>
-          <a:prstGeom prst="rect">
-            <a:avLst/>
-          </a:prstGeom>
-        </p:spPr>
-      </p:pic>
-      <p:pic>
-        <p:nvPicPr>
-          <p:cNvPr id="6" name="Picture 5">
-            <a:extLst>
-              <a:ext uri="{FF2B5EF4-FFF2-40B4-BE49-F238E27FC236}">
-                <a16:creationId xmlns:a16="http://schemas.microsoft.com/office/drawing/2014/main" id="{BCBEF560-6ECC-458F-9A72-8BCC719AE603}"/>
-              </a:ext>
-            </a:extLst>
-          </p:cNvPr>
-          <p:cNvPicPr>
-            <a:picLocks noChangeAspect="1"/>
-          </p:cNvPicPr>
-          <p:nvPr/>
-        </p:nvPicPr>
-        <p:blipFill rotWithShape="1">
-          <a:blip r:embed="rId3">
-            <a:extLst>
-              <a:ext uri="{BEBA8EAE-BF5A-486C-A8C5-ECC9F3942E4B}">
-                <a14:imgProps xmlns:a14="http://schemas.microsoft.com/office/drawing/2010/main">
-                  <a14:imgLayer r:embed="rId4">
-                    <a14:imgEffect>
-                      <a14:artisticGlass/>
-                    </a14:imgEffect>
-                  </a14:imgLayer>
-                </a14:imgProps>
-              </a:ext>
-            </a:extLst>
-          </a:blip>
-          <a:srcRect l="9284" t="82870" r="19881" b="13796"/>
-          <a:stretch/>
-        </p:blipFill>
-        <p:spPr>
-          <a:xfrm>
-            <a:off x="3765551" y="5187950"/>
-            <a:ext cx="1117600" cy="222250"/>
-          </a:xfrm>
-          <a:prstGeom prst="rect">
-            <a:avLst/>
-          </a:prstGeom>
-        </p:spPr>
-      </p:pic>
-    </p:spTree>
-    <p:extLst>
-      <p:ext uri="{BB962C8B-B14F-4D97-AF65-F5344CB8AC3E}">
-        <p14:creationId xmlns:p14="http://schemas.microsoft.com/office/powerpoint/2010/main" val="822399426"/>
-      </p:ext>
-    </p:extLst>
-  </p:cSld>
-  <p:clrMapOvr>
-    <a:masterClrMapping/>
-  </p:clrMapOvr>
-</p:sld>
-</file>
-
-<file path=ppt/slides/slide7.xml><?xml version="1.0" encoding="utf-8"?>
-<p:sld xmlns:a="http://schemas.openxmlformats.org/drawingml/2006/main" xmlns:r="http://schemas.openxmlformats.org/officeDocument/2006/relationships" xmlns:p="http://schemas.openxmlformats.org/presentationml/2006/main">
-  <p:cSld>
-    <p:spTree>
-      <p:nvGrpSpPr>
-        <p:cNvPr id="1" name=""/>
-        <p:cNvGrpSpPr/>
-        <p:nvPr/>
-      </p:nvGrpSpPr>
-      <p:grpSpPr>
-        <a:xfrm>
-          <a:off x="0" y="0"/>
-          <a:ext cx="0" cy="0"/>
-          <a:chOff x="0" y="0"/>
-          <a:chExt cx="0" cy="0"/>
-        </a:xfrm>
-      </p:grpSpPr>
-      <p:pic>
-        <p:nvPicPr>
-          <p:cNvPr id="5" name="Picture 4">
-            <a:extLst>
-              <a:ext uri="{FF2B5EF4-FFF2-40B4-BE49-F238E27FC236}">
-                <a16:creationId xmlns:a16="http://schemas.microsoft.com/office/drawing/2014/main" id="{52CE252F-567F-44BA-877B-95913C711B24}"/>
-              </a:ext>
-            </a:extLst>
-          </p:cNvPr>
-          <p:cNvPicPr>
-            <a:picLocks noChangeAspect="1"/>
-          </p:cNvPicPr>
-          <p:nvPr/>
-        </p:nvPicPr>
-        <p:blipFill rotWithShape="1">
-          <a:blip r:embed="rId2"/>
-          <a:srcRect t="18880"/>
-          <a:stretch/>
-        </p:blipFill>
-        <p:spPr>
-          <a:xfrm>
-            <a:off x="4586276" y="2714625"/>
-            <a:ext cx="3019447" cy="1862146"/>
-          </a:xfrm>
-          <a:prstGeom prst="rect">
-            <a:avLst/>
-          </a:prstGeom>
-        </p:spPr>
-      </p:pic>
-      <p:pic>
-        <p:nvPicPr>
-          <p:cNvPr id="6" name="Picture 5">
-            <a:extLst>
-              <a:ext uri="{FF2B5EF4-FFF2-40B4-BE49-F238E27FC236}">
-                <a16:creationId xmlns:a16="http://schemas.microsoft.com/office/drawing/2014/main" id="{1D471C7D-4FBA-44AD-9FFE-0BCC9ACAEA57}"/>
-              </a:ext>
-            </a:extLst>
-          </p:cNvPr>
-          <p:cNvPicPr>
-            <a:picLocks noChangeAspect="1"/>
-          </p:cNvPicPr>
-          <p:nvPr/>
-        </p:nvPicPr>
-        <p:blipFill rotWithShape="1">
-          <a:blip r:embed="rId3">
-            <a:extLst>
-              <a:ext uri="{BEBA8EAE-BF5A-486C-A8C5-ECC9F3942E4B}">
-                <a14:imgProps xmlns:a14="http://schemas.microsoft.com/office/drawing/2010/main">
-                  <a14:imgLayer r:embed="rId4">
-                    <a14:imgEffect>
-                      <a14:artisticGlass/>
-                    </a14:imgEffect>
-                  </a14:imgLayer>
-                </a14:imgProps>
-              </a:ext>
-            </a:extLst>
-          </a:blip>
-          <a:srcRect l="9284" t="82870" r="19881" b="13796"/>
-          <a:stretch/>
-        </p:blipFill>
-        <p:spPr>
-          <a:xfrm>
-            <a:off x="4835524" y="4124325"/>
-            <a:ext cx="2406649" cy="114300"/>
-          </a:xfrm>
-          <a:prstGeom prst="rect">
-            <a:avLst/>
-          </a:prstGeom>
-        </p:spPr>
-      </p:pic>
-      <p:pic>
-        <p:nvPicPr>
-          <p:cNvPr id="10" name="Picture 9">
-            <a:extLst>
-              <a:ext uri="{FF2B5EF4-FFF2-40B4-BE49-F238E27FC236}">
-                <a16:creationId xmlns:a16="http://schemas.microsoft.com/office/drawing/2014/main" id="{A752347E-C2B9-49F1-B31F-F4FA47533F38}"/>
-              </a:ext>
-            </a:extLst>
-          </p:cNvPr>
-          <p:cNvPicPr>
-            <a:picLocks noChangeAspect="1"/>
-          </p:cNvPicPr>
-          <p:nvPr/>
-        </p:nvPicPr>
-        <p:blipFill rotWithShape="1">
-          <a:blip r:embed="rId3">
-            <a:extLst>
-              <a:ext uri="{BEBA8EAE-BF5A-486C-A8C5-ECC9F3942E4B}">
-                <a14:imgProps xmlns:a14="http://schemas.microsoft.com/office/drawing/2010/main">
-                  <a14:imgLayer r:embed="rId4">
-                    <a14:imgEffect>
-                      <a14:artisticGlass/>
-                    </a14:imgEffect>
-                  </a14:imgLayer>
-                </a14:imgProps>
-              </a:ext>
-            </a:extLst>
-          </a:blip>
-          <a:srcRect l="9284" t="82870" r="19881" b="13796"/>
-          <a:stretch/>
-        </p:blipFill>
-        <p:spPr>
-          <a:xfrm>
-            <a:off x="4835525" y="3981450"/>
-            <a:ext cx="688976" cy="114300"/>
-          </a:xfrm>
-          <a:prstGeom prst="rect">
-            <a:avLst/>
-          </a:prstGeom>
-        </p:spPr>
-      </p:pic>
-    </p:spTree>
-    <p:extLst>
-      <p:ext uri="{BB962C8B-B14F-4D97-AF65-F5344CB8AC3E}">
-        <p14:creationId xmlns:p14="http://schemas.microsoft.com/office/powerpoint/2010/main" val="3261590427"/>
-      </p:ext>
-    </p:extLst>
-  </p:cSld>
-  <p:clrMapOvr>
-    <a:masterClrMapping/>
-  </p:clrMapOvr>
-</p:sld>
-</file>
-
-<file path=ppt/slides/slide8.xml><?xml version="1.0" encoding="utf-8"?>
-<p:sld xmlns:a="http://schemas.openxmlformats.org/drawingml/2006/main" xmlns:r="http://schemas.openxmlformats.org/officeDocument/2006/relationships" xmlns:p="http://schemas.openxmlformats.org/presentationml/2006/main">
-  <p:cSld>
-    <p:spTree>
-      <p:nvGrpSpPr>
-        <p:cNvPr id="1" name=""/>
-        <p:cNvGrpSpPr/>
-        <p:nvPr/>
-      </p:nvGrpSpPr>
-      <p:grpSpPr>
-        <a:xfrm>
-          <a:off x="0" y="0"/>
-          <a:ext cx="0" cy="0"/>
-          <a:chOff x="0" y="0"/>
-          <a:chExt cx="0" cy="0"/>
-        </a:xfrm>
-      </p:grpSpPr>
-      <p:pic>
-        <p:nvPicPr>
-          <p:cNvPr id="5" name="Picture 4">
-            <a:extLst>
-              <a:ext uri="{FF2B5EF4-FFF2-40B4-BE49-F238E27FC236}">
-                <a16:creationId xmlns:a16="http://schemas.microsoft.com/office/drawing/2014/main" id="{C4FEE400-F52E-4D13-AA36-C151B7DE8472}"/>
-              </a:ext>
-            </a:extLst>
-          </p:cNvPr>
-          <p:cNvPicPr>
-            <a:picLocks noChangeAspect="1"/>
-          </p:cNvPicPr>
-          <p:nvPr/>
-        </p:nvPicPr>
-        <p:blipFill>
-          <a:blip r:embed="rId2"/>
-          <a:stretch>
-            <a:fillRect/>
-          </a:stretch>
-        </p:blipFill>
-        <p:spPr>
-          <a:xfrm>
-            <a:off x="2990827" y="2352667"/>
-            <a:ext cx="6210345" cy="2152666"/>
-          </a:xfrm>
-          <a:prstGeom prst="rect">
-            <a:avLst/>
-          </a:prstGeom>
-        </p:spPr>
-      </p:pic>
-      <p:pic>
-        <p:nvPicPr>
-          <p:cNvPr id="6" name="Picture 5">
-            <a:extLst>
-              <a:ext uri="{FF2B5EF4-FFF2-40B4-BE49-F238E27FC236}">
-                <a16:creationId xmlns:a16="http://schemas.microsoft.com/office/drawing/2014/main" id="{4459E0BB-7457-4DEC-B075-7091AB59821F}"/>
-              </a:ext>
-            </a:extLst>
-          </p:cNvPr>
-          <p:cNvPicPr>
-            <a:picLocks noChangeAspect="1"/>
-          </p:cNvPicPr>
-          <p:nvPr/>
-        </p:nvPicPr>
-        <p:blipFill rotWithShape="1">
-          <a:blip r:embed="rId3">
-            <a:extLst>
-              <a:ext uri="{BEBA8EAE-BF5A-486C-A8C5-ECC9F3942E4B}">
-                <a14:imgProps xmlns:a14="http://schemas.microsoft.com/office/drawing/2010/main">
-                  <a14:imgLayer r:embed="rId4">
-                    <a14:imgEffect>
-                      <a14:artisticGlass/>
-                    </a14:imgEffect>
-                  </a14:imgLayer>
-                </a14:imgProps>
-              </a:ext>
-            </a:extLst>
-          </a:blip>
-          <a:srcRect l="9284" t="82870" r="19881" b="13796"/>
-          <a:stretch/>
-        </p:blipFill>
-        <p:spPr>
-          <a:xfrm>
-            <a:off x="3914775" y="4213225"/>
-            <a:ext cx="650875" cy="57150"/>
-          </a:xfrm>
-          <a:prstGeom prst="rect">
-            <a:avLst/>
-          </a:prstGeom>
-        </p:spPr>
-      </p:pic>
-    </p:spTree>
-    <p:extLst>
-      <p:ext uri="{BB962C8B-B14F-4D97-AF65-F5344CB8AC3E}">
-        <p14:creationId xmlns:p14="http://schemas.microsoft.com/office/powerpoint/2010/main" val="1250587808"/>
-      </p:ext>
-    </p:extLst>
-  </p:cSld>
-  <p:clrMapOvr>
-    <a:masterClrMapping/>
-  </p:clrMapOvr>
-</p:sld>
-</file>
-
-<file path=ppt/slides/slide9.xml><?xml version="1.0" encoding="utf-8"?>
-<p:sld xmlns:a="http://schemas.openxmlformats.org/drawingml/2006/main" xmlns:r="http://schemas.openxmlformats.org/officeDocument/2006/relationships" xmlns:p="http://schemas.openxmlformats.org/presentationml/2006/main">
-  <p:cSld>
-    <p:spTree>
-      <p:nvGrpSpPr>
-        <p:cNvPr id="1" name=""/>
-        <p:cNvGrpSpPr/>
-        <p:nvPr/>
-      </p:nvGrpSpPr>
-      <p:grpSpPr>
-        <a:xfrm>
-          <a:off x="0" y="0"/>
-          <a:ext cx="0" cy="0"/>
-          <a:chOff x="0" y="0"/>
-          <a:chExt cx="0" cy="0"/>
-        </a:xfrm>
-      </p:grpSpPr>
-      <p:pic>
-        <p:nvPicPr>
-          <p:cNvPr id="6" name="Picture 5">
-            <a:extLst>
-              <a:ext uri="{FF2B5EF4-FFF2-40B4-BE49-F238E27FC236}">
-                <a16:creationId xmlns:a16="http://schemas.microsoft.com/office/drawing/2014/main" id="{FC677FC0-7AC3-4CE0-BA2F-4EDD419CA420}"/>
-              </a:ext>
-            </a:extLst>
-          </p:cNvPr>
-          <p:cNvPicPr>
-            <a:picLocks noChangeAspect="1"/>
-          </p:cNvPicPr>
-          <p:nvPr/>
-        </p:nvPicPr>
-        <p:blipFill>
-          <a:blip r:embed="rId2"/>
-          <a:stretch>
-            <a:fillRect/>
-          </a:stretch>
-        </p:blipFill>
-        <p:spPr>
-          <a:xfrm>
-            <a:off x="4152886" y="2543168"/>
-            <a:ext cx="3886228" cy="1771663"/>
-          </a:xfrm>
-          <a:prstGeom prst="rect">
-            <a:avLst/>
-          </a:prstGeom>
-        </p:spPr>
-      </p:pic>
-      <p:pic>
-        <p:nvPicPr>
-          <p:cNvPr id="4" name="Picture 3">
-            <a:extLst>
-              <a:ext uri="{FF2B5EF4-FFF2-40B4-BE49-F238E27FC236}">
-                <a16:creationId xmlns:a16="http://schemas.microsoft.com/office/drawing/2014/main" id="{430A0568-63E2-448D-A8BB-D681E4EC6B31}"/>
-              </a:ext>
-            </a:extLst>
-          </p:cNvPr>
-          <p:cNvPicPr>
-            <a:picLocks noChangeAspect="1"/>
-          </p:cNvPicPr>
-          <p:nvPr/>
-        </p:nvPicPr>
-        <p:blipFill rotWithShape="1">
-          <a:blip r:embed="rId3">
-            <a:extLst>
-              <a:ext uri="{BEBA8EAE-BF5A-486C-A8C5-ECC9F3942E4B}">
-                <a14:imgProps xmlns:a14="http://schemas.microsoft.com/office/drawing/2010/main">
-                  <a14:imgLayer r:embed="rId4">
-                    <a14:imgEffect>
-                      <a14:artisticGlass/>
-                    </a14:imgEffect>
-                  </a14:imgLayer>
-                </a14:imgProps>
-              </a:ext>
-            </a:extLst>
-          </a:blip>
-          <a:srcRect l="9284" t="82870" r="19881" b="13796"/>
-          <a:stretch/>
-        </p:blipFill>
-        <p:spPr>
-          <a:xfrm>
-            <a:off x="5422901" y="2968625"/>
-            <a:ext cx="1117600" cy="222250"/>
-          </a:xfrm>
-          <a:prstGeom prst="rect">
-            <a:avLst/>
-          </a:prstGeom>
-        </p:spPr>
-      </p:pic>
-    </p:spTree>
-    <p:extLst>
-      <p:ext uri="{BB962C8B-B14F-4D97-AF65-F5344CB8AC3E}">
-        <p14:creationId xmlns:p14="http://schemas.microsoft.com/office/powerpoint/2010/main" val="2998061435"/>
+        <p14:creationId xmlns:p14="http://schemas.microsoft.com/office/powerpoint/2010/main" val="3623422223"/>
       </p:ext>
     </p:extLst>
   </p:cSld>

--- a/images/ProcessMap.pptx
+++ b/images/ProcessMap.pptx
@@ -129,7 +129,7 @@
   <pc:docChgLst>
     <pc:chgData name="Jared Fiacco" userId="e4f6bfaef04c63d1" providerId="LiveId" clId="{D38C5BE2-17A7-461C-BD94-6C0C7CDA27B5}"/>
     <pc:docChg chg="undo custSel addSld delSld modSld">
-      <pc:chgData name="Jared Fiacco" userId="e4f6bfaef04c63d1" providerId="LiveId" clId="{D38C5BE2-17A7-461C-BD94-6C0C7CDA27B5}" dt="2022-05-20T00:23:04.046" v="344" actId="478"/>
+      <pc:chgData name="Jared Fiacco" userId="e4f6bfaef04c63d1" providerId="LiveId" clId="{D38C5BE2-17A7-461C-BD94-6C0C7CDA27B5}" dt="2022-05-20T00:34:38.990" v="345" actId="478"/>
       <pc:docMkLst>
         <pc:docMk/>
       </pc:docMkLst>
@@ -183,7 +183,7 @@
         </pc:sldMkLst>
       </pc:sldChg>
       <pc:sldChg chg="addSp delSp modSp mod">
-        <pc:chgData name="Jared Fiacco" userId="e4f6bfaef04c63d1" providerId="LiveId" clId="{D38C5BE2-17A7-461C-BD94-6C0C7CDA27B5}" dt="2022-05-19T23:48:58.648" v="292" actId="1076"/>
+        <pc:chgData name="Jared Fiacco" userId="e4f6bfaef04c63d1" providerId="LiveId" clId="{D38C5BE2-17A7-461C-BD94-6C0C7CDA27B5}" dt="2022-05-20T00:34:38.990" v="345" actId="478"/>
         <pc:sldMkLst>
           <pc:docMk/>
           <pc:sldMk cId="2637552424" sldId="266"/>
@@ -460,8 +460,8 @@
             <ac:cxnSpMk id="54" creationId="{2A5D7007-D002-4D32-AA23-2FAA6C8C54FF}"/>
           </ac:cxnSpMkLst>
         </pc:cxnChg>
-        <pc:cxnChg chg="mod">
-          <ac:chgData name="Jared Fiacco" userId="e4f6bfaef04c63d1" providerId="LiveId" clId="{D38C5BE2-17A7-461C-BD94-6C0C7CDA27B5}" dt="2022-05-19T23:48:58.648" v="292" actId="1076"/>
+        <pc:cxnChg chg="del mod">
+          <ac:chgData name="Jared Fiacco" userId="e4f6bfaef04c63d1" providerId="LiveId" clId="{D38C5BE2-17A7-461C-BD94-6C0C7CDA27B5}" dt="2022-05-20T00:34:38.990" v="345" actId="478"/>
           <ac:cxnSpMkLst>
             <pc:docMk/>
             <pc:sldMk cId="2637552424" sldId="266"/>
@@ -5137,50 +5137,6 @@
         <p:spPr>
           <a:xfrm flipV="1">
             <a:off x="8899674" y="2543308"/>
-            <a:ext cx="501644" cy="2457"/>
-          </a:xfrm>
-          <a:prstGeom prst="straightConnector1">
-            <a:avLst/>
-          </a:prstGeom>
-          <a:ln w="57150">
-            <a:solidFill>
-              <a:schemeClr val="tx2"/>
-            </a:solidFill>
-            <a:tailEnd type="triangle"/>
-          </a:ln>
-        </p:spPr>
-        <p:style>
-          <a:lnRef idx="1">
-            <a:schemeClr val="accent1"/>
-          </a:lnRef>
-          <a:fillRef idx="0">
-            <a:schemeClr val="accent1"/>
-          </a:fillRef>
-          <a:effectRef idx="0">
-            <a:schemeClr val="accent1"/>
-          </a:effectRef>
-          <a:fontRef idx="minor">
-            <a:schemeClr val="tx1"/>
-          </a:fontRef>
-        </p:style>
-      </p:cxnSp>
-      <p:cxnSp>
-        <p:nvCxnSpPr>
-          <p:cNvPr id="59" name="Straight Arrow Connector 58">
-            <a:extLst>
-              <a:ext uri="{FF2B5EF4-FFF2-40B4-BE49-F238E27FC236}">
-                <a16:creationId xmlns:a16="http://schemas.microsoft.com/office/drawing/2014/main" id="{723B867F-CE77-4420-880F-7FBB1581F784}"/>
-              </a:ext>
-            </a:extLst>
-          </p:cNvPr>
-          <p:cNvCxnSpPr>
-            <a:cxnSpLocks/>
-          </p:cNvCxnSpPr>
-          <p:nvPr/>
-        </p:nvCxnSpPr>
-        <p:spPr>
-          <a:xfrm flipV="1">
-            <a:off x="10593460" y="2540851"/>
             <a:ext cx="501644" cy="2457"/>
           </a:xfrm>
           <a:prstGeom prst="straightConnector1">

--- a/images/ProcessMap.pptx
+++ b/images/ProcessMap.pptx
@@ -9,7 +9,6 @@
     <p:sldId id="267" r:id="rId3"/>
     <p:sldId id="268" r:id="rId4"/>
     <p:sldId id="269" r:id="rId5"/>
-    <p:sldId id="270" r:id="rId6"/>
   </p:sldIdLst>
   <p:sldSz cx="12192000" cy="6858000"/>
   <p:notesSz cx="6858000" cy="9144000"/>
@@ -119,7 +118,7 @@
 <file path=ppt/revisionInfo.xml><?xml version="1.0" encoding="utf-8"?>
 <p1510:revInfo xmlns:a="http://schemas.openxmlformats.org/drawingml/2006/main" xmlns:r="http://schemas.openxmlformats.org/officeDocument/2006/relationships" xmlns:p1510="http://schemas.microsoft.com/office/powerpoint/2015/10/main">
   <p1510:revLst>
-    <p1510:client id="{D38C5BE2-17A7-461C-BD94-6C0C7CDA27B5}" v="103" dt="2022-05-20T00:22:58.082"/>
+    <p1510:client id="{D38C5BE2-17A7-461C-BD94-6C0C7CDA27B5}" v="104" dt="2022-05-20T00:54:29.744"/>
   </p1510:revLst>
 </p1510:revInfo>
 </file>
@@ -129,7 +128,7 @@
   <pc:docChgLst>
     <pc:chgData name="Jared Fiacco" userId="e4f6bfaef04c63d1" providerId="LiveId" clId="{D38C5BE2-17A7-461C-BD94-6C0C7CDA27B5}"/>
     <pc:docChg chg="undo custSel addSld delSld modSld">
-      <pc:chgData name="Jared Fiacco" userId="e4f6bfaef04c63d1" providerId="LiveId" clId="{D38C5BE2-17A7-461C-BD94-6C0C7CDA27B5}" dt="2022-05-20T00:34:38.990" v="345" actId="478"/>
+      <pc:chgData name="Jared Fiacco" userId="e4f6bfaef04c63d1" providerId="LiveId" clId="{D38C5BE2-17A7-461C-BD94-6C0C7CDA27B5}" dt="2022-05-20T01:10:40.156" v="348" actId="2696"/>
       <pc:docMkLst>
         <pc:docMk/>
       </pc:docMkLst>
@@ -694,8 +693,8 @@
           <pc:sldMk cId="2998061435" sldId="270"/>
         </pc:sldMkLst>
       </pc:sldChg>
-      <pc:sldChg chg="delSp add mod">
-        <pc:chgData name="Jared Fiacco" userId="e4f6bfaef04c63d1" providerId="LiveId" clId="{D38C5BE2-17A7-461C-BD94-6C0C7CDA27B5}" dt="2022-05-20T00:23:04.046" v="344" actId="478"/>
+      <pc:sldChg chg="addSp delSp modSp add del mod">
+        <pc:chgData name="Jared Fiacco" userId="e4f6bfaef04c63d1" providerId="LiveId" clId="{D38C5BE2-17A7-461C-BD94-6C0C7CDA27B5}" dt="2022-05-20T01:10:40.156" v="348" actId="2696"/>
         <pc:sldMkLst>
           <pc:docMk/>
           <pc:sldMk cId="3623422223" sldId="270"/>
@@ -732,6 +731,14 @@
             <ac:spMk id="14" creationId="{88B6E0A7-6914-FD27-B0E2-9599EA29BAB4}"/>
           </ac:spMkLst>
         </pc:spChg>
+        <pc:picChg chg="add mod">
+          <ac:chgData name="Jared Fiacco" userId="e4f6bfaef04c63d1" providerId="LiveId" clId="{D38C5BE2-17A7-461C-BD94-6C0C7CDA27B5}" dt="2022-05-20T00:54:33.187" v="347" actId="27614"/>
+          <ac:picMkLst>
+            <pc:docMk/>
+            <pc:sldMk cId="3623422223" sldId="270"/>
+            <ac:picMk id="3" creationId="{25E1117A-5F9C-286C-AD72-E718125BCF89}"/>
+          </ac:picMkLst>
+        </pc:picChg>
         <pc:picChg chg="del">
           <ac:chgData name="Jared Fiacco" userId="e4f6bfaef04c63d1" providerId="LiveId" clId="{D38C5BE2-17A7-461C-BD94-6C0C7CDA27B5}" dt="2022-05-20T00:23:04.046" v="344" actId="478"/>
           <ac:picMkLst>
@@ -6292,36 +6299,6 @@
 </p:sld>
 </file>
 
-<file path=ppt/slides/slide5.xml><?xml version="1.0" encoding="utf-8"?>
-<p:sld xmlns:a="http://schemas.openxmlformats.org/drawingml/2006/main" xmlns:r="http://schemas.openxmlformats.org/officeDocument/2006/relationships" xmlns:p="http://schemas.openxmlformats.org/presentationml/2006/main">
-  <p:cSld>
-    <p:spTree>
-      <p:nvGrpSpPr>
-        <p:cNvPr id="1" name=""/>
-        <p:cNvGrpSpPr/>
-        <p:nvPr/>
-      </p:nvGrpSpPr>
-      <p:grpSpPr>
-        <a:xfrm>
-          <a:off x="0" y="0"/>
-          <a:ext cx="0" cy="0"/>
-          <a:chOff x="0" y="0"/>
-          <a:chExt cx="0" cy="0"/>
-        </a:xfrm>
-      </p:grpSpPr>
-    </p:spTree>
-    <p:extLst>
-      <p:ext uri="{BB962C8B-B14F-4D97-AF65-F5344CB8AC3E}">
-        <p14:creationId xmlns:p14="http://schemas.microsoft.com/office/powerpoint/2010/main" val="3623422223"/>
-      </p:ext>
-    </p:extLst>
-  </p:cSld>
-  <p:clrMapOvr>
-    <a:masterClrMapping/>
-  </p:clrMapOvr>
-</p:sld>
-</file>
-
 <file path=ppt/theme/theme1.xml><?xml version="1.0" encoding="utf-8"?>
 <a:theme xmlns:a="http://schemas.openxmlformats.org/drawingml/2006/main" name="Office Theme">
   <a:themeElements>

--- a/images/ProcessMap.pptx
+++ b/images/ProcessMap.pptx
@@ -126,6 +126,341 @@
 <file path=ppt/changesInfos/changesInfo1.xml><?xml version="1.0" encoding="utf-8"?>
 <pc:chgInfo xmlns:a="http://schemas.openxmlformats.org/drawingml/2006/main" xmlns:r="http://schemas.openxmlformats.org/officeDocument/2006/relationships" xmlns:ac="http://schemas.microsoft.com/office/drawing/2013/main/command" xmlns:pc="http://schemas.microsoft.com/office/powerpoint/2013/main/command">
   <pc:docChgLst>
+    <pc:chgData name="Jared Fiacco" userId="e4f6bfaef04c63d1" providerId="LiveId" clId="{1E164F9B-1AA4-4F00-B498-4771B2C0354E}"/>
+    <pc:docChg chg="undo custSel delSld modSld">
+      <pc:chgData name="Jared Fiacco" userId="e4f6bfaef04c63d1" providerId="LiveId" clId="{1E164F9B-1AA4-4F00-B498-4771B2C0354E}" dt="2022-05-15T13:48:44.496" v="253" actId="47"/>
+      <pc:docMkLst>
+        <pc:docMk/>
+      </pc:docMkLst>
+      <pc:sldChg chg="del">
+        <pc:chgData name="Jared Fiacco" userId="e4f6bfaef04c63d1" providerId="LiveId" clId="{1E164F9B-1AA4-4F00-B498-4771B2C0354E}" dt="2022-05-15T13:48:44.496" v="253" actId="47"/>
+        <pc:sldMkLst>
+          <pc:docMk/>
+          <pc:sldMk cId="3624137779" sldId="258"/>
+        </pc:sldMkLst>
+      </pc:sldChg>
+      <pc:sldChg chg="addSp delSp modSp mod">
+        <pc:chgData name="Jared Fiacco" userId="e4f6bfaef04c63d1" providerId="LiveId" clId="{1E164F9B-1AA4-4F00-B498-4771B2C0354E}" dt="2022-05-15T13:48:30.620" v="252" actId="478"/>
+        <pc:sldMkLst>
+          <pc:docMk/>
+          <pc:sldMk cId="2637552424" sldId="266"/>
+        </pc:sldMkLst>
+        <pc:spChg chg="mod ord">
+          <ac:chgData name="Jared Fiacco" userId="e4f6bfaef04c63d1" providerId="LiveId" clId="{1E164F9B-1AA4-4F00-B498-4771B2C0354E}" dt="2022-05-15T13:46:23.467" v="239" actId="1076"/>
+          <ac:spMkLst>
+            <pc:docMk/>
+            <pc:sldMk cId="2637552424" sldId="266"/>
+            <ac:spMk id="38" creationId="{FB331FEB-7A12-1CEE-33B8-6F50F3A3886C}"/>
+          </ac:spMkLst>
+        </pc:spChg>
+        <pc:spChg chg="del">
+          <ac:chgData name="Jared Fiacco" userId="e4f6bfaef04c63d1" providerId="LiveId" clId="{1E164F9B-1AA4-4F00-B498-4771B2C0354E}" dt="2022-05-15T13:39:38.870" v="25" actId="478"/>
+          <ac:spMkLst>
+            <pc:docMk/>
+            <pc:sldMk cId="2637552424" sldId="266"/>
+            <ac:spMk id="39" creationId="{5D5A7BEE-7270-1833-0F59-A58F795E93B4}"/>
+          </ac:spMkLst>
+        </pc:spChg>
+        <pc:spChg chg="del">
+          <ac:chgData name="Jared Fiacco" userId="e4f6bfaef04c63d1" providerId="LiveId" clId="{1E164F9B-1AA4-4F00-B498-4771B2C0354E}" dt="2022-05-15T13:48:30.620" v="252" actId="478"/>
+          <ac:spMkLst>
+            <pc:docMk/>
+            <pc:sldMk cId="2637552424" sldId="266"/>
+            <ac:spMk id="40" creationId="{716500CF-FA01-358B-420E-79014FECAC54}"/>
+          </ac:spMkLst>
+        </pc:spChg>
+        <pc:spChg chg="mod">
+          <ac:chgData name="Jared Fiacco" userId="e4f6bfaef04c63d1" providerId="LiveId" clId="{1E164F9B-1AA4-4F00-B498-4771B2C0354E}" dt="2022-05-15T13:46:23.467" v="239" actId="1076"/>
+          <ac:spMkLst>
+            <pc:docMk/>
+            <pc:sldMk cId="2637552424" sldId="266"/>
+            <ac:spMk id="41" creationId="{3C06F8D7-9F68-4789-B25E-FD9DA1513E71}"/>
+          </ac:spMkLst>
+        </pc:spChg>
+        <pc:spChg chg="mod">
+          <ac:chgData name="Jared Fiacco" userId="e4f6bfaef04c63d1" providerId="LiveId" clId="{1E164F9B-1AA4-4F00-B498-4771B2C0354E}" dt="2022-05-15T13:46:23.467" v="239" actId="1076"/>
+          <ac:spMkLst>
+            <pc:docMk/>
+            <pc:sldMk cId="2637552424" sldId="266"/>
+            <ac:spMk id="42" creationId="{042BD826-EC59-A435-D940-43B1FF155430}"/>
+          </ac:spMkLst>
+        </pc:spChg>
+        <pc:spChg chg="mod">
+          <ac:chgData name="Jared Fiacco" userId="e4f6bfaef04c63d1" providerId="LiveId" clId="{1E164F9B-1AA4-4F00-B498-4771B2C0354E}" dt="2022-05-15T13:46:23.467" v="239" actId="1076"/>
+          <ac:spMkLst>
+            <pc:docMk/>
+            <pc:sldMk cId="2637552424" sldId="266"/>
+            <ac:spMk id="44" creationId="{573F4EF7-DDBC-4CC4-A95C-DD8AEB8B3A09}"/>
+          </ac:spMkLst>
+        </pc:spChg>
+        <pc:spChg chg="add mod ord">
+          <ac:chgData name="Jared Fiacco" userId="e4f6bfaef04c63d1" providerId="LiveId" clId="{1E164F9B-1AA4-4F00-B498-4771B2C0354E}" dt="2022-05-15T13:47:54.706" v="251" actId="207"/>
+          <ac:spMkLst>
+            <pc:docMk/>
+            <pc:sldMk cId="2637552424" sldId="266"/>
+            <ac:spMk id="47" creationId="{C29DF940-0AD2-37A7-96AE-545D2C223AA1}"/>
+          </ac:spMkLst>
+        </pc:spChg>
+        <pc:spChg chg="mod">
+          <ac:chgData name="Jared Fiacco" userId="e4f6bfaef04c63d1" providerId="LiveId" clId="{1E164F9B-1AA4-4F00-B498-4771B2C0354E}" dt="2022-05-15T13:46:23.467" v="239" actId="1076"/>
+          <ac:spMkLst>
+            <pc:docMk/>
+            <pc:sldMk cId="2637552424" sldId="266"/>
+            <ac:spMk id="49" creationId="{DB9D40D4-985D-49A2-9EFF-CFAA243F9F30}"/>
+          </ac:spMkLst>
+        </pc:spChg>
+        <pc:spChg chg="mod">
+          <ac:chgData name="Jared Fiacco" userId="e4f6bfaef04c63d1" providerId="LiveId" clId="{1E164F9B-1AA4-4F00-B498-4771B2C0354E}" dt="2022-05-15T13:46:23.467" v="239" actId="1076"/>
+          <ac:spMkLst>
+            <pc:docMk/>
+            <pc:sldMk cId="2637552424" sldId="266"/>
+            <ac:spMk id="61" creationId="{03DD6DB6-B25E-43E2-9FA7-C521491A9F2D}"/>
+          </ac:spMkLst>
+        </pc:spChg>
+        <pc:spChg chg="mod">
+          <ac:chgData name="Jared Fiacco" userId="e4f6bfaef04c63d1" providerId="LiveId" clId="{1E164F9B-1AA4-4F00-B498-4771B2C0354E}" dt="2022-05-15T13:46:23.467" v="239" actId="1076"/>
+          <ac:spMkLst>
+            <pc:docMk/>
+            <pc:sldMk cId="2637552424" sldId="266"/>
+            <ac:spMk id="67" creationId="{D221BC66-D5C9-4B49-84BE-8723DAE2F94C}"/>
+          </ac:spMkLst>
+        </pc:spChg>
+        <pc:spChg chg="mod">
+          <ac:chgData name="Jared Fiacco" userId="e4f6bfaef04c63d1" providerId="LiveId" clId="{1E164F9B-1AA4-4F00-B498-4771B2C0354E}" dt="2022-05-15T13:46:23.467" v="239" actId="1076"/>
+          <ac:spMkLst>
+            <pc:docMk/>
+            <pc:sldMk cId="2637552424" sldId="266"/>
+            <ac:spMk id="68" creationId="{E8EEC665-BBC5-4DA7-BC85-FD83FCC28792}"/>
+          </ac:spMkLst>
+        </pc:spChg>
+        <pc:spChg chg="mod">
+          <ac:chgData name="Jared Fiacco" userId="e4f6bfaef04c63d1" providerId="LiveId" clId="{1E164F9B-1AA4-4F00-B498-4771B2C0354E}" dt="2022-05-15T13:46:23.467" v="239" actId="1076"/>
+          <ac:spMkLst>
+            <pc:docMk/>
+            <pc:sldMk cId="2637552424" sldId="266"/>
+            <ac:spMk id="69" creationId="{58EA6D4B-261D-4B03-8FDC-9F2505CD9A8B}"/>
+          </ac:spMkLst>
+        </pc:spChg>
+        <pc:spChg chg="del">
+          <ac:chgData name="Jared Fiacco" userId="e4f6bfaef04c63d1" providerId="LiveId" clId="{1E164F9B-1AA4-4F00-B498-4771B2C0354E}" dt="2022-05-15T13:39:38.870" v="25" actId="478"/>
+          <ac:spMkLst>
+            <pc:docMk/>
+            <pc:sldMk cId="2637552424" sldId="266"/>
+            <ac:spMk id="97" creationId="{3B56B241-6598-4453-8BFA-07FE9F3C96C0}"/>
+          </ac:spMkLst>
+        </pc:spChg>
+        <pc:grpChg chg="add del mod">
+          <ac:chgData name="Jared Fiacco" userId="e4f6bfaef04c63d1" providerId="LiveId" clId="{1E164F9B-1AA4-4F00-B498-4771B2C0354E}" dt="2022-05-15T13:41:57.814" v="170" actId="165"/>
+          <ac:grpSpMkLst>
+            <pc:docMk/>
+            <pc:sldMk cId="2637552424" sldId="266"/>
+            <ac:grpSpMk id="2" creationId="{DDF081D3-CE3F-1E16-6BE7-0F9CA8686734}"/>
+          </ac:grpSpMkLst>
+        </pc:grpChg>
+        <pc:grpChg chg="add mod">
+          <ac:chgData name="Jared Fiacco" userId="e4f6bfaef04c63d1" providerId="LiveId" clId="{1E164F9B-1AA4-4F00-B498-4771B2C0354E}" dt="2022-05-15T13:46:23.467" v="239" actId="1076"/>
+          <ac:grpSpMkLst>
+            <pc:docMk/>
+            <pc:sldMk cId="2637552424" sldId="266"/>
+            <ac:grpSpMk id="4" creationId="{1442582A-3547-1F44-30B1-5C55A1BE75C4}"/>
+          </ac:grpSpMkLst>
+        </pc:grpChg>
+        <pc:grpChg chg="add mod">
+          <ac:chgData name="Jared Fiacco" userId="e4f6bfaef04c63d1" providerId="LiveId" clId="{1E164F9B-1AA4-4F00-B498-4771B2C0354E}" dt="2022-05-15T13:46:23.467" v="239" actId="1076"/>
+          <ac:grpSpMkLst>
+            <pc:docMk/>
+            <pc:sldMk cId="2637552424" sldId="266"/>
+            <ac:grpSpMk id="11" creationId="{1576249E-C9FC-311A-810D-B600249E7A01}"/>
+          </ac:grpSpMkLst>
+        </pc:grpChg>
+        <pc:picChg chg="mod topLvl">
+          <ac:chgData name="Jared Fiacco" userId="e4f6bfaef04c63d1" providerId="LiveId" clId="{1E164F9B-1AA4-4F00-B498-4771B2C0354E}" dt="2022-05-15T13:46:23.467" v="239" actId="1076"/>
+          <ac:picMkLst>
+            <pc:docMk/>
+            <pc:sldMk cId="2637552424" sldId="266"/>
+            <ac:picMk id="5" creationId="{12E4C943-39D1-C0A6-627C-640C39364F38}"/>
+          </ac:picMkLst>
+        </pc:picChg>
+        <pc:picChg chg="mod">
+          <ac:chgData name="Jared Fiacco" userId="e4f6bfaef04c63d1" providerId="LiveId" clId="{1E164F9B-1AA4-4F00-B498-4771B2C0354E}" dt="2022-05-15T13:46:23.467" v="239" actId="1076"/>
+          <ac:picMkLst>
+            <pc:docMk/>
+            <pc:sldMk cId="2637552424" sldId="266"/>
+            <ac:picMk id="6" creationId="{3984912C-4A36-11F5-3CE5-4C4FBB849179}"/>
+          </ac:picMkLst>
+        </pc:picChg>
+        <pc:picChg chg="mod topLvl">
+          <ac:chgData name="Jared Fiacco" userId="e4f6bfaef04c63d1" providerId="LiveId" clId="{1E164F9B-1AA4-4F00-B498-4771B2C0354E}" dt="2022-05-15T13:46:23.467" v="239" actId="1076"/>
+          <ac:picMkLst>
+            <pc:docMk/>
+            <pc:sldMk cId="2637552424" sldId="266"/>
+            <ac:picMk id="8" creationId="{8E4E5B15-A4EB-6EFA-16C8-BEAD11DEBFC4}"/>
+          </ac:picMkLst>
+        </pc:picChg>
+        <pc:picChg chg="mod">
+          <ac:chgData name="Jared Fiacco" userId="e4f6bfaef04c63d1" providerId="LiveId" clId="{1E164F9B-1AA4-4F00-B498-4771B2C0354E}" dt="2022-05-15T13:46:23.467" v="239" actId="1076"/>
+          <ac:picMkLst>
+            <pc:docMk/>
+            <pc:sldMk cId="2637552424" sldId="266"/>
+            <ac:picMk id="10" creationId="{68497C2B-A344-4020-B2D0-F48D510138FE}"/>
+          </ac:picMkLst>
+        </pc:picChg>
+        <pc:picChg chg="mod">
+          <ac:chgData name="Jared Fiacco" userId="e4f6bfaef04c63d1" providerId="LiveId" clId="{1E164F9B-1AA4-4F00-B498-4771B2C0354E}" dt="2022-05-15T13:46:23.467" v="239" actId="1076"/>
+          <ac:picMkLst>
+            <pc:docMk/>
+            <pc:sldMk cId="2637552424" sldId="266"/>
+            <ac:picMk id="46" creationId="{3AFB97C1-9597-4F41-96D6-53AF0AB0BC73}"/>
+          </ac:picMkLst>
+        </pc:picChg>
+        <pc:picChg chg="mod">
+          <ac:chgData name="Jared Fiacco" userId="e4f6bfaef04c63d1" providerId="LiveId" clId="{1E164F9B-1AA4-4F00-B498-4771B2C0354E}" dt="2022-05-15T13:46:23.467" v="239" actId="1076"/>
+          <ac:picMkLst>
+            <pc:docMk/>
+            <pc:sldMk cId="2637552424" sldId="266"/>
+            <ac:picMk id="1028" creationId="{72C8560A-A80B-F2D0-A0C7-6D6FFFB640CB}"/>
+          </ac:picMkLst>
+        </pc:picChg>
+        <pc:picChg chg="mod">
+          <ac:chgData name="Jared Fiacco" userId="e4f6bfaef04c63d1" providerId="LiveId" clId="{1E164F9B-1AA4-4F00-B498-4771B2C0354E}" dt="2022-05-15T13:46:23.467" v="239" actId="1076"/>
+          <ac:picMkLst>
+            <pc:docMk/>
+            <pc:sldMk cId="2637552424" sldId="266"/>
+            <ac:picMk id="1030" creationId="{8373C1EE-6D16-FF26-76B8-93B4E6897AF2}"/>
+          </ac:picMkLst>
+        </pc:picChg>
+        <pc:picChg chg="mod">
+          <ac:chgData name="Jared Fiacco" userId="e4f6bfaef04c63d1" providerId="LiveId" clId="{1E164F9B-1AA4-4F00-B498-4771B2C0354E}" dt="2022-05-15T13:46:23.467" v="239" actId="1076"/>
+          <ac:picMkLst>
+            <pc:docMk/>
+            <pc:sldMk cId="2637552424" sldId="266"/>
+            <ac:picMk id="1034" creationId="{B980752D-1CF8-A30C-CBB2-EFF357F61ED4}"/>
+          </ac:picMkLst>
+        </pc:picChg>
+        <pc:picChg chg="mod">
+          <ac:chgData name="Jared Fiacco" userId="e4f6bfaef04c63d1" providerId="LiveId" clId="{1E164F9B-1AA4-4F00-B498-4771B2C0354E}" dt="2022-05-15T13:46:23.467" v="239" actId="1076"/>
+          <ac:picMkLst>
+            <pc:docMk/>
+            <pc:sldMk cId="2637552424" sldId="266"/>
+            <ac:picMk id="1036" creationId="{534C6FE8-F4BA-17DC-CF2A-CF9D083AE346}"/>
+          </ac:picMkLst>
+        </pc:picChg>
+        <pc:picChg chg="mod">
+          <ac:chgData name="Jared Fiacco" userId="e4f6bfaef04c63d1" providerId="LiveId" clId="{1E164F9B-1AA4-4F00-B498-4771B2C0354E}" dt="2022-05-15T13:46:40.667" v="243" actId="1076"/>
+          <ac:picMkLst>
+            <pc:docMk/>
+            <pc:sldMk cId="2637552424" sldId="266"/>
+            <ac:picMk id="1038" creationId="{6041EDB3-F4B2-2BA9-2F42-5EEF170FE9EA}"/>
+          </ac:picMkLst>
+        </pc:picChg>
+        <pc:picChg chg="mod">
+          <ac:chgData name="Jared Fiacco" userId="e4f6bfaef04c63d1" providerId="LiveId" clId="{1E164F9B-1AA4-4F00-B498-4771B2C0354E}" dt="2022-05-15T13:46:23.467" v="239" actId="1076"/>
+          <ac:picMkLst>
+            <pc:docMk/>
+            <pc:sldMk cId="2637552424" sldId="266"/>
+            <ac:picMk id="1040" creationId="{D7B46418-511E-4114-8B8D-7D6CD964B97B}"/>
+          </ac:picMkLst>
+        </pc:picChg>
+        <pc:picChg chg="mod">
+          <ac:chgData name="Jared Fiacco" userId="e4f6bfaef04c63d1" providerId="LiveId" clId="{1E164F9B-1AA4-4F00-B498-4771B2C0354E}" dt="2022-05-15T13:46:23.467" v="239" actId="1076"/>
+          <ac:picMkLst>
+            <pc:docMk/>
+            <pc:sldMk cId="2637552424" sldId="266"/>
+            <ac:picMk id="1042" creationId="{760CDDC0-29D1-4ACE-84A4-BCD04C814568}"/>
+          </ac:picMkLst>
+        </pc:picChg>
+        <pc:picChg chg="mod">
+          <ac:chgData name="Jared Fiacco" userId="e4f6bfaef04c63d1" providerId="LiveId" clId="{1E164F9B-1AA4-4F00-B498-4771B2C0354E}" dt="2022-05-15T13:46:23.467" v="239" actId="1076"/>
+          <ac:picMkLst>
+            <pc:docMk/>
+            <pc:sldMk cId="2637552424" sldId="266"/>
+            <ac:picMk id="1044" creationId="{7B9F09EC-0872-2456-64AB-FA5AA8199641}"/>
+          </ac:picMkLst>
+        </pc:picChg>
+        <pc:picChg chg="mod topLvl">
+          <ac:chgData name="Jared Fiacco" userId="e4f6bfaef04c63d1" providerId="LiveId" clId="{1E164F9B-1AA4-4F00-B498-4771B2C0354E}" dt="2022-05-15T13:46:23.467" v="239" actId="1076"/>
+          <ac:picMkLst>
+            <pc:docMk/>
+            <pc:sldMk cId="2637552424" sldId="266"/>
+            <ac:picMk id="1046" creationId="{0EAA7E35-A087-BFD0-54C1-48B779DD89E8}"/>
+          </ac:picMkLst>
+        </pc:picChg>
+        <pc:picChg chg="mod topLvl">
+          <ac:chgData name="Jared Fiacco" userId="e4f6bfaef04c63d1" providerId="LiveId" clId="{1E164F9B-1AA4-4F00-B498-4771B2C0354E}" dt="2022-05-15T13:46:23.467" v="239" actId="1076"/>
+          <ac:picMkLst>
+            <pc:docMk/>
+            <pc:sldMk cId="2637552424" sldId="266"/>
+            <ac:picMk id="1048" creationId="{3A78B402-022D-89C7-F5A9-FC4A215EEA40}"/>
+          </ac:picMkLst>
+        </pc:picChg>
+        <pc:cxnChg chg="mod">
+          <ac:chgData name="Jared Fiacco" userId="e4f6bfaef04c63d1" providerId="LiveId" clId="{1E164F9B-1AA4-4F00-B498-4771B2C0354E}" dt="2022-05-15T13:46:23.467" v="239" actId="1076"/>
+          <ac:cxnSpMkLst>
+            <pc:docMk/>
+            <pc:sldMk cId="2637552424" sldId="266"/>
+            <ac:cxnSpMk id="37" creationId="{E3804E55-72D8-4949-ACA5-B3B5E17BDEE4}"/>
+          </ac:cxnSpMkLst>
+        </pc:cxnChg>
+        <pc:cxnChg chg="add mod">
+          <ac:chgData name="Jared Fiacco" userId="e4f6bfaef04c63d1" providerId="LiveId" clId="{1E164F9B-1AA4-4F00-B498-4771B2C0354E}" dt="2022-05-15T13:46:23.467" v="239" actId="1076"/>
+          <ac:cxnSpMkLst>
+            <pc:docMk/>
+            <pc:sldMk cId="2637552424" sldId="266"/>
+            <ac:cxnSpMk id="43" creationId="{5934ECDD-CEBB-9976-EBE8-56596BE14350}"/>
+          </ac:cxnSpMkLst>
+        </pc:cxnChg>
+        <pc:cxnChg chg="mod">
+          <ac:chgData name="Jared Fiacco" userId="e4f6bfaef04c63d1" providerId="LiveId" clId="{1E164F9B-1AA4-4F00-B498-4771B2C0354E}" dt="2022-05-15T13:46:23.467" v="239" actId="1076"/>
+          <ac:cxnSpMkLst>
+            <pc:docMk/>
+            <pc:sldMk cId="2637552424" sldId="266"/>
+            <ac:cxnSpMk id="45" creationId="{52CA36DB-1ED3-40ED-9F3A-158D3E2D7360}"/>
+          </ac:cxnSpMkLst>
+        </pc:cxnChg>
+        <pc:cxnChg chg="mod">
+          <ac:chgData name="Jared Fiacco" userId="e4f6bfaef04c63d1" providerId="LiveId" clId="{1E164F9B-1AA4-4F00-B498-4771B2C0354E}" dt="2022-05-15T13:46:23.467" v="239" actId="1076"/>
+          <ac:cxnSpMkLst>
+            <pc:docMk/>
+            <pc:sldMk cId="2637552424" sldId="266"/>
+            <ac:cxnSpMk id="54" creationId="{2A5D7007-D002-4D32-AA23-2FAA6C8C54FF}"/>
+          </ac:cxnSpMkLst>
+        </pc:cxnChg>
+        <pc:cxnChg chg="mod">
+          <ac:chgData name="Jared Fiacco" userId="e4f6bfaef04c63d1" providerId="LiveId" clId="{1E164F9B-1AA4-4F00-B498-4771B2C0354E}" dt="2022-05-15T13:46:23.467" v="239" actId="1076"/>
+          <ac:cxnSpMkLst>
+            <pc:docMk/>
+            <pc:sldMk cId="2637552424" sldId="266"/>
+            <ac:cxnSpMk id="59" creationId="{723B867F-CE77-4420-880F-7FBB1581F784}"/>
+          </ac:cxnSpMkLst>
+        </pc:cxnChg>
+        <pc:cxnChg chg="mod">
+          <ac:chgData name="Jared Fiacco" userId="e4f6bfaef04c63d1" providerId="LiveId" clId="{1E164F9B-1AA4-4F00-B498-4771B2C0354E}" dt="2022-05-15T13:46:23.467" v="239" actId="1076"/>
+          <ac:cxnSpMkLst>
+            <pc:docMk/>
+            <pc:sldMk cId="2637552424" sldId="266"/>
+            <ac:cxnSpMk id="65" creationId="{F1B06F3D-5D62-4FA3-B657-99F08BB89958}"/>
+          </ac:cxnSpMkLst>
+        </pc:cxnChg>
+        <pc:cxnChg chg="mod">
+          <ac:chgData name="Jared Fiacco" userId="e4f6bfaef04c63d1" providerId="LiveId" clId="{1E164F9B-1AA4-4F00-B498-4771B2C0354E}" dt="2022-05-15T13:46:23.467" v="239" actId="1076"/>
+          <ac:cxnSpMkLst>
+            <pc:docMk/>
+            <pc:sldMk cId="2637552424" sldId="266"/>
+            <ac:cxnSpMk id="79" creationId="{5A62DE4F-2D4C-4E89-98FD-95533ED1775C}"/>
+          </ac:cxnSpMkLst>
+        </pc:cxnChg>
+        <pc:cxnChg chg="mod">
+          <ac:chgData name="Jared Fiacco" userId="e4f6bfaef04c63d1" providerId="LiveId" clId="{1E164F9B-1AA4-4F00-B498-4771B2C0354E}" dt="2022-05-15T13:46:23.467" v="239" actId="1076"/>
+          <ac:cxnSpMkLst>
+            <pc:docMk/>
+            <pc:sldMk cId="2637552424" sldId="266"/>
+            <ac:cxnSpMk id="87" creationId="{2631579E-EA0D-4C22-9086-ADA4FA144BDB}"/>
+          </ac:cxnSpMkLst>
+        </pc:cxnChg>
+      </pc:sldChg>
+    </pc:docChg>
+  </pc:docChgLst>
+  <pc:docChgLst>
     <pc:chgData name="Jared Fiacco" userId="e4f6bfaef04c63d1" providerId="LiveId" clId="{D38C5BE2-17A7-461C-BD94-6C0C7CDA27B5}"/>
     <pc:docChg chg="undo custSel addSld delSld modSld">
       <pc:chgData name="Jared Fiacco" userId="e4f6bfaef04c63d1" providerId="LiveId" clId="{D38C5BE2-17A7-461C-BD94-6C0C7CDA27B5}" dt="2022-05-20T01:10:40.156" v="348" actId="2696"/>
@@ -757,341 +1092,6 @@
       </pc:sldChg>
     </pc:docChg>
   </pc:docChgLst>
-  <pc:docChgLst>
-    <pc:chgData name="Jared Fiacco" userId="e4f6bfaef04c63d1" providerId="LiveId" clId="{1E164F9B-1AA4-4F00-B498-4771B2C0354E}"/>
-    <pc:docChg chg="undo custSel delSld modSld">
-      <pc:chgData name="Jared Fiacco" userId="e4f6bfaef04c63d1" providerId="LiveId" clId="{1E164F9B-1AA4-4F00-B498-4771B2C0354E}" dt="2022-05-15T13:48:44.496" v="253" actId="47"/>
-      <pc:docMkLst>
-        <pc:docMk/>
-      </pc:docMkLst>
-      <pc:sldChg chg="del">
-        <pc:chgData name="Jared Fiacco" userId="e4f6bfaef04c63d1" providerId="LiveId" clId="{1E164F9B-1AA4-4F00-B498-4771B2C0354E}" dt="2022-05-15T13:48:44.496" v="253" actId="47"/>
-        <pc:sldMkLst>
-          <pc:docMk/>
-          <pc:sldMk cId="3624137779" sldId="258"/>
-        </pc:sldMkLst>
-      </pc:sldChg>
-      <pc:sldChg chg="addSp delSp modSp mod">
-        <pc:chgData name="Jared Fiacco" userId="e4f6bfaef04c63d1" providerId="LiveId" clId="{1E164F9B-1AA4-4F00-B498-4771B2C0354E}" dt="2022-05-15T13:48:30.620" v="252" actId="478"/>
-        <pc:sldMkLst>
-          <pc:docMk/>
-          <pc:sldMk cId="2637552424" sldId="266"/>
-        </pc:sldMkLst>
-        <pc:spChg chg="mod ord">
-          <ac:chgData name="Jared Fiacco" userId="e4f6bfaef04c63d1" providerId="LiveId" clId="{1E164F9B-1AA4-4F00-B498-4771B2C0354E}" dt="2022-05-15T13:46:23.467" v="239" actId="1076"/>
-          <ac:spMkLst>
-            <pc:docMk/>
-            <pc:sldMk cId="2637552424" sldId="266"/>
-            <ac:spMk id="38" creationId="{FB331FEB-7A12-1CEE-33B8-6F50F3A3886C}"/>
-          </ac:spMkLst>
-        </pc:spChg>
-        <pc:spChg chg="del">
-          <ac:chgData name="Jared Fiacco" userId="e4f6bfaef04c63d1" providerId="LiveId" clId="{1E164F9B-1AA4-4F00-B498-4771B2C0354E}" dt="2022-05-15T13:39:38.870" v="25" actId="478"/>
-          <ac:spMkLst>
-            <pc:docMk/>
-            <pc:sldMk cId="2637552424" sldId="266"/>
-            <ac:spMk id="39" creationId="{5D5A7BEE-7270-1833-0F59-A58F795E93B4}"/>
-          </ac:spMkLst>
-        </pc:spChg>
-        <pc:spChg chg="del">
-          <ac:chgData name="Jared Fiacco" userId="e4f6bfaef04c63d1" providerId="LiveId" clId="{1E164F9B-1AA4-4F00-B498-4771B2C0354E}" dt="2022-05-15T13:48:30.620" v="252" actId="478"/>
-          <ac:spMkLst>
-            <pc:docMk/>
-            <pc:sldMk cId="2637552424" sldId="266"/>
-            <ac:spMk id="40" creationId="{716500CF-FA01-358B-420E-79014FECAC54}"/>
-          </ac:spMkLst>
-        </pc:spChg>
-        <pc:spChg chg="mod">
-          <ac:chgData name="Jared Fiacco" userId="e4f6bfaef04c63d1" providerId="LiveId" clId="{1E164F9B-1AA4-4F00-B498-4771B2C0354E}" dt="2022-05-15T13:46:23.467" v="239" actId="1076"/>
-          <ac:spMkLst>
-            <pc:docMk/>
-            <pc:sldMk cId="2637552424" sldId="266"/>
-            <ac:spMk id="41" creationId="{3C06F8D7-9F68-4789-B25E-FD9DA1513E71}"/>
-          </ac:spMkLst>
-        </pc:spChg>
-        <pc:spChg chg="mod">
-          <ac:chgData name="Jared Fiacco" userId="e4f6bfaef04c63d1" providerId="LiveId" clId="{1E164F9B-1AA4-4F00-B498-4771B2C0354E}" dt="2022-05-15T13:46:23.467" v="239" actId="1076"/>
-          <ac:spMkLst>
-            <pc:docMk/>
-            <pc:sldMk cId="2637552424" sldId="266"/>
-            <ac:spMk id="42" creationId="{042BD826-EC59-A435-D940-43B1FF155430}"/>
-          </ac:spMkLst>
-        </pc:spChg>
-        <pc:spChg chg="mod">
-          <ac:chgData name="Jared Fiacco" userId="e4f6bfaef04c63d1" providerId="LiveId" clId="{1E164F9B-1AA4-4F00-B498-4771B2C0354E}" dt="2022-05-15T13:46:23.467" v="239" actId="1076"/>
-          <ac:spMkLst>
-            <pc:docMk/>
-            <pc:sldMk cId="2637552424" sldId="266"/>
-            <ac:spMk id="44" creationId="{573F4EF7-DDBC-4CC4-A95C-DD8AEB8B3A09}"/>
-          </ac:spMkLst>
-        </pc:spChg>
-        <pc:spChg chg="add mod ord">
-          <ac:chgData name="Jared Fiacco" userId="e4f6bfaef04c63d1" providerId="LiveId" clId="{1E164F9B-1AA4-4F00-B498-4771B2C0354E}" dt="2022-05-15T13:47:54.706" v="251" actId="207"/>
-          <ac:spMkLst>
-            <pc:docMk/>
-            <pc:sldMk cId="2637552424" sldId="266"/>
-            <ac:spMk id="47" creationId="{C29DF940-0AD2-37A7-96AE-545D2C223AA1}"/>
-          </ac:spMkLst>
-        </pc:spChg>
-        <pc:spChg chg="mod">
-          <ac:chgData name="Jared Fiacco" userId="e4f6bfaef04c63d1" providerId="LiveId" clId="{1E164F9B-1AA4-4F00-B498-4771B2C0354E}" dt="2022-05-15T13:46:23.467" v="239" actId="1076"/>
-          <ac:spMkLst>
-            <pc:docMk/>
-            <pc:sldMk cId="2637552424" sldId="266"/>
-            <ac:spMk id="49" creationId="{DB9D40D4-985D-49A2-9EFF-CFAA243F9F30}"/>
-          </ac:spMkLst>
-        </pc:spChg>
-        <pc:spChg chg="mod">
-          <ac:chgData name="Jared Fiacco" userId="e4f6bfaef04c63d1" providerId="LiveId" clId="{1E164F9B-1AA4-4F00-B498-4771B2C0354E}" dt="2022-05-15T13:46:23.467" v="239" actId="1076"/>
-          <ac:spMkLst>
-            <pc:docMk/>
-            <pc:sldMk cId="2637552424" sldId="266"/>
-            <ac:spMk id="61" creationId="{03DD6DB6-B25E-43E2-9FA7-C521491A9F2D}"/>
-          </ac:spMkLst>
-        </pc:spChg>
-        <pc:spChg chg="mod">
-          <ac:chgData name="Jared Fiacco" userId="e4f6bfaef04c63d1" providerId="LiveId" clId="{1E164F9B-1AA4-4F00-B498-4771B2C0354E}" dt="2022-05-15T13:46:23.467" v="239" actId="1076"/>
-          <ac:spMkLst>
-            <pc:docMk/>
-            <pc:sldMk cId="2637552424" sldId="266"/>
-            <ac:spMk id="67" creationId="{D221BC66-D5C9-4B49-84BE-8723DAE2F94C}"/>
-          </ac:spMkLst>
-        </pc:spChg>
-        <pc:spChg chg="mod">
-          <ac:chgData name="Jared Fiacco" userId="e4f6bfaef04c63d1" providerId="LiveId" clId="{1E164F9B-1AA4-4F00-B498-4771B2C0354E}" dt="2022-05-15T13:46:23.467" v="239" actId="1076"/>
-          <ac:spMkLst>
-            <pc:docMk/>
-            <pc:sldMk cId="2637552424" sldId="266"/>
-            <ac:spMk id="68" creationId="{E8EEC665-BBC5-4DA7-BC85-FD83FCC28792}"/>
-          </ac:spMkLst>
-        </pc:spChg>
-        <pc:spChg chg="mod">
-          <ac:chgData name="Jared Fiacco" userId="e4f6bfaef04c63d1" providerId="LiveId" clId="{1E164F9B-1AA4-4F00-B498-4771B2C0354E}" dt="2022-05-15T13:46:23.467" v="239" actId="1076"/>
-          <ac:spMkLst>
-            <pc:docMk/>
-            <pc:sldMk cId="2637552424" sldId="266"/>
-            <ac:spMk id="69" creationId="{58EA6D4B-261D-4B03-8FDC-9F2505CD9A8B}"/>
-          </ac:spMkLst>
-        </pc:spChg>
-        <pc:spChg chg="del">
-          <ac:chgData name="Jared Fiacco" userId="e4f6bfaef04c63d1" providerId="LiveId" clId="{1E164F9B-1AA4-4F00-B498-4771B2C0354E}" dt="2022-05-15T13:39:38.870" v="25" actId="478"/>
-          <ac:spMkLst>
-            <pc:docMk/>
-            <pc:sldMk cId="2637552424" sldId="266"/>
-            <ac:spMk id="97" creationId="{3B56B241-6598-4453-8BFA-07FE9F3C96C0}"/>
-          </ac:spMkLst>
-        </pc:spChg>
-        <pc:grpChg chg="add del mod">
-          <ac:chgData name="Jared Fiacco" userId="e4f6bfaef04c63d1" providerId="LiveId" clId="{1E164F9B-1AA4-4F00-B498-4771B2C0354E}" dt="2022-05-15T13:41:57.814" v="170" actId="165"/>
-          <ac:grpSpMkLst>
-            <pc:docMk/>
-            <pc:sldMk cId="2637552424" sldId="266"/>
-            <ac:grpSpMk id="2" creationId="{DDF081D3-CE3F-1E16-6BE7-0F9CA8686734}"/>
-          </ac:grpSpMkLst>
-        </pc:grpChg>
-        <pc:grpChg chg="add mod">
-          <ac:chgData name="Jared Fiacco" userId="e4f6bfaef04c63d1" providerId="LiveId" clId="{1E164F9B-1AA4-4F00-B498-4771B2C0354E}" dt="2022-05-15T13:46:23.467" v="239" actId="1076"/>
-          <ac:grpSpMkLst>
-            <pc:docMk/>
-            <pc:sldMk cId="2637552424" sldId="266"/>
-            <ac:grpSpMk id="4" creationId="{1442582A-3547-1F44-30B1-5C55A1BE75C4}"/>
-          </ac:grpSpMkLst>
-        </pc:grpChg>
-        <pc:grpChg chg="add mod">
-          <ac:chgData name="Jared Fiacco" userId="e4f6bfaef04c63d1" providerId="LiveId" clId="{1E164F9B-1AA4-4F00-B498-4771B2C0354E}" dt="2022-05-15T13:46:23.467" v="239" actId="1076"/>
-          <ac:grpSpMkLst>
-            <pc:docMk/>
-            <pc:sldMk cId="2637552424" sldId="266"/>
-            <ac:grpSpMk id="11" creationId="{1576249E-C9FC-311A-810D-B600249E7A01}"/>
-          </ac:grpSpMkLst>
-        </pc:grpChg>
-        <pc:picChg chg="mod topLvl">
-          <ac:chgData name="Jared Fiacco" userId="e4f6bfaef04c63d1" providerId="LiveId" clId="{1E164F9B-1AA4-4F00-B498-4771B2C0354E}" dt="2022-05-15T13:46:23.467" v="239" actId="1076"/>
-          <ac:picMkLst>
-            <pc:docMk/>
-            <pc:sldMk cId="2637552424" sldId="266"/>
-            <ac:picMk id="5" creationId="{12E4C943-39D1-C0A6-627C-640C39364F38}"/>
-          </ac:picMkLst>
-        </pc:picChg>
-        <pc:picChg chg="mod">
-          <ac:chgData name="Jared Fiacco" userId="e4f6bfaef04c63d1" providerId="LiveId" clId="{1E164F9B-1AA4-4F00-B498-4771B2C0354E}" dt="2022-05-15T13:46:23.467" v="239" actId="1076"/>
-          <ac:picMkLst>
-            <pc:docMk/>
-            <pc:sldMk cId="2637552424" sldId="266"/>
-            <ac:picMk id="6" creationId="{3984912C-4A36-11F5-3CE5-4C4FBB849179}"/>
-          </ac:picMkLst>
-        </pc:picChg>
-        <pc:picChg chg="mod topLvl">
-          <ac:chgData name="Jared Fiacco" userId="e4f6bfaef04c63d1" providerId="LiveId" clId="{1E164F9B-1AA4-4F00-B498-4771B2C0354E}" dt="2022-05-15T13:46:23.467" v="239" actId="1076"/>
-          <ac:picMkLst>
-            <pc:docMk/>
-            <pc:sldMk cId="2637552424" sldId="266"/>
-            <ac:picMk id="8" creationId="{8E4E5B15-A4EB-6EFA-16C8-BEAD11DEBFC4}"/>
-          </ac:picMkLst>
-        </pc:picChg>
-        <pc:picChg chg="mod">
-          <ac:chgData name="Jared Fiacco" userId="e4f6bfaef04c63d1" providerId="LiveId" clId="{1E164F9B-1AA4-4F00-B498-4771B2C0354E}" dt="2022-05-15T13:46:23.467" v="239" actId="1076"/>
-          <ac:picMkLst>
-            <pc:docMk/>
-            <pc:sldMk cId="2637552424" sldId="266"/>
-            <ac:picMk id="10" creationId="{68497C2B-A344-4020-B2D0-F48D510138FE}"/>
-          </ac:picMkLst>
-        </pc:picChg>
-        <pc:picChg chg="mod">
-          <ac:chgData name="Jared Fiacco" userId="e4f6bfaef04c63d1" providerId="LiveId" clId="{1E164F9B-1AA4-4F00-B498-4771B2C0354E}" dt="2022-05-15T13:46:23.467" v="239" actId="1076"/>
-          <ac:picMkLst>
-            <pc:docMk/>
-            <pc:sldMk cId="2637552424" sldId="266"/>
-            <ac:picMk id="46" creationId="{3AFB97C1-9597-4F41-96D6-53AF0AB0BC73}"/>
-          </ac:picMkLst>
-        </pc:picChg>
-        <pc:picChg chg="mod">
-          <ac:chgData name="Jared Fiacco" userId="e4f6bfaef04c63d1" providerId="LiveId" clId="{1E164F9B-1AA4-4F00-B498-4771B2C0354E}" dt="2022-05-15T13:46:23.467" v="239" actId="1076"/>
-          <ac:picMkLst>
-            <pc:docMk/>
-            <pc:sldMk cId="2637552424" sldId="266"/>
-            <ac:picMk id="1028" creationId="{72C8560A-A80B-F2D0-A0C7-6D6FFFB640CB}"/>
-          </ac:picMkLst>
-        </pc:picChg>
-        <pc:picChg chg="mod">
-          <ac:chgData name="Jared Fiacco" userId="e4f6bfaef04c63d1" providerId="LiveId" clId="{1E164F9B-1AA4-4F00-B498-4771B2C0354E}" dt="2022-05-15T13:46:23.467" v="239" actId="1076"/>
-          <ac:picMkLst>
-            <pc:docMk/>
-            <pc:sldMk cId="2637552424" sldId="266"/>
-            <ac:picMk id="1030" creationId="{8373C1EE-6D16-FF26-76B8-93B4E6897AF2}"/>
-          </ac:picMkLst>
-        </pc:picChg>
-        <pc:picChg chg="mod">
-          <ac:chgData name="Jared Fiacco" userId="e4f6bfaef04c63d1" providerId="LiveId" clId="{1E164F9B-1AA4-4F00-B498-4771B2C0354E}" dt="2022-05-15T13:46:23.467" v="239" actId="1076"/>
-          <ac:picMkLst>
-            <pc:docMk/>
-            <pc:sldMk cId="2637552424" sldId="266"/>
-            <ac:picMk id="1034" creationId="{B980752D-1CF8-A30C-CBB2-EFF357F61ED4}"/>
-          </ac:picMkLst>
-        </pc:picChg>
-        <pc:picChg chg="mod">
-          <ac:chgData name="Jared Fiacco" userId="e4f6bfaef04c63d1" providerId="LiveId" clId="{1E164F9B-1AA4-4F00-B498-4771B2C0354E}" dt="2022-05-15T13:46:23.467" v="239" actId="1076"/>
-          <ac:picMkLst>
-            <pc:docMk/>
-            <pc:sldMk cId="2637552424" sldId="266"/>
-            <ac:picMk id="1036" creationId="{534C6FE8-F4BA-17DC-CF2A-CF9D083AE346}"/>
-          </ac:picMkLst>
-        </pc:picChg>
-        <pc:picChg chg="mod">
-          <ac:chgData name="Jared Fiacco" userId="e4f6bfaef04c63d1" providerId="LiveId" clId="{1E164F9B-1AA4-4F00-B498-4771B2C0354E}" dt="2022-05-15T13:46:40.667" v="243" actId="1076"/>
-          <ac:picMkLst>
-            <pc:docMk/>
-            <pc:sldMk cId="2637552424" sldId="266"/>
-            <ac:picMk id="1038" creationId="{6041EDB3-F4B2-2BA9-2F42-5EEF170FE9EA}"/>
-          </ac:picMkLst>
-        </pc:picChg>
-        <pc:picChg chg="mod">
-          <ac:chgData name="Jared Fiacco" userId="e4f6bfaef04c63d1" providerId="LiveId" clId="{1E164F9B-1AA4-4F00-B498-4771B2C0354E}" dt="2022-05-15T13:46:23.467" v="239" actId="1076"/>
-          <ac:picMkLst>
-            <pc:docMk/>
-            <pc:sldMk cId="2637552424" sldId="266"/>
-            <ac:picMk id="1040" creationId="{D7B46418-511E-4114-8B8D-7D6CD964B97B}"/>
-          </ac:picMkLst>
-        </pc:picChg>
-        <pc:picChg chg="mod">
-          <ac:chgData name="Jared Fiacco" userId="e4f6bfaef04c63d1" providerId="LiveId" clId="{1E164F9B-1AA4-4F00-B498-4771B2C0354E}" dt="2022-05-15T13:46:23.467" v="239" actId="1076"/>
-          <ac:picMkLst>
-            <pc:docMk/>
-            <pc:sldMk cId="2637552424" sldId="266"/>
-            <ac:picMk id="1042" creationId="{760CDDC0-29D1-4ACE-84A4-BCD04C814568}"/>
-          </ac:picMkLst>
-        </pc:picChg>
-        <pc:picChg chg="mod">
-          <ac:chgData name="Jared Fiacco" userId="e4f6bfaef04c63d1" providerId="LiveId" clId="{1E164F9B-1AA4-4F00-B498-4771B2C0354E}" dt="2022-05-15T13:46:23.467" v="239" actId="1076"/>
-          <ac:picMkLst>
-            <pc:docMk/>
-            <pc:sldMk cId="2637552424" sldId="266"/>
-            <ac:picMk id="1044" creationId="{7B9F09EC-0872-2456-64AB-FA5AA8199641}"/>
-          </ac:picMkLst>
-        </pc:picChg>
-        <pc:picChg chg="mod topLvl">
-          <ac:chgData name="Jared Fiacco" userId="e4f6bfaef04c63d1" providerId="LiveId" clId="{1E164F9B-1AA4-4F00-B498-4771B2C0354E}" dt="2022-05-15T13:46:23.467" v="239" actId="1076"/>
-          <ac:picMkLst>
-            <pc:docMk/>
-            <pc:sldMk cId="2637552424" sldId="266"/>
-            <ac:picMk id="1046" creationId="{0EAA7E35-A087-BFD0-54C1-48B779DD89E8}"/>
-          </ac:picMkLst>
-        </pc:picChg>
-        <pc:picChg chg="mod topLvl">
-          <ac:chgData name="Jared Fiacco" userId="e4f6bfaef04c63d1" providerId="LiveId" clId="{1E164F9B-1AA4-4F00-B498-4771B2C0354E}" dt="2022-05-15T13:46:23.467" v="239" actId="1076"/>
-          <ac:picMkLst>
-            <pc:docMk/>
-            <pc:sldMk cId="2637552424" sldId="266"/>
-            <ac:picMk id="1048" creationId="{3A78B402-022D-89C7-F5A9-FC4A215EEA40}"/>
-          </ac:picMkLst>
-        </pc:picChg>
-        <pc:cxnChg chg="mod">
-          <ac:chgData name="Jared Fiacco" userId="e4f6bfaef04c63d1" providerId="LiveId" clId="{1E164F9B-1AA4-4F00-B498-4771B2C0354E}" dt="2022-05-15T13:46:23.467" v="239" actId="1076"/>
-          <ac:cxnSpMkLst>
-            <pc:docMk/>
-            <pc:sldMk cId="2637552424" sldId="266"/>
-            <ac:cxnSpMk id="37" creationId="{E3804E55-72D8-4949-ACA5-B3B5E17BDEE4}"/>
-          </ac:cxnSpMkLst>
-        </pc:cxnChg>
-        <pc:cxnChg chg="add mod">
-          <ac:chgData name="Jared Fiacco" userId="e4f6bfaef04c63d1" providerId="LiveId" clId="{1E164F9B-1AA4-4F00-B498-4771B2C0354E}" dt="2022-05-15T13:46:23.467" v="239" actId="1076"/>
-          <ac:cxnSpMkLst>
-            <pc:docMk/>
-            <pc:sldMk cId="2637552424" sldId="266"/>
-            <ac:cxnSpMk id="43" creationId="{5934ECDD-CEBB-9976-EBE8-56596BE14350}"/>
-          </ac:cxnSpMkLst>
-        </pc:cxnChg>
-        <pc:cxnChg chg="mod">
-          <ac:chgData name="Jared Fiacco" userId="e4f6bfaef04c63d1" providerId="LiveId" clId="{1E164F9B-1AA4-4F00-B498-4771B2C0354E}" dt="2022-05-15T13:46:23.467" v="239" actId="1076"/>
-          <ac:cxnSpMkLst>
-            <pc:docMk/>
-            <pc:sldMk cId="2637552424" sldId="266"/>
-            <ac:cxnSpMk id="45" creationId="{52CA36DB-1ED3-40ED-9F3A-158D3E2D7360}"/>
-          </ac:cxnSpMkLst>
-        </pc:cxnChg>
-        <pc:cxnChg chg="mod">
-          <ac:chgData name="Jared Fiacco" userId="e4f6bfaef04c63d1" providerId="LiveId" clId="{1E164F9B-1AA4-4F00-B498-4771B2C0354E}" dt="2022-05-15T13:46:23.467" v="239" actId="1076"/>
-          <ac:cxnSpMkLst>
-            <pc:docMk/>
-            <pc:sldMk cId="2637552424" sldId="266"/>
-            <ac:cxnSpMk id="54" creationId="{2A5D7007-D002-4D32-AA23-2FAA6C8C54FF}"/>
-          </ac:cxnSpMkLst>
-        </pc:cxnChg>
-        <pc:cxnChg chg="mod">
-          <ac:chgData name="Jared Fiacco" userId="e4f6bfaef04c63d1" providerId="LiveId" clId="{1E164F9B-1AA4-4F00-B498-4771B2C0354E}" dt="2022-05-15T13:46:23.467" v="239" actId="1076"/>
-          <ac:cxnSpMkLst>
-            <pc:docMk/>
-            <pc:sldMk cId="2637552424" sldId="266"/>
-            <ac:cxnSpMk id="59" creationId="{723B867F-CE77-4420-880F-7FBB1581F784}"/>
-          </ac:cxnSpMkLst>
-        </pc:cxnChg>
-        <pc:cxnChg chg="mod">
-          <ac:chgData name="Jared Fiacco" userId="e4f6bfaef04c63d1" providerId="LiveId" clId="{1E164F9B-1AA4-4F00-B498-4771B2C0354E}" dt="2022-05-15T13:46:23.467" v="239" actId="1076"/>
-          <ac:cxnSpMkLst>
-            <pc:docMk/>
-            <pc:sldMk cId="2637552424" sldId="266"/>
-            <ac:cxnSpMk id="65" creationId="{F1B06F3D-5D62-4FA3-B657-99F08BB89958}"/>
-          </ac:cxnSpMkLst>
-        </pc:cxnChg>
-        <pc:cxnChg chg="mod">
-          <ac:chgData name="Jared Fiacco" userId="e4f6bfaef04c63d1" providerId="LiveId" clId="{1E164F9B-1AA4-4F00-B498-4771B2C0354E}" dt="2022-05-15T13:46:23.467" v="239" actId="1076"/>
-          <ac:cxnSpMkLst>
-            <pc:docMk/>
-            <pc:sldMk cId="2637552424" sldId="266"/>
-            <ac:cxnSpMk id="79" creationId="{5A62DE4F-2D4C-4E89-98FD-95533ED1775C}"/>
-          </ac:cxnSpMkLst>
-        </pc:cxnChg>
-        <pc:cxnChg chg="mod">
-          <ac:chgData name="Jared Fiacco" userId="e4f6bfaef04c63d1" providerId="LiveId" clId="{1E164F9B-1AA4-4F00-B498-4771B2C0354E}" dt="2022-05-15T13:46:23.467" v="239" actId="1076"/>
-          <ac:cxnSpMkLst>
-            <pc:docMk/>
-            <pc:sldMk cId="2637552424" sldId="266"/>
-            <ac:cxnSpMk id="87" creationId="{2631579E-EA0D-4C22-9086-ADA4FA144BDB}"/>
-          </ac:cxnSpMkLst>
-        </pc:cxnChg>
-      </pc:sldChg>
-    </pc:docChg>
-  </pc:docChgLst>
 </pc:chgInfo>
 </file>
 
@@ -1242,7 +1242,7 @@
           <a:p>
             <a:fld id="{A95E8B5E-9B7E-478B-B1CC-F0BE94E1FF21}" type="datetimeFigureOut">
               <a:rPr lang="en-US" smtClean="0"/>
-              <a:t>5/19/2022</a:t>
+              <a:t>5/29/2022</a:t>
             </a:fld>
             <a:endParaRPr lang="en-US"/>
           </a:p>
@@ -1440,7 +1440,7 @@
           <a:p>
             <a:fld id="{A95E8B5E-9B7E-478B-B1CC-F0BE94E1FF21}" type="datetimeFigureOut">
               <a:rPr lang="en-US" smtClean="0"/>
-              <a:t>5/19/2022</a:t>
+              <a:t>5/29/2022</a:t>
             </a:fld>
             <a:endParaRPr lang="en-US"/>
           </a:p>
@@ -1648,7 +1648,7 @@
           <a:p>
             <a:fld id="{A95E8B5E-9B7E-478B-B1CC-F0BE94E1FF21}" type="datetimeFigureOut">
               <a:rPr lang="en-US" smtClean="0"/>
-              <a:t>5/19/2022</a:t>
+              <a:t>5/29/2022</a:t>
             </a:fld>
             <a:endParaRPr lang="en-US"/>
           </a:p>
@@ -1846,7 +1846,7 @@
           <a:p>
             <a:fld id="{A95E8B5E-9B7E-478B-B1CC-F0BE94E1FF21}" type="datetimeFigureOut">
               <a:rPr lang="en-US" smtClean="0"/>
-              <a:t>5/19/2022</a:t>
+              <a:t>5/29/2022</a:t>
             </a:fld>
             <a:endParaRPr lang="en-US"/>
           </a:p>
@@ -2121,7 +2121,7 @@
           <a:p>
             <a:fld id="{A95E8B5E-9B7E-478B-B1CC-F0BE94E1FF21}" type="datetimeFigureOut">
               <a:rPr lang="en-US" smtClean="0"/>
-              <a:t>5/19/2022</a:t>
+              <a:t>5/29/2022</a:t>
             </a:fld>
             <a:endParaRPr lang="en-US"/>
           </a:p>
@@ -2386,7 +2386,7 @@
           <a:p>
             <a:fld id="{A95E8B5E-9B7E-478B-B1CC-F0BE94E1FF21}" type="datetimeFigureOut">
               <a:rPr lang="en-US" smtClean="0"/>
-              <a:t>5/19/2022</a:t>
+              <a:t>5/29/2022</a:t>
             </a:fld>
             <a:endParaRPr lang="en-US"/>
           </a:p>
@@ -2798,7 +2798,7 @@
           <a:p>
             <a:fld id="{A95E8B5E-9B7E-478B-B1CC-F0BE94E1FF21}" type="datetimeFigureOut">
               <a:rPr lang="en-US" smtClean="0"/>
-              <a:t>5/19/2022</a:t>
+              <a:t>5/29/2022</a:t>
             </a:fld>
             <a:endParaRPr lang="en-US"/>
           </a:p>
@@ -2939,7 +2939,7 @@
           <a:p>
             <a:fld id="{A95E8B5E-9B7E-478B-B1CC-F0BE94E1FF21}" type="datetimeFigureOut">
               <a:rPr lang="en-US" smtClean="0"/>
-              <a:t>5/19/2022</a:t>
+              <a:t>5/29/2022</a:t>
             </a:fld>
             <a:endParaRPr lang="en-US"/>
           </a:p>
@@ -3052,7 +3052,7 @@
           <a:p>
             <a:fld id="{A95E8B5E-9B7E-478B-B1CC-F0BE94E1FF21}" type="datetimeFigureOut">
               <a:rPr lang="en-US" smtClean="0"/>
-              <a:t>5/19/2022</a:t>
+              <a:t>5/29/2022</a:t>
             </a:fld>
             <a:endParaRPr lang="en-US"/>
           </a:p>
@@ -3363,7 +3363,7 @@
           <a:p>
             <a:fld id="{A95E8B5E-9B7E-478B-B1CC-F0BE94E1FF21}" type="datetimeFigureOut">
               <a:rPr lang="en-US" smtClean="0"/>
-              <a:t>5/19/2022</a:t>
+              <a:t>5/29/2022</a:t>
             </a:fld>
             <a:endParaRPr lang="en-US"/>
           </a:p>
@@ -3651,7 +3651,7 @@
           <a:p>
             <a:fld id="{A95E8B5E-9B7E-478B-B1CC-F0BE94E1FF21}" type="datetimeFigureOut">
               <a:rPr lang="en-US" smtClean="0"/>
-              <a:t>5/19/2022</a:t>
+              <a:t>5/29/2022</a:t>
             </a:fld>
             <a:endParaRPr lang="en-US"/>
           </a:p>
@@ -3892,7 +3892,7 @@
           <a:p>
             <a:fld id="{A95E8B5E-9B7E-478B-B1CC-F0BE94E1FF21}" type="datetimeFigureOut">
               <a:rPr lang="en-US" smtClean="0"/>
-              <a:t>5/19/2022</a:t>
+              <a:t>5/29/2022</a:t>
             </a:fld>
             <a:endParaRPr lang="en-US"/>
           </a:p>
@@ -4323,8 +4323,8 @@
         </p:nvSpPr>
         <p:spPr>
           <a:xfrm>
-            <a:off x="355183" y="926296"/>
-            <a:ext cx="6537296" cy="5330491"/>
+            <a:off x="355183" y="487316"/>
+            <a:ext cx="6537296" cy="5769472"/>
           </a:xfrm>
           <a:prstGeom prst="rect">
             <a:avLst/>
@@ -4384,9 +4384,9 @@
           <p:nvPr/>
         </p:nvSpPr>
         <p:spPr>
-          <a:xfrm rot="14591827" flipV="1">
-            <a:off x="3777849" y="2172630"/>
-            <a:ext cx="2021238" cy="2156098"/>
+          <a:xfrm rot="15385136" flipV="1">
+            <a:off x="3724832" y="441765"/>
+            <a:ext cx="1497404" cy="2713292"/>
           </a:xfrm>
           <a:prstGeom prst="triangle">
             <a:avLst/>
@@ -4453,9 +4453,9 @@
           <p:nvPr/>
         </p:nvSpPr>
         <p:spPr>
-          <a:xfrm rot="15829040" flipV="1">
-            <a:off x="7183520" y="2446686"/>
-            <a:ext cx="398534" cy="3232072"/>
+          <a:xfrm rot="15582106" flipV="1">
+            <a:off x="6999891" y="2826949"/>
+            <a:ext cx="398534" cy="2862443"/>
           </a:xfrm>
           <a:prstGeom prst="curvedLeftArrow">
             <a:avLst>
@@ -4518,7 +4518,7 @@
         </p:nvCxnSpPr>
         <p:spPr>
           <a:xfrm flipV="1">
-            <a:off x="6344223" y="5126498"/>
+            <a:off x="6344223" y="5378358"/>
             <a:ext cx="2091358" cy="4638"/>
           </a:xfrm>
           <a:prstGeom prst="straightConnector1">
@@ -4562,8 +4562,8 @@
         </p:nvCxnSpPr>
         <p:spPr>
           <a:xfrm>
-            <a:off x="1349047" y="3291258"/>
-            <a:ext cx="14566" cy="1206849"/>
+            <a:off x="1349046" y="2500367"/>
+            <a:ext cx="14567" cy="2249600"/>
           </a:xfrm>
           <a:prstGeom prst="straightConnector1">
             <a:avLst/>
@@ -4604,7 +4604,7 @@
         </p:nvGrpSpPr>
         <p:grpSpPr>
           <a:xfrm>
-            <a:off x="4728449" y="4443149"/>
+            <a:off x="4728449" y="4695009"/>
             <a:ext cx="1965846" cy="1536205"/>
             <a:chOff x="3343002" y="3461920"/>
             <a:chExt cx="1965846" cy="1536205"/>
@@ -4762,7 +4762,7 @@
         </p:nvSpPr>
         <p:spPr>
           <a:xfrm>
-            <a:off x="4895850" y="1694130"/>
+            <a:off x="4846571" y="770581"/>
             <a:ext cx="1524013" cy="400110"/>
           </a:xfrm>
           <a:prstGeom prst="rect">
@@ -4802,7 +4802,7 @@
         </p:nvSpPr>
         <p:spPr>
           <a:xfrm>
-            <a:off x="781849" y="5612094"/>
+            <a:off x="781849" y="5863954"/>
             <a:ext cx="1161248" cy="400110"/>
           </a:xfrm>
           <a:prstGeom prst="rect">
@@ -4842,7 +4842,7 @@
         </p:nvSpPr>
         <p:spPr>
           <a:xfrm>
-            <a:off x="612759" y="1783661"/>
+            <a:off x="612759" y="918551"/>
             <a:ext cx="1582787" cy="400110"/>
           </a:xfrm>
           <a:prstGeom prst="rect">
@@ -4883,9 +4883,9 @@
           <p:nvPr/>
         </p:nvCxnSpPr>
         <p:spPr>
-          <a:xfrm>
-            <a:off x="2011671" y="5094725"/>
-            <a:ext cx="873863" cy="0"/>
+          <a:xfrm flipV="1">
+            <a:off x="2011671" y="5332327"/>
+            <a:ext cx="2938135" cy="14258"/>
           </a:xfrm>
           <a:prstGeom prst="straightConnector1">
             <a:avLst/>
@@ -4923,13 +4923,14 @@
           </p:cNvPr>
           <p:cNvCxnSpPr>
             <a:cxnSpLocks/>
+            <a:endCxn id="42" idx="2"/>
           </p:cNvCxnSpPr>
           <p:nvPr/>
         </p:nvCxnSpPr>
         <p:spPr>
           <a:xfrm flipV="1">
-            <a:off x="5646518" y="3053555"/>
-            <a:ext cx="11339" cy="1358997"/>
+            <a:off x="5646518" y="4257363"/>
+            <a:ext cx="5489" cy="407049"/>
           </a:xfrm>
           <a:prstGeom prst="straightConnector1">
             <a:avLst/>
@@ -4987,7 +4988,7 @@
         </p:blipFill>
         <p:spPr>
           <a:xfrm>
-            <a:off x="6797483" y="2101531"/>
+            <a:off x="6903837" y="1132571"/>
             <a:ext cx="904978" cy="904978"/>
           </a:xfrm>
           <a:prstGeom prst="rect">
@@ -5009,7 +5010,7 @@
         </p:nvSpPr>
         <p:spPr>
           <a:xfrm>
-            <a:off x="7366400" y="2343253"/>
+            <a:off x="7472754" y="1374293"/>
             <a:ext cx="1618014" cy="400110"/>
           </a:xfrm>
           <a:prstGeom prst="rect">
@@ -5052,8 +5053,8 @@
         </p:nvCxnSpPr>
         <p:spPr>
           <a:xfrm>
-            <a:off x="6228566" y="2553578"/>
-            <a:ext cx="568917" cy="442"/>
+            <a:off x="6195095" y="1583462"/>
+            <a:ext cx="708742" cy="1598"/>
           </a:xfrm>
           <a:prstGeom prst="straightConnector1">
             <a:avLst/>
@@ -5109,7 +5110,7 @@
         </p:blipFill>
         <p:spPr bwMode="auto">
           <a:xfrm>
-            <a:off x="9498588" y="2189136"/>
+            <a:off x="9604942" y="1220176"/>
             <a:ext cx="1010913" cy="754501"/>
           </a:xfrm>
           <a:prstGeom prst="rect">
@@ -5143,7 +5144,7 @@
         </p:nvCxnSpPr>
         <p:spPr>
           <a:xfrm flipV="1">
-            <a:off x="8899674" y="2543308"/>
+            <a:off x="9006028" y="1574348"/>
             <a:ext cx="501644" cy="2457"/>
           </a:xfrm>
           <a:prstGeom prst="straightConnector1">
@@ -5185,7 +5186,7 @@
         </p:nvSpPr>
         <p:spPr>
           <a:xfrm>
-            <a:off x="8356207" y="1810179"/>
+            <a:off x="8462561" y="841219"/>
             <a:ext cx="3408604" cy="338554"/>
           </a:xfrm>
           <a:prstGeom prst="rect">
@@ -5240,7 +5241,7 @@
         </p:blipFill>
         <p:spPr bwMode="auto">
           <a:xfrm>
-            <a:off x="5152788" y="2005075"/>
+            <a:off x="5103509" y="1081526"/>
             <a:ext cx="1016476" cy="1050901"/>
           </a:xfrm>
           <a:prstGeom prst="rect">
@@ -5285,7 +5286,7 @@
         </p:blipFill>
         <p:spPr bwMode="auto">
           <a:xfrm>
-            <a:off x="846680" y="4567748"/>
+            <a:off x="846680" y="4819608"/>
             <a:ext cx="1114946" cy="1025438"/>
           </a:xfrm>
           <a:prstGeom prst="rect">
@@ -5332,7 +5333,7 @@
         </p:blipFill>
         <p:spPr bwMode="auto">
           <a:xfrm>
-            <a:off x="861293" y="2131263"/>
+            <a:off x="861293" y="1266153"/>
             <a:ext cx="975507" cy="1105216"/>
           </a:xfrm>
           <a:prstGeom prst="rect">
@@ -5377,7 +5378,7 @@
         </p:blipFill>
         <p:spPr bwMode="auto">
           <a:xfrm>
-            <a:off x="2968806" y="4412552"/>
+            <a:off x="5028861" y="2570241"/>
             <a:ext cx="1297135" cy="1428745"/>
           </a:xfrm>
           <a:prstGeom prst="rect">
@@ -5424,7 +5425,7 @@
         </p:blipFill>
         <p:spPr bwMode="auto">
           <a:xfrm>
-            <a:off x="2955782" y="1094353"/>
+            <a:off x="2844414" y="3696086"/>
             <a:ext cx="1336098" cy="799832"/>
           </a:xfrm>
           <a:prstGeom prst="rect">
@@ -5456,7 +5457,7 @@
         </p:nvSpPr>
         <p:spPr>
           <a:xfrm>
-            <a:off x="3296411" y="5759165"/>
+            <a:off x="5335956" y="3857253"/>
             <a:ext cx="632102" cy="400110"/>
           </a:xfrm>
           <a:prstGeom prst="rect">
@@ -5496,7 +5497,7 @@
         </p:nvGrpSpPr>
         <p:grpSpPr>
           <a:xfrm>
-            <a:off x="8488685" y="3071188"/>
+            <a:off x="8097531" y="3235441"/>
             <a:ext cx="3105223" cy="3461043"/>
             <a:chOff x="8991153" y="3167002"/>
             <a:chExt cx="3105223" cy="3461043"/>
@@ -5778,12 +5779,88 @@
           </p:txBody>
         </p:sp>
       </p:grpSp>
+      <p:pic>
+        <p:nvPicPr>
+          <p:cNvPr id="3" name="Picture 2" descr="Graphical user interface&#10;&#10;Description automatically generated">
+            <a:extLst>
+              <a:ext uri="{FF2B5EF4-FFF2-40B4-BE49-F238E27FC236}">
+                <a16:creationId xmlns:a16="http://schemas.microsoft.com/office/drawing/2014/main" id="{671110A7-3AA6-3342-2EFD-BC659E8CA909}"/>
+              </a:ext>
+            </a:extLst>
+          </p:cNvPr>
+          <p:cNvPicPr>
+            <a:picLocks noChangeAspect="1"/>
+          </p:cNvPicPr>
+          <p:nvPr/>
+        </p:nvPicPr>
+        <p:blipFill>
+          <a:blip r:embed="rId18">
+            <a:extLst>
+              <a:ext uri="{28A0092B-C50C-407E-A947-70E740481C1C}">
+                <a14:useLocalDpi xmlns:a14="http://schemas.microsoft.com/office/drawing/2010/main" val="0"/>
+              </a:ext>
+            </a:extLst>
+          </a:blip>
+          <a:stretch>
+            <a:fillRect/>
+          </a:stretch>
+        </p:blipFill>
+        <p:spPr>
+          <a:xfrm>
+            <a:off x="2943813" y="1374293"/>
+            <a:ext cx="1361932" cy="1485744"/>
+          </a:xfrm>
+          <a:prstGeom prst="rect">
+            <a:avLst/>
+          </a:prstGeom>
+        </p:spPr>
+      </p:pic>
+      <p:sp>
+        <p:nvSpPr>
+          <p:cNvPr id="39" name="TextBox 38">
+            <a:extLst>
+              <a:ext uri="{FF2B5EF4-FFF2-40B4-BE49-F238E27FC236}">
+                <a16:creationId xmlns:a16="http://schemas.microsoft.com/office/drawing/2014/main" id="{CC445EB6-0CEE-8D4A-EB26-4E70CD0D8890}"/>
+              </a:ext>
+            </a:extLst>
+          </p:cNvPr>
+          <p:cNvSpPr txBox="1"/>
+          <p:nvPr/>
+        </p:nvSpPr>
+        <p:spPr>
+          <a:xfrm>
+            <a:off x="2701900" y="697123"/>
+            <a:ext cx="1753034" cy="707886"/>
+          </a:xfrm>
+          <a:prstGeom prst="rect">
+            <a:avLst/>
+          </a:prstGeom>
+          <a:noFill/>
+        </p:spPr>
+        <p:txBody>
+          <a:bodyPr wrap="square" rtlCol="0">
+            <a:spAutoFit/>
+          </a:bodyPr>
+          <a:lstStyle/>
+          <a:p>
+            <a:pPr algn="ctr"/>
+            <a:r>
+              <a:rPr lang="en-US" sz="2000" dirty="0">
+                <a:solidFill>
+                  <a:srgbClr val="FF9900"/>
+                </a:solidFill>
+              </a:rPr>
+              <a:t>Data Vault Data Modeling</a:t>
+            </a:r>
+          </a:p>
+        </p:txBody>
+      </p:sp>
       <p:cxnSp>
         <p:nvCxnSpPr>
-          <p:cNvPr id="43" name="Straight Arrow Connector 42">
-            <a:extLst>
-              <a:ext uri="{FF2B5EF4-FFF2-40B4-BE49-F238E27FC236}">
-                <a16:creationId xmlns:a16="http://schemas.microsoft.com/office/drawing/2014/main" id="{5934ECDD-CEBB-9976-EBE8-56596BE14350}"/>
+          <p:cNvPr id="48" name="Straight Arrow Connector 47">
+            <a:extLst>
+              <a:ext uri="{FF2B5EF4-FFF2-40B4-BE49-F238E27FC236}">
+                <a16:creationId xmlns:a16="http://schemas.microsoft.com/office/drawing/2014/main" id="{20E3EF49-F954-0EFC-9FA1-B4D34C50C2F7}"/>
               </a:ext>
             </a:extLst>
           </p:cNvPr>
@@ -5793,9 +5870,9 @@
           <p:nvPr/>
         </p:nvCxnSpPr>
         <p:spPr>
-          <a:xfrm>
-            <a:off x="4211889" y="5085751"/>
-            <a:ext cx="873863" cy="0"/>
+          <a:xfrm flipV="1">
+            <a:off x="5634580" y="2167171"/>
+            <a:ext cx="5489" cy="407049"/>
           </a:xfrm>
           <a:prstGeom prst="straightConnector1">
             <a:avLst/>
@@ -5822,82 +5899,6 @@
           </a:fontRef>
         </p:style>
       </p:cxnSp>
-      <p:pic>
-        <p:nvPicPr>
-          <p:cNvPr id="3" name="Picture 2" descr="Graphical user interface&#10;&#10;Description automatically generated">
-            <a:extLst>
-              <a:ext uri="{FF2B5EF4-FFF2-40B4-BE49-F238E27FC236}">
-                <a16:creationId xmlns:a16="http://schemas.microsoft.com/office/drawing/2014/main" id="{671110A7-3AA6-3342-2EFD-BC659E8CA909}"/>
-              </a:ext>
-            </a:extLst>
-          </p:cNvPr>
-          <p:cNvPicPr>
-            <a:picLocks noChangeAspect="1"/>
-          </p:cNvPicPr>
-          <p:nvPr/>
-        </p:nvPicPr>
-        <p:blipFill>
-          <a:blip r:embed="rId18">
-            <a:extLst>
-              <a:ext uri="{28A0092B-C50C-407E-A947-70E740481C1C}">
-                <a14:useLocalDpi xmlns:a14="http://schemas.microsoft.com/office/drawing/2010/main" val="0"/>
-              </a:ext>
-            </a:extLst>
-          </a:blip>
-          <a:stretch>
-            <a:fillRect/>
-          </a:stretch>
-        </p:blipFill>
-        <p:spPr>
-          <a:xfrm>
-            <a:off x="2957147" y="2878476"/>
-            <a:ext cx="1361932" cy="1485744"/>
-          </a:xfrm>
-          <a:prstGeom prst="rect">
-            <a:avLst/>
-          </a:prstGeom>
-        </p:spPr>
-      </p:pic>
-      <p:sp>
-        <p:nvSpPr>
-          <p:cNvPr id="39" name="TextBox 38">
-            <a:extLst>
-              <a:ext uri="{FF2B5EF4-FFF2-40B4-BE49-F238E27FC236}">
-                <a16:creationId xmlns:a16="http://schemas.microsoft.com/office/drawing/2014/main" id="{CC445EB6-0CEE-8D4A-EB26-4E70CD0D8890}"/>
-              </a:ext>
-            </a:extLst>
-          </p:cNvPr>
-          <p:cNvSpPr txBox="1"/>
-          <p:nvPr/>
-        </p:nvSpPr>
-        <p:spPr>
-          <a:xfrm>
-            <a:off x="2700952" y="2146424"/>
-            <a:ext cx="1753034" cy="707886"/>
-          </a:xfrm>
-          <a:prstGeom prst="rect">
-            <a:avLst/>
-          </a:prstGeom>
-          <a:noFill/>
-        </p:spPr>
-        <p:txBody>
-          <a:bodyPr wrap="square" rtlCol="0">
-            <a:spAutoFit/>
-          </a:bodyPr>
-          <a:lstStyle/>
-          <a:p>
-            <a:pPr algn="ctr"/>
-            <a:r>
-              <a:rPr lang="en-US" sz="2000" dirty="0">
-                <a:solidFill>
-                  <a:srgbClr val="FF9900"/>
-                </a:solidFill>
-              </a:rPr>
-              <a:t>Data Vault Data Modeling</a:t>
-            </a:r>
-          </a:p>
-        </p:txBody>
-      </p:sp>
     </p:spTree>
     <p:extLst>
       <p:ext uri="{BB962C8B-B14F-4D97-AF65-F5344CB8AC3E}">

--- a/images/ProcessMap.pptx
+++ b/images/ProcessMap.pptx
@@ -118,7 +118,7 @@
 <file path=ppt/revisionInfo.xml><?xml version="1.0" encoding="utf-8"?>
 <p1510:revInfo xmlns:a="http://schemas.openxmlformats.org/drawingml/2006/main" xmlns:r="http://schemas.openxmlformats.org/officeDocument/2006/relationships" xmlns:p1510="http://schemas.microsoft.com/office/powerpoint/2015/10/main">
   <p1510:revLst>
-    <p1510:client id="{D38C5BE2-17A7-461C-BD94-6C0C7CDA27B5}" v="104" dt="2022-05-20T00:54:29.744"/>
+    <p1510:client id="{D38C5BE2-17A7-461C-BD94-6C0C7CDA27B5}" v="120" dt="2022-05-29T15:31:10.126"/>
   </p1510:revLst>
 </p1510:revInfo>
 </file>
@@ -126,344 +126,9 @@
 <file path=ppt/changesInfos/changesInfo1.xml><?xml version="1.0" encoding="utf-8"?>
 <pc:chgInfo xmlns:a="http://schemas.openxmlformats.org/drawingml/2006/main" xmlns:r="http://schemas.openxmlformats.org/officeDocument/2006/relationships" xmlns:ac="http://schemas.microsoft.com/office/drawing/2013/main/command" xmlns:pc="http://schemas.microsoft.com/office/powerpoint/2013/main/command">
   <pc:docChgLst>
-    <pc:chgData name="Jared Fiacco" userId="e4f6bfaef04c63d1" providerId="LiveId" clId="{1E164F9B-1AA4-4F00-B498-4771B2C0354E}"/>
-    <pc:docChg chg="undo custSel delSld modSld">
-      <pc:chgData name="Jared Fiacco" userId="e4f6bfaef04c63d1" providerId="LiveId" clId="{1E164F9B-1AA4-4F00-B498-4771B2C0354E}" dt="2022-05-15T13:48:44.496" v="253" actId="47"/>
-      <pc:docMkLst>
-        <pc:docMk/>
-      </pc:docMkLst>
-      <pc:sldChg chg="del">
-        <pc:chgData name="Jared Fiacco" userId="e4f6bfaef04c63d1" providerId="LiveId" clId="{1E164F9B-1AA4-4F00-B498-4771B2C0354E}" dt="2022-05-15T13:48:44.496" v="253" actId="47"/>
-        <pc:sldMkLst>
-          <pc:docMk/>
-          <pc:sldMk cId="3624137779" sldId="258"/>
-        </pc:sldMkLst>
-      </pc:sldChg>
-      <pc:sldChg chg="addSp delSp modSp mod">
-        <pc:chgData name="Jared Fiacco" userId="e4f6bfaef04c63d1" providerId="LiveId" clId="{1E164F9B-1AA4-4F00-B498-4771B2C0354E}" dt="2022-05-15T13:48:30.620" v="252" actId="478"/>
-        <pc:sldMkLst>
-          <pc:docMk/>
-          <pc:sldMk cId="2637552424" sldId="266"/>
-        </pc:sldMkLst>
-        <pc:spChg chg="mod ord">
-          <ac:chgData name="Jared Fiacco" userId="e4f6bfaef04c63d1" providerId="LiveId" clId="{1E164F9B-1AA4-4F00-B498-4771B2C0354E}" dt="2022-05-15T13:46:23.467" v="239" actId="1076"/>
-          <ac:spMkLst>
-            <pc:docMk/>
-            <pc:sldMk cId="2637552424" sldId="266"/>
-            <ac:spMk id="38" creationId="{FB331FEB-7A12-1CEE-33B8-6F50F3A3886C}"/>
-          </ac:spMkLst>
-        </pc:spChg>
-        <pc:spChg chg="del">
-          <ac:chgData name="Jared Fiacco" userId="e4f6bfaef04c63d1" providerId="LiveId" clId="{1E164F9B-1AA4-4F00-B498-4771B2C0354E}" dt="2022-05-15T13:39:38.870" v="25" actId="478"/>
-          <ac:spMkLst>
-            <pc:docMk/>
-            <pc:sldMk cId="2637552424" sldId="266"/>
-            <ac:spMk id="39" creationId="{5D5A7BEE-7270-1833-0F59-A58F795E93B4}"/>
-          </ac:spMkLst>
-        </pc:spChg>
-        <pc:spChg chg="del">
-          <ac:chgData name="Jared Fiacco" userId="e4f6bfaef04c63d1" providerId="LiveId" clId="{1E164F9B-1AA4-4F00-B498-4771B2C0354E}" dt="2022-05-15T13:48:30.620" v="252" actId="478"/>
-          <ac:spMkLst>
-            <pc:docMk/>
-            <pc:sldMk cId="2637552424" sldId="266"/>
-            <ac:spMk id="40" creationId="{716500CF-FA01-358B-420E-79014FECAC54}"/>
-          </ac:spMkLst>
-        </pc:spChg>
-        <pc:spChg chg="mod">
-          <ac:chgData name="Jared Fiacco" userId="e4f6bfaef04c63d1" providerId="LiveId" clId="{1E164F9B-1AA4-4F00-B498-4771B2C0354E}" dt="2022-05-15T13:46:23.467" v="239" actId="1076"/>
-          <ac:spMkLst>
-            <pc:docMk/>
-            <pc:sldMk cId="2637552424" sldId="266"/>
-            <ac:spMk id="41" creationId="{3C06F8D7-9F68-4789-B25E-FD9DA1513E71}"/>
-          </ac:spMkLst>
-        </pc:spChg>
-        <pc:spChg chg="mod">
-          <ac:chgData name="Jared Fiacco" userId="e4f6bfaef04c63d1" providerId="LiveId" clId="{1E164F9B-1AA4-4F00-B498-4771B2C0354E}" dt="2022-05-15T13:46:23.467" v="239" actId="1076"/>
-          <ac:spMkLst>
-            <pc:docMk/>
-            <pc:sldMk cId="2637552424" sldId="266"/>
-            <ac:spMk id="42" creationId="{042BD826-EC59-A435-D940-43B1FF155430}"/>
-          </ac:spMkLst>
-        </pc:spChg>
-        <pc:spChg chg="mod">
-          <ac:chgData name="Jared Fiacco" userId="e4f6bfaef04c63d1" providerId="LiveId" clId="{1E164F9B-1AA4-4F00-B498-4771B2C0354E}" dt="2022-05-15T13:46:23.467" v="239" actId="1076"/>
-          <ac:spMkLst>
-            <pc:docMk/>
-            <pc:sldMk cId="2637552424" sldId="266"/>
-            <ac:spMk id="44" creationId="{573F4EF7-DDBC-4CC4-A95C-DD8AEB8B3A09}"/>
-          </ac:spMkLst>
-        </pc:spChg>
-        <pc:spChg chg="add mod ord">
-          <ac:chgData name="Jared Fiacco" userId="e4f6bfaef04c63d1" providerId="LiveId" clId="{1E164F9B-1AA4-4F00-B498-4771B2C0354E}" dt="2022-05-15T13:47:54.706" v="251" actId="207"/>
-          <ac:spMkLst>
-            <pc:docMk/>
-            <pc:sldMk cId="2637552424" sldId="266"/>
-            <ac:spMk id="47" creationId="{C29DF940-0AD2-37A7-96AE-545D2C223AA1}"/>
-          </ac:spMkLst>
-        </pc:spChg>
-        <pc:spChg chg="mod">
-          <ac:chgData name="Jared Fiacco" userId="e4f6bfaef04c63d1" providerId="LiveId" clId="{1E164F9B-1AA4-4F00-B498-4771B2C0354E}" dt="2022-05-15T13:46:23.467" v="239" actId="1076"/>
-          <ac:spMkLst>
-            <pc:docMk/>
-            <pc:sldMk cId="2637552424" sldId="266"/>
-            <ac:spMk id="49" creationId="{DB9D40D4-985D-49A2-9EFF-CFAA243F9F30}"/>
-          </ac:spMkLst>
-        </pc:spChg>
-        <pc:spChg chg="mod">
-          <ac:chgData name="Jared Fiacco" userId="e4f6bfaef04c63d1" providerId="LiveId" clId="{1E164F9B-1AA4-4F00-B498-4771B2C0354E}" dt="2022-05-15T13:46:23.467" v="239" actId="1076"/>
-          <ac:spMkLst>
-            <pc:docMk/>
-            <pc:sldMk cId="2637552424" sldId="266"/>
-            <ac:spMk id="61" creationId="{03DD6DB6-B25E-43E2-9FA7-C521491A9F2D}"/>
-          </ac:spMkLst>
-        </pc:spChg>
-        <pc:spChg chg="mod">
-          <ac:chgData name="Jared Fiacco" userId="e4f6bfaef04c63d1" providerId="LiveId" clId="{1E164F9B-1AA4-4F00-B498-4771B2C0354E}" dt="2022-05-15T13:46:23.467" v="239" actId="1076"/>
-          <ac:spMkLst>
-            <pc:docMk/>
-            <pc:sldMk cId="2637552424" sldId="266"/>
-            <ac:spMk id="67" creationId="{D221BC66-D5C9-4B49-84BE-8723DAE2F94C}"/>
-          </ac:spMkLst>
-        </pc:spChg>
-        <pc:spChg chg="mod">
-          <ac:chgData name="Jared Fiacco" userId="e4f6bfaef04c63d1" providerId="LiveId" clId="{1E164F9B-1AA4-4F00-B498-4771B2C0354E}" dt="2022-05-15T13:46:23.467" v="239" actId="1076"/>
-          <ac:spMkLst>
-            <pc:docMk/>
-            <pc:sldMk cId="2637552424" sldId="266"/>
-            <ac:spMk id="68" creationId="{E8EEC665-BBC5-4DA7-BC85-FD83FCC28792}"/>
-          </ac:spMkLst>
-        </pc:spChg>
-        <pc:spChg chg="mod">
-          <ac:chgData name="Jared Fiacco" userId="e4f6bfaef04c63d1" providerId="LiveId" clId="{1E164F9B-1AA4-4F00-B498-4771B2C0354E}" dt="2022-05-15T13:46:23.467" v="239" actId="1076"/>
-          <ac:spMkLst>
-            <pc:docMk/>
-            <pc:sldMk cId="2637552424" sldId="266"/>
-            <ac:spMk id="69" creationId="{58EA6D4B-261D-4B03-8FDC-9F2505CD9A8B}"/>
-          </ac:spMkLst>
-        </pc:spChg>
-        <pc:spChg chg="del">
-          <ac:chgData name="Jared Fiacco" userId="e4f6bfaef04c63d1" providerId="LiveId" clId="{1E164F9B-1AA4-4F00-B498-4771B2C0354E}" dt="2022-05-15T13:39:38.870" v="25" actId="478"/>
-          <ac:spMkLst>
-            <pc:docMk/>
-            <pc:sldMk cId="2637552424" sldId="266"/>
-            <ac:spMk id="97" creationId="{3B56B241-6598-4453-8BFA-07FE9F3C96C0}"/>
-          </ac:spMkLst>
-        </pc:spChg>
-        <pc:grpChg chg="add del mod">
-          <ac:chgData name="Jared Fiacco" userId="e4f6bfaef04c63d1" providerId="LiveId" clId="{1E164F9B-1AA4-4F00-B498-4771B2C0354E}" dt="2022-05-15T13:41:57.814" v="170" actId="165"/>
-          <ac:grpSpMkLst>
-            <pc:docMk/>
-            <pc:sldMk cId="2637552424" sldId="266"/>
-            <ac:grpSpMk id="2" creationId="{DDF081D3-CE3F-1E16-6BE7-0F9CA8686734}"/>
-          </ac:grpSpMkLst>
-        </pc:grpChg>
-        <pc:grpChg chg="add mod">
-          <ac:chgData name="Jared Fiacco" userId="e4f6bfaef04c63d1" providerId="LiveId" clId="{1E164F9B-1AA4-4F00-B498-4771B2C0354E}" dt="2022-05-15T13:46:23.467" v="239" actId="1076"/>
-          <ac:grpSpMkLst>
-            <pc:docMk/>
-            <pc:sldMk cId="2637552424" sldId="266"/>
-            <ac:grpSpMk id="4" creationId="{1442582A-3547-1F44-30B1-5C55A1BE75C4}"/>
-          </ac:grpSpMkLst>
-        </pc:grpChg>
-        <pc:grpChg chg="add mod">
-          <ac:chgData name="Jared Fiacco" userId="e4f6bfaef04c63d1" providerId="LiveId" clId="{1E164F9B-1AA4-4F00-B498-4771B2C0354E}" dt="2022-05-15T13:46:23.467" v="239" actId="1076"/>
-          <ac:grpSpMkLst>
-            <pc:docMk/>
-            <pc:sldMk cId="2637552424" sldId="266"/>
-            <ac:grpSpMk id="11" creationId="{1576249E-C9FC-311A-810D-B600249E7A01}"/>
-          </ac:grpSpMkLst>
-        </pc:grpChg>
-        <pc:picChg chg="mod topLvl">
-          <ac:chgData name="Jared Fiacco" userId="e4f6bfaef04c63d1" providerId="LiveId" clId="{1E164F9B-1AA4-4F00-B498-4771B2C0354E}" dt="2022-05-15T13:46:23.467" v="239" actId="1076"/>
-          <ac:picMkLst>
-            <pc:docMk/>
-            <pc:sldMk cId="2637552424" sldId="266"/>
-            <ac:picMk id="5" creationId="{12E4C943-39D1-C0A6-627C-640C39364F38}"/>
-          </ac:picMkLst>
-        </pc:picChg>
-        <pc:picChg chg="mod">
-          <ac:chgData name="Jared Fiacco" userId="e4f6bfaef04c63d1" providerId="LiveId" clId="{1E164F9B-1AA4-4F00-B498-4771B2C0354E}" dt="2022-05-15T13:46:23.467" v="239" actId="1076"/>
-          <ac:picMkLst>
-            <pc:docMk/>
-            <pc:sldMk cId="2637552424" sldId="266"/>
-            <ac:picMk id="6" creationId="{3984912C-4A36-11F5-3CE5-4C4FBB849179}"/>
-          </ac:picMkLst>
-        </pc:picChg>
-        <pc:picChg chg="mod topLvl">
-          <ac:chgData name="Jared Fiacco" userId="e4f6bfaef04c63d1" providerId="LiveId" clId="{1E164F9B-1AA4-4F00-B498-4771B2C0354E}" dt="2022-05-15T13:46:23.467" v="239" actId="1076"/>
-          <ac:picMkLst>
-            <pc:docMk/>
-            <pc:sldMk cId="2637552424" sldId="266"/>
-            <ac:picMk id="8" creationId="{8E4E5B15-A4EB-6EFA-16C8-BEAD11DEBFC4}"/>
-          </ac:picMkLst>
-        </pc:picChg>
-        <pc:picChg chg="mod">
-          <ac:chgData name="Jared Fiacco" userId="e4f6bfaef04c63d1" providerId="LiveId" clId="{1E164F9B-1AA4-4F00-B498-4771B2C0354E}" dt="2022-05-15T13:46:23.467" v="239" actId="1076"/>
-          <ac:picMkLst>
-            <pc:docMk/>
-            <pc:sldMk cId="2637552424" sldId="266"/>
-            <ac:picMk id="10" creationId="{68497C2B-A344-4020-B2D0-F48D510138FE}"/>
-          </ac:picMkLst>
-        </pc:picChg>
-        <pc:picChg chg="mod">
-          <ac:chgData name="Jared Fiacco" userId="e4f6bfaef04c63d1" providerId="LiveId" clId="{1E164F9B-1AA4-4F00-B498-4771B2C0354E}" dt="2022-05-15T13:46:23.467" v="239" actId="1076"/>
-          <ac:picMkLst>
-            <pc:docMk/>
-            <pc:sldMk cId="2637552424" sldId="266"/>
-            <ac:picMk id="46" creationId="{3AFB97C1-9597-4F41-96D6-53AF0AB0BC73}"/>
-          </ac:picMkLst>
-        </pc:picChg>
-        <pc:picChg chg="mod">
-          <ac:chgData name="Jared Fiacco" userId="e4f6bfaef04c63d1" providerId="LiveId" clId="{1E164F9B-1AA4-4F00-B498-4771B2C0354E}" dt="2022-05-15T13:46:23.467" v="239" actId="1076"/>
-          <ac:picMkLst>
-            <pc:docMk/>
-            <pc:sldMk cId="2637552424" sldId="266"/>
-            <ac:picMk id="1028" creationId="{72C8560A-A80B-F2D0-A0C7-6D6FFFB640CB}"/>
-          </ac:picMkLst>
-        </pc:picChg>
-        <pc:picChg chg="mod">
-          <ac:chgData name="Jared Fiacco" userId="e4f6bfaef04c63d1" providerId="LiveId" clId="{1E164F9B-1AA4-4F00-B498-4771B2C0354E}" dt="2022-05-15T13:46:23.467" v="239" actId="1076"/>
-          <ac:picMkLst>
-            <pc:docMk/>
-            <pc:sldMk cId="2637552424" sldId="266"/>
-            <ac:picMk id="1030" creationId="{8373C1EE-6D16-FF26-76B8-93B4E6897AF2}"/>
-          </ac:picMkLst>
-        </pc:picChg>
-        <pc:picChg chg="mod">
-          <ac:chgData name="Jared Fiacco" userId="e4f6bfaef04c63d1" providerId="LiveId" clId="{1E164F9B-1AA4-4F00-B498-4771B2C0354E}" dt="2022-05-15T13:46:23.467" v="239" actId="1076"/>
-          <ac:picMkLst>
-            <pc:docMk/>
-            <pc:sldMk cId="2637552424" sldId="266"/>
-            <ac:picMk id="1034" creationId="{B980752D-1CF8-A30C-CBB2-EFF357F61ED4}"/>
-          </ac:picMkLst>
-        </pc:picChg>
-        <pc:picChg chg="mod">
-          <ac:chgData name="Jared Fiacco" userId="e4f6bfaef04c63d1" providerId="LiveId" clId="{1E164F9B-1AA4-4F00-B498-4771B2C0354E}" dt="2022-05-15T13:46:23.467" v="239" actId="1076"/>
-          <ac:picMkLst>
-            <pc:docMk/>
-            <pc:sldMk cId="2637552424" sldId="266"/>
-            <ac:picMk id="1036" creationId="{534C6FE8-F4BA-17DC-CF2A-CF9D083AE346}"/>
-          </ac:picMkLst>
-        </pc:picChg>
-        <pc:picChg chg="mod">
-          <ac:chgData name="Jared Fiacco" userId="e4f6bfaef04c63d1" providerId="LiveId" clId="{1E164F9B-1AA4-4F00-B498-4771B2C0354E}" dt="2022-05-15T13:46:40.667" v="243" actId="1076"/>
-          <ac:picMkLst>
-            <pc:docMk/>
-            <pc:sldMk cId="2637552424" sldId="266"/>
-            <ac:picMk id="1038" creationId="{6041EDB3-F4B2-2BA9-2F42-5EEF170FE9EA}"/>
-          </ac:picMkLst>
-        </pc:picChg>
-        <pc:picChg chg="mod">
-          <ac:chgData name="Jared Fiacco" userId="e4f6bfaef04c63d1" providerId="LiveId" clId="{1E164F9B-1AA4-4F00-B498-4771B2C0354E}" dt="2022-05-15T13:46:23.467" v="239" actId="1076"/>
-          <ac:picMkLst>
-            <pc:docMk/>
-            <pc:sldMk cId="2637552424" sldId="266"/>
-            <ac:picMk id="1040" creationId="{D7B46418-511E-4114-8B8D-7D6CD964B97B}"/>
-          </ac:picMkLst>
-        </pc:picChg>
-        <pc:picChg chg="mod">
-          <ac:chgData name="Jared Fiacco" userId="e4f6bfaef04c63d1" providerId="LiveId" clId="{1E164F9B-1AA4-4F00-B498-4771B2C0354E}" dt="2022-05-15T13:46:23.467" v="239" actId="1076"/>
-          <ac:picMkLst>
-            <pc:docMk/>
-            <pc:sldMk cId="2637552424" sldId="266"/>
-            <ac:picMk id="1042" creationId="{760CDDC0-29D1-4ACE-84A4-BCD04C814568}"/>
-          </ac:picMkLst>
-        </pc:picChg>
-        <pc:picChg chg="mod">
-          <ac:chgData name="Jared Fiacco" userId="e4f6bfaef04c63d1" providerId="LiveId" clId="{1E164F9B-1AA4-4F00-B498-4771B2C0354E}" dt="2022-05-15T13:46:23.467" v="239" actId="1076"/>
-          <ac:picMkLst>
-            <pc:docMk/>
-            <pc:sldMk cId="2637552424" sldId="266"/>
-            <ac:picMk id="1044" creationId="{7B9F09EC-0872-2456-64AB-FA5AA8199641}"/>
-          </ac:picMkLst>
-        </pc:picChg>
-        <pc:picChg chg="mod topLvl">
-          <ac:chgData name="Jared Fiacco" userId="e4f6bfaef04c63d1" providerId="LiveId" clId="{1E164F9B-1AA4-4F00-B498-4771B2C0354E}" dt="2022-05-15T13:46:23.467" v="239" actId="1076"/>
-          <ac:picMkLst>
-            <pc:docMk/>
-            <pc:sldMk cId="2637552424" sldId="266"/>
-            <ac:picMk id="1046" creationId="{0EAA7E35-A087-BFD0-54C1-48B779DD89E8}"/>
-          </ac:picMkLst>
-        </pc:picChg>
-        <pc:picChg chg="mod topLvl">
-          <ac:chgData name="Jared Fiacco" userId="e4f6bfaef04c63d1" providerId="LiveId" clId="{1E164F9B-1AA4-4F00-B498-4771B2C0354E}" dt="2022-05-15T13:46:23.467" v="239" actId="1076"/>
-          <ac:picMkLst>
-            <pc:docMk/>
-            <pc:sldMk cId="2637552424" sldId="266"/>
-            <ac:picMk id="1048" creationId="{3A78B402-022D-89C7-F5A9-FC4A215EEA40}"/>
-          </ac:picMkLst>
-        </pc:picChg>
-        <pc:cxnChg chg="mod">
-          <ac:chgData name="Jared Fiacco" userId="e4f6bfaef04c63d1" providerId="LiveId" clId="{1E164F9B-1AA4-4F00-B498-4771B2C0354E}" dt="2022-05-15T13:46:23.467" v="239" actId="1076"/>
-          <ac:cxnSpMkLst>
-            <pc:docMk/>
-            <pc:sldMk cId="2637552424" sldId="266"/>
-            <ac:cxnSpMk id="37" creationId="{E3804E55-72D8-4949-ACA5-B3B5E17BDEE4}"/>
-          </ac:cxnSpMkLst>
-        </pc:cxnChg>
-        <pc:cxnChg chg="add mod">
-          <ac:chgData name="Jared Fiacco" userId="e4f6bfaef04c63d1" providerId="LiveId" clId="{1E164F9B-1AA4-4F00-B498-4771B2C0354E}" dt="2022-05-15T13:46:23.467" v="239" actId="1076"/>
-          <ac:cxnSpMkLst>
-            <pc:docMk/>
-            <pc:sldMk cId="2637552424" sldId="266"/>
-            <ac:cxnSpMk id="43" creationId="{5934ECDD-CEBB-9976-EBE8-56596BE14350}"/>
-          </ac:cxnSpMkLst>
-        </pc:cxnChg>
-        <pc:cxnChg chg="mod">
-          <ac:chgData name="Jared Fiacco" userId="e4f6bfaef04c63d1" providerId="LiveId" clId="{1E164F9B-1AA4-4F00-B498-4771B2C0354E}" dt="2022-05-15T13:46:23.467" v="239" actId="1076"/>
-          <ac:cxnSpMkLst>
-            <pc:docMk/>
-            <pc:sldMk cId="2637552424" sldId="266"/>
-            <ac:cxnSpMk id="45" creationId="{52CA36DB-1ED3-40ED-9F3A-158D3E2D7360}"/>
-          </ac:cxnSpMkLst>
-        </pc:cxnChg>
-        <pc:cxnChg chg="mod">
-          <ac:chgData name="Jared Fiacco" userId="e4f6bfaef04c63d1" providerId="LiveId" clId="{1E164F9B-1AA4-4F00-B498-4771B2C0354E}" dt="2022-05-15T13:46:23.467" v="239" actId="1076"/>
-          <ac:cxnSpMkLst>
-            <pc:docMk/>
-            <pc:sldMk cId="2637552424" sldId="266"/>
-            <ac:cxnSpMk id="54" creationId="{2A5D7007-D002-4D32-AA23-2FAA6C8C54FF}"/>
-          </ac:cxnSpMkLst>
-        </pc:cxnChg>
-        <pc:cxnChg chg="mod">
-          <ac:chgData name="Jared Fiacco" userId="e4f6bfaef04c63d1" providerId="LiveId" clId="{1E164F9B-1AA4-4F00-B498-4771B2C0354E}" dt="2022-05-15T13:46:23.467" v="239" actId="1076"/>
-          <ac:cxnSpMkLst>
-            <pc:docMk/>
-            <pc:sldMk cId="2637552424" sldId="266"/>
-            <ac:cxnSpMk id="59" creationId="{723B867F-CE77-4420-880F-7FBB1581F784}"/>
-          </ac:cxnSpMkLst>
-        </pc:cxnChg>
-        <pc:cxnChg chg="mod">
-          <ac:chgData name="Jared Fiacco" userId="e4f6bfaef04c63d1" providerId="LiveId" clId="{1E164F9B-1AA4-4F00-B498-4771B2C0354E}" dt="2022-05-15T13:46:23.467" v="239" actId="1076"/>
-          <ac:cxnSpMkLst>
-            <pc:docMk/>
-            <pc:sldMk cId="2637552424" sldId="266"/>
-            <ac:cxnSpMk id="65" creationId="{F1B06F3D-5D62-4FA3-B657-99F08BB89958}"/>
-          </ac:cxnSpMkLst>
-        </pc:cxnChg>
-        <pc:cxnChg chg="mod">
-          <ac:chgData name="Jared Fiacco" userId="e4f6bfaef04c63d1" providerId="LiveId" clId="{1E164F9B-1AA4-4F00-B498-4771B2C0354E}" dt="2022-05-15T13:46:23.467" v="239" actId="1076"/>
-          <ac:cxnSpMkLst>
-            <pc:docMk/>
-            <pc:sldMk cId="2637552424" sldId="266"/>
-            <ac:cxnSpMk id="79" creationId="{5A62DE4F-2D4C-4E89-98FD-95533ED1775C}"/>
-          </ac:cxnSpMkLst>
-        </pc:cxnChg>
-        <pc:cxnChg chg="mod">
-          <ac:chgData name="Jared Fiacco" userId="e4f6bfaef04c63d1" providerId="LiveId" clId="{1E164F9B-1AA4-4F00-B498-4771B2C0354E}" dt="2022-05-15T13:46:23.467" v="239" actId="1076"/>
-          <ac:cxnSpMkLst>
-            <pc:docMk/>
-            <pc:sldMk cId="2637552424" sldId="266"/>
-            <ac:cxnSpMk id="87" creationId="{2631579E-EA0D-4C22-9086-ADA4FA144BDB}"/>
-          </ac:cxnSpMkLst>
-        </pc:cxnChg>
-      </pc:sldChg>
-    </pc:docChg>
-  </pc:docChgLst>
-  <pc:docChgLst>
     <pc:chgData name="Jared Fiacco" userId="e4f6bfaef04c63d1" providerId="LiveId" clId="{D38C5BE2-17A7-461C-BD94-6C0C7CDA27B5}"/>
     <pc:docChg chg="undo custSel addSld delSld modSld">
-      <pc:chgData name="Jared Fiacco" userId="e4f6bfaef04c63d1" providerId="LiveId" clId="{D38C5BE2-17A7-461C-BD94-6C0C7CDA27B5}" dt="2022-05-20T01:10:40.156" v="348" actId="2696"/>
+      <pc:chgData name="Jared Fiacco" userId="e4f6bfaef04c63d1" providerId="LiveId" clId="{D38C5BE2-17A7-461C-BD94-6C0C7CDA27B5}" dt="2022-05-29T15:31:10.125" v="504" actId="14861"/>
       <pc:docMkLst>
         <pc:docMk/>
       </pc:docMkLst>
@@ -517,13 +182,21 @@
         </pc:sldMkLst>
       </pc:sldChg>
       <pc:sldChg chg="addSp delSp modSp mod">
-        <pc:chgData name="Jared Fiacco" userId="e4f6bfaef04c63d1" providerId="LiveId" clId="{D38C5BE2-17A7-461C-BD94-6C0C7CDA27B5}" dt="2022-05-20T00:34:38.990" v="345" actId="478"/>
+        <pc:chgData name="Jared Fiacco" userId="e4f6bfaef04c63d1" providerId="LiveId" clId="{D38C5BE2-17A7-461C-BD94-6C0C7CDA27B5}" dt="2022-05-29T15:31:10.125" v="504" actId="14861"/>
         <pc:sldMkLst>
           <pc:docMk/>
           <pc:sldMk cId="2637552424" sldId="266"/>
         </pc:sldMkLst>
+        <pc:spChg chg="add mod">
+          <ac:chgData name="Jared Fiacco" userId="e4f6bfaef04c63d1" providerId="LiveId" clId="{D38C5BE2-17A7-461C-BD94-6C0C7CDA27B5}" dt="2022-05-29T15:29:24.020" v="485" actId="1076"/>
+          <ac:spMkLst>
+            <pc:docMk/>
+            <pc:sldMk cId="2637552424" sldId="266"/>
+            <ac:spMk id="2" creationId="{A00B8562-BEA6-FCB8-0A5C-6C93862FB290}"/>
+          </ac:spMkLst>
+        </pc:spChg>
         <pc:spChg chg="add mod ord">
-          <ac:chgData name="Jared Fiacco" userId="e4f6bfaef04c63d1" providerId="LiveId" clId="{D38C5BE2-17A7-461C-BD94-6C0C7CDA27B5}" dt="2022-05-19T23:48:58.648" v="292" actId="1076"/>
+          <ac:chgData name="Jared Fiacco" userId="e4f6bfaef04c63d1" providerId="LiveId" clId="{D38C5BE2-17A7-461C-BD94-6C0C7CDA27B5}" dt="2022-05-29T15:29:31.825" v="487" actId="14100"/>
           <ac:spMkLst>
             <pc:docMk/>
             <pc:sldMk cId="2637552424" sldId="266"/>
@@ -539,11 +212,19 @@
           </ac:spMkLst>
         </pc:spChg>
         <pc:spChg chg="add mod">
-          <ac:chgData name="Jared Fiacco" userId="e4f6bfaef04c63d1" providerId="LiveId" clId="{D38C5BE2-17A7-461C-BD94-6C0C7CDA27B5}" dt="2022-05-19T23:48:58.648" v="292" actId="1076"/>
+          <ac:chgData name="Jared Fiacco" userId="e4f6bfaef04c63d1" providerId="LiveId" clId="{D38C5BE2-17A7-461C-BD94-6C0C7CDA27B5}" dt="2022-05-29T15:30:24.510" v="500"/>
           <ac:spMkLst>
             <pc:docMk/>
             <pc:sldMk cId="2637552424" sldId="266"/>
             <ac:spMk id="39" creationId="{CC445EB6-0CEE-8D4A-EB26-4E70CD0D8890}"/>
+          </ac:spMkLst>
+        </pc:spChg>
+        <pc:spChg chg="add mod">
+          <ac:chgData name="Jared Fiacco" userId="e4f6bfaef04c63d1" providerId="LiveId" clId="{D38C5BE2-17A7-461C-BD94-6C0C7CDA27B5}" dt="2022-05-29T15:29:24.020" v="485" actId="1076"/>
+          <ac:spMkLst>
+            <pc:docMk/>
+            <pc:sldMk cId="2637552424" sldId="266"/>
+            <ac:spMk id="40" creationId="{F55E1E0A-E7CE-70AC-404D-8F29BB28E62A}"/>
           </ac:spMkLst>
         </pc:spChg>
         <pc:spChg chg="mod">
@@ -555,15 +236,23 @@
           </ac:spMkLst>
         </pc:spChg>
         <pc:spChg chg="mod">
-          <ac:chgData name="Jared Fiacco" userId="e4f6bfaef04c63d1" providerId="LiveId" clId="{D38C5BE2-17A7-461C-BD94-6C0C7CDA27B5}" dt="2022-05-19T23:48:58.648" v="292" actId="1076"/>
+          <ac:chgData name="Jared Fiacco" userId="e4f6bfaef04c63d1" providerId="LiveId" clId="{D38C5BE2-17A7-461C-BD94-6C0C7CDA27B5}" dt="2022-05-29T15:30:42.744" v="501"/>
           <ac:spMkLst>
             <pc:docMk/>
             <pc:sldMk cId="2637552424" sldId="266"/>
             <ac:spMk id="42" creationId="{042BD826-EC59-A435-D940-43B1FF155430}"/>
           </ac:spMkLst>
         </pc:spChg>
+        <pc:spChg chg="add mod">
+          <ac:chgData name="Jared Fiacco" userId="e4f6bfaef04c63d1" providerId="LiveId" clId="{D38C5BE2-17A7-461C-BD94-6C0C7CDA27B5}" dt="2022-05-29T15:29:24.020" v="485" actId="1076"/>
+          <ac:spMkLst>
+            <pc:docMk/>
+            <pc:sldMk cId="2637552424" sldId="266"/>
+            <ac:spMk id="43" creationId="{FD9D265A-6F3C-66BD-9827-3A96E3EC746E}"/>
+          </ac:spMkLst>
+        </pc:spChg>
         <pc:spChg chg="mod">
-          <ac:chgData name="Jared Fiacco" userId="e4f6bfaef04c63d1" providerId="LiveId" clId="{D38C5BE2-17A7-461C-BD94-6C0C7CDA27B5}" dt="2022-05-19T23:48:58.648" v="292" actId="1076"/>
+          <ac:chgData name="Jared Fiacco" userId="e4f6bfaef04c63d1" providerId="LiveId" clId="{D38C5BE2-17A7-461C-BD94-6C0C7CDA27B5}" dt="2022-05-29T15:30:53.804" v="502"/>
           <ac:spMkLst>
             <pc:docMk/>
             <pc:sldMk cId="2637552424" sldId="266"/>
@@ -571,7 +260,7 @@
           </ac:spMkLst>
         </pc:spChg>
         <pc:spChg chg="mod ord">
-          <ac:chgData name="Jared Fiacco" userId="e4f6bfaef04c63d1" providerId="LiveId" clId="{D38C5BE2-17A7-461C-BD94-6C0C7CDA27B5}" dt="2022-05-19T23:48:58.648" v="292" actId="1076"/>
+          <ac:chgData name="Jared Fiacco" userId="e4f6bfaef04c63d1" providerId="LiveId" clId="{D38C5BE2-17A7-461C-BD94-6C0C7CDA27B5}" dt="2022-05-29T15:30:17.148" v="499" actId="167"/>
           <ac:spMkLst>
             <pc:docMk/>
             <pc:sldMk cId="2637552424" sldId="266"/>
@@ -579,15 +268,63 @@
           </ac:spMkLst>
         </pc:spChg>
         <pc:spChg chg="mod">
-          <ac:chgData name="Jared Fiacco" userId="e4f6bfaef04c63d1" providerId="LiveId" clId="{D38C5BE2-17A7-461C-BD94-6C0C7CDA27B5}" dt="2022-05-19T23:48:58.648" v="292" actId="1076"/>
+          <ac:chgData name="Jared Fiacco" userId="e4f6bfaef04c63d1" providerId="LiveId" clId="{D38C5BE2-17A7-461C-BD94-6C0C7CDA27B5}" dt="2022-05-29T15:30:42.744" v="501"/>
           <ac:spMkLst>
             <pc:docMk/>
             <pc:sldMk cId="2637552424" sldId="266"/>
             <ac:spMk id="49" creationId="{DB9D40D4-985D-49A2-9EFF-CFAA243F9F30}"/>
           </ac:spMkLst>
         </pc:spChg>
+        <pc:spChg chg="add mod">
+          <ac:chgData name="Jared Fiacco" userId="e4f6bfaef04c63d1" providerId="LiveId" clId="{D38C5BE2-17A7-461C-BD94-6C0C7CDA27B5}" dt="2022-05-29T15:29:24.020" v="485" actId="1076"/>
+          <ac:spMkLst>
+            <pc:docMk/>
+            <pc:sldMk cId="2637552424" sldId="266"/>
+            <ac:spMk id="50" creationId="{91D67B58-FCBE-1488-E344-9B45B487A1D0}"/>
+          </ac:spMkLst>
+        </pc:spChg>
+        <pc:spChg chg="add mod">
+          <ac:chgData name="Jared Fiacco" userId="e4f6bfaef04c63d1" providerId="LiveId" clId="{D38C5BE2-17A7-461C-BD94-6C0C7CDA27B5}" dt="2022-05-29T15:29:24.020" v="485" actId="1076"/>
+          <ac:spMkLst>
+            <pc:docMk/>
+            <pc:sldMk cId="2637552424" sldId="266"/>
+            <ac:spMk id="51" creationId="{B1A6ABA7-783A-F8C4-2ECF-01E41500BD17}"/>
+          </ac:spMkLst>
+        </pc:spChg>
+        <pc:spChg chg="add mod">
+          <ac:chgData name="Jared Fiacco" userId="e4f6bfaef04c63d1" providerId="LiveId" clId="{D38C5BE2-17A7-461C-BD94-6C0C7CDA27B5}" dt="2022-05-29T15:29:24.020" v="485" actId="1076"/>
+          <ac:spMkLst>
+            <pc:docMk/>
+            <pc:sldMk cId="2637552424" sldId="266"/>
+            <ac:spMk id="52" creationId="{D532736F-4D21-F3F6-203F-9F34ACE7BF53}"/>
+          </ac:spMkLst>
+        </pc:spChg>
+        <pc:spChg chg="add mod">
+          <ac:chgData name="Jared Fiacco" userId="e4f6bfaef04c63d1" providerId="LiveId" clId="{D38C5BE2-17A7-461C-BD94-6C0C7CDA27B5}" dt="2022-05-29T15:29:24.020" v="485" actId="1076"/>
+          <ac:spMkLst>
+            <pc:docMk/>
+            <pc:sldMk cId="2637552424" sldId="266"/>
+            <ac:spMk id="53" creationId="{BEA1D733-38B9-5DE1-CACE-C91DD5C73C04}"/>
+          </ac:spMkLst>
+        </pc:spChg>
+        <pc:spChg chg="add mod">
+          <ac:chgData name="Jared Fiacco" userId="e4f6bfaef04c63d1" providerId="LiveId" clId="{D38C5BE2-17A7-461C-BD94-6C0C7CDA27B5}" dt="2022-05-29T15:29:24.020" v="485" actId="1076"/>
+          <ac:spMkLst>
+            <pc:docMk/>
+            <pc:sldMk cId="2637552424" sldId="266"/>
+            <ac:spMk id="55" creationId="{050FC659-72FE-B0EC-6B7A-2636A4CCC663}"/>
+          </ac:spMkLst>
+        </pc:spChg>
+        <pc:spChg chg="add mod ord">
+          <ac:chgData name="Jared Fiacco" userId="e4f6bfaef04c63d1" providerId="LiveId" clId="{D38C5BE2-17A7-461C-BD94-6C0C7CDA27B5}" dt="2022-05-29T15:30:14.725" v="498" actId="167"/>
+          <ac:spMkLst>
+            <pc:docMk/>
+            <pc:sldMk cId="2637552424" sldId="266"/>
+            <ac:spMk id="56" creationId="{9287E9AB-BAAF-3947-A535-8BE914F7B0AC}"/>
+          </ac:spMkLst>
+        </pc:spChg>
         <pc:spChg chg="mod">
-          <ac:chgData name="Jared Fiacco" userId="e4f6bfaef04c63d1" providerId="LiveId" clId="{D38C5BE2-17A7-461C-BD94-6C0C7CDA27B5}" dt="2022-05-19T23:48:58.648" v="292" actId="1076"/>
+          <ac:chgData name="Jared Fiacco" userId="e4f6bfaef04c63d1" providerId="LiveId" clId="{D38C5BE2-17A7-461C-BD94-6C0C7CDA27B5}" dt="2022-05-29T15:30:53.804" v="502"/>
           <ac:spMkLst>
             <pc:docMk/>
             <pc:sldMk cId="2637552424" sldId="266"/>
@@ -603,7 +340,7 @@
           </ac:spMkLst>
         </pc:spChg>
         <pc:spChg chg="mod">
-          <ac:chgData name="Jared Fiacco" userId="e4f6bfaef04c63d1" providerId="LiveId" clId="{D38C5BE2-17A7-461C-BD94-6C0C7CDA27B5}" dt="2022-05-19T23:48:58.648" v="292" actId="1076"/>
+          <ac:chgData name="Jared Fiacco" userId="e4f6bfaef04c63d1" providerId="LiveId" clId="{D38C5BE2-17A7-461C-BD94-6C0C7CDA27B5}" dt="2022-05-29T15:30:42.744" v="501"/>
           <ac:spMkLst>
             <pc:docMk/>
             <pc:sldMk cId="2637552424" sldId="266"/>
@@ -611,7 +348,7 @@
           </ac:spMkLst>
         </pc:spChg>
         <pc:spChg chg="mod">
-          <ac:chgData name="Jared Fiacco" userId="e4f6bfaef04c63d1" providerId="LiveId" clId="{D38C5BE2-17A7-461C-BD94-6C0C7CDA27B5}" dt="2022-05-19T23:48:58.648" v="292" actId="1076"/>
+          <ac:chgData name="Jared Fiacco" userId="e4f6bfaef04c63d1" providerId="LiveId" clId="{D38C5BE2-17A7-461C-BD94-6C0C7CDA27B5}" dt="2022-05-29T15:30:42.744" v="501"/>
           <ac:spMkLst>
             <pc:docMk/>
             <pc:sldMk cId="2637552424" sldId="266"/>
@@ -619,7 +356,7 @@
           </ac:spMkLst>
         </pc:spChg>
         <pc:grpChg chg="mod">
-          <ac:chgData name="Jared Fiacco" userId="e4f6bfaef04c63d1" providerId="LiveId" clId="{D38C5BE2-17A7-461C-BD94-6C0C7CDA27B5}" dt="2022-05-19T23:48:58.648" v="292" actId="1076"/>
+          <ac:chgData name="Jared Fiacco" userId="e4f6bfaef04c63d1" providerId="LiveId" clId="{D38C5BE2-17A7-461C-BD94-6C0C7CDA27B5}" dt="2022-05-29T15:24:28.799" v="354" actId="14861"/>
           <ac:grpSpMkLst>
             <pc:docMk/>
             <pc:sldMk cId="2637552424" sldId="266"/>
@@ -627,7 +364,7 @@
           </ac:grpSpMkLst>
         </pc:grpChg>
         <pc:grpChg chg="mod">
-          <ac:chgData name="Jared Fiacco" userId="e4f6bfaef04c63d1" providerId="LiveId" clId="{D38C5BE2-17A7-461C-BD94-6C0C7CDA27B5}" dt="2022-05-19T23:48:58.648" v="292" actId="1076"/>
+          <ac:chgData name="Jared Fiacco" userId="e4f6bfaef04c63d1" providerId="LiveId" clId="{D38C5BE2-17A7-461C-BD94-6C0C7CDA27B5}" dt="2022-05-29T15:30:53.804" v="502"/>
           <ac:grpSpMkLst>
             <pc:docMk/>
             <pc:sldMk cId="2637552424" sldId="266"/>
@@ -635,7 +372,7 @@
           </ac:grpSpMkLst>
         </pc:grpChg>
         <pc:picChg chg="add mod">
-          <ac:chgData name="Jared Fiacco" userId="e4f6bfaef04c63d1" providerId="LiveId" clId="{D38C5BE2-17A7-461C-BD94-6C0C7CDA27B5}" dt="2022-05-19T23:48:58.648" v="292" actId="1076"/>
+          <ac:chgData name="Jared Fiacco" userId="e4f6bfaef04c63d1" providerId="LiveId" clId="{D38C5BE2-17A7-461C-BD94-6C0C7CDA27B5}" dt="2022-05-29T15:24:47.050" v="358" actId="1076"/>
           <ac:picMkLst>
             <pc:docMk/>
             <pc:sldMk cId="2637552424" sldId="266"/>
@@ -651,7 +388,7 @@
           </ac:picMkLst>
         </pc:picChg>
         <pc:picChg chg="mod">
-          <ac:chgData name="Jared Fiacco" userId="e4f6bfaef04c63d1" providerId="LiveId" clId="{D38C5BE2-17A7-461C-BD94-6C0C7CDA27B5}" dt="2022-05-19T23:48:58.648" v="292" actId="1076"/>
+          <ac:chgData name="Jared Fiacco" userId="e4f6bfaef04c63d1" providerId="LiveId" clId="{D38C5BE2-17A7-461C-BD94-6C0C7CDA27B5}" dt="2022-05-29T15:24:28.799" v="354" actId="14861"/>
           <ac:picMkLst>
             <pc:docMk/>
             <pc:sldMk cId="2637552424" sldId="266"/>
@@ -667,7 +404,7 @@
           </ac:picMkLst>
         </pc:picChg>
         <pc:picChg chg="mod">
-          <ac:chgData name="Jared Fiacco" userId="e4f6bfaef04c63d1" providerId="LiveId" clId="{D38C5BE2-17A7-461C-BD94-6C0C7CDA27B5}" dt="2022-05-19T23:48:58.648" v="292" actId="1076"/>
+          <ac:chgData name="Jared Fiacco" userId="e4f6bfaef04c63d1" providerId="LiveId" clId="{D38C5BE2-17A7-461C-BD94-6C0C7CDA27B5}" dt="2022-05-29T15:31:00.277" v="503" actId="14861"/>
           <ac:picMkLst>
             <pc:docMk/>
             <pc:sldMk cId="2637552424" sldId="266"/>
@@ -683,7 +420,7 @@
           </ac:picMkLst>
         </pc:picChg>
         <pc:picChg chg="mod">
-          <ac:chgData name="Jared Fiacco" userId="e4f6bfaef04c63d1" providerId="LiveId" clId="{D38C5BE2-17A7-461C-BD94-6C0C7CDA27B5}" dt="2022-05-19T23:48:58.648" v="292" actId="1076"/>
+          <ac:chgData name="Jared Fiacco" userId="e4f6bfaef04c63d1" providerId="LiveId" clId="{D38C5BE2-17A7-461C-BD94-6C0C7CDA27B5}" dt="2022-05-29T15:24:28.799" v="354" actId="14861"/>
           <ac:picMkLst>
             <pc:docMk/>
             <pc:sldMk cId="2637552424" sldId="266"/>
@@ -691,7 +428,7 @@
           </ac:picMkLst>
         </pc:picChg>
         <pc:picChg chg="mod">
-          <ac:chgData name="Jared Fiacco" userId="e4f6bfaef04c63d1" providerId="LiveId" clId="{D38C5BE2-17A7-461C-BD94-6C0C7CDA27B5}" dt="2022-05-19T23:48:58.648" v="292" actId="1076"/>
+          <ac:chgData name="Jared Fiacco" userId="e4f6bfaef04c63d1" providerId="LiveId" clId="{D38C5BE2-17A7-461C-BD94-6C0C7CDA27B5}" dt="2022-05-29T15:24:28.799" v="354" actId="14861"/>
           <ac:picMkLst>
             <pc:docMk/>
             <pc:sldMk cId="2637552424" sldId="266"/>
@@ -699,7 +436,7 @@
           </ac:picMkLst>
         </pc:picChg>
         <pc:picChg chg="mod">
-          <ac:chgData name="Jared Fiacco" userId="e4f6bfaef04c63d1" providerId="LiveId" clId="{D38C5BE2-17A7-461C-BD94-6C0C7CDA27B5}" dt="2022-05-19T23:48:58.648" v="292" actId="1076"/>
+          <ac:chgData name="Jared Fiacco" userId="e4f6bfaef04c63d1" providerId="LiveId" clId="{D38C5BE2-17A7-461C-BD94-6C0C7CDA27B5}" dt="2022-05-29T15:24:28.799" v="354" actId="14861"/>
           <ac:picMkLst>
             <pc:docMk/>
             <pc:sldMk cId="2637552424" sldId="266"/>
@@ -715,7 +452,7 @@
           </ac:picMkLst>
         </pc:picChg>
         <pc:picChg chg="mod">
-          <ac:chgData name="Jared Fiacco" userId="e4f6bfaef04c63d1" providerId="LiveId" clId="{D38C5BE2-17A7-461C-BD94-6C0C7CDA27B5}" dt="2022-05-19T23:48:58.648" v="292" actId="1076"/>
+          <ac:chgData name="Jared Fiacco" userId="e4f6bfaef04c63d1" providerId="LiveId" clId="{D38C5BE2-17A7-461C-BD94-6C0C7CDA27B5}" dt="2022-05-29T15:24:43.585" v="357" actId="1076"/>
           <ac:picMkLst>
             <pc:docMk/>
             <pc:sldMk cId="2637552424" sldId="266"/>
@@ -731,7 +468,7 @@
           </ac:picMkLst>
         </pc:picChg>
         <pc:picChg chg="mod">
-          <ac:chgData name="Jared Fiacco" userId="e4f6bfaef04c63d1" providerId="LiveId" clId="{D38C5BE2-17A7-461C-BD94-6C0C7CDA27B5}" dt="2022-05-19T23:48:58.648" v="292" actId="1076"/>
+          <ac:chgData name="Jared Fiacco" userId="e4f6bfaef04c63d1" providerId="LiveId" clId="{D38C5BE2-17A7-461C-BD94-6C0C7CDA27B5}" dt="2022-05-29T15:31:10.125" v="504" actId="14861"/>
           <ac:picMkLst>
             <pc:docMk/>
             <pc:sldMk cId="2637552424" sldId="266"/>
@@ -1089,6 +826,341 @@
           <pc:docMk/>
           <pc:sldMk cId="1205139507" sldId="271"/>
         </pc:sldMkLst>
+      </pc:sldChg>
+    </pc:docChg>
+  </pc:docChgLst>
+  <pc:docChgLst>
+    <pc:chgData name="Jared Fiacco" userId="e4f6bfaef04c63d1" providerId="LiveId" clId="{1E164F9B-1AA4-4F00-B498-4771B2C0354E}"/>
+    <pc:docChg chg="undo custSel delSld modSld">
+      <pc:chgData name="Jared Fiacco" userId="e4f6bfaef04c63d1" providerId="LiveId" clId="{1E164F9B-1AA4-4F00-B498-4771B2C0354E}" dt="2022-05-15T13:48:44.496" v="253" actId="47"/>
+      <pc:docMkLst>
+        <pc:docMk/>
+      </pc:docMkLst>
+      <pc:sldChg chg="del">
+        <pc:chgData name="Jared Fiacco" userId="e4f6bfaef04c63d1" providerId="LiveId" clId="{1E164F9B-1AA4-4F00-B498-4771B2C0354E}" dt="2022-05-15T13:48:44.496" v="253" actId="47"/>
+        <pc:sldMkLst>
+          <pc:docMk/>
+          <pc:sldMk cId="3624137779" sldId="258"/>
+        </pc:sldMkLst>
+      </pc:sldChg>
+      <pc:sldChg chg="addSp delSp modSp mod">
+        <pc:chgData name="Jared Fiacco" userId="e4f6bfaef04c63d1" providerId="LiveId" clId="{1E164F9B-1AA4-4F00-B498-4771B2C0354E}" dt="2022-05-15T13:48:30.620" v="252" actId="478"/>
+        <pc:sldMkLst>
+          <pc:docMk/>
+          <pc:sldMk cId="2637552424" sldId="266"/>
+        </pc:sldMkLst>
+        <pc:spChg chg="mod ord">
+          <ac:chgData name="Jared Fiacco" userId="e4f6bfaef04c63d1" providerId="LiveId" clId="{1E164F9B-1AA4-4F00-B498-4771B2C0354E}" dt="2022-05-15T13:46:23.467" v="239" actId="1076"/>
+          <ac:spMkLst>
+            <pc:docMk/>
+            <pc:sldMk cId="2637552424" sldId="266"/>
+            <ac:spMk id="38" creationId="{FB331FEB-7A12-1CEE-33B8-6F50F3A3886C}"/>
+          </ac:spMkLst>
+        </pc:spChg>
+        <pc:spChg chg="del">
+          <ac:chgData name="Jared Fiacco" userId="e4f6bfaef04c63d1" providerId="LiveId" clId="{1E164F9B-1AA4-4F00-B498-4771B2C0354E}" dt="2022-05-15T13:39:38.870" v="25" actId="478"/>
+          <ac:spMkLst>
+            <pc:docMk/>
+            <pc:sldMk cId="2637552424" sldId="266"/>
+            <ac:spMk id="39" creationId="{5D5A7BEE-7270-1833-0F59-A58F795E93B4}"/>
+          </ac:spMkLst>
+        </pc:spChg>
+        <pc:spChg chg="del">
+          <ac:chgData name="Jared Fiacco" userId="e4f6bfaef04c63d1" providerId="LiveId" clId="{1E164F9B-1AA4-4F00-B498-4771B2C0354E}" dt="2022-05-15T13:48:30.620" v="252" actId="478"/>
+          <ac:spMkLst>
+            <pc:docMk/>
+            <pc:sldMk cId="2637552424" sldId="266"/>
+            <ac:spMk id="40" creationId="{716500CF-FA01-358B-420E-79014FECAC54}"/>
+          </ac:spMkLst>
+        </pc:spChg>
+        <pc:spChg chg="mod">
+          <ac:chgData name="Jared Fiacco" userId="e4f6bfaef04c63d1" providerId="LiveId" clId="{1E164F9B-1AA4-4F00-B498-4771B2C0354E}" dt="2022-05-15T13:46:23.467" v="239" actId="1076"/>
+          <ac:spMkLst>
+            <pc:docMk/>
+            <pc:sldMk cId="2637552424" sldId="266"/>
+            <ac:spMk id="41" creationId="{3C06F8D7-9F68-4789-B25E-FD9DA1513E71}"/>
+          </ac:spMkLst>
+        </pc:spChg>
+        <pc:spChg chg="mod">
+          <ac:chgData name="Jared Fiacco" userId="e4f6bfaef04c63d1" providerId="LiveId" clId="{1E164F9B-1AA4-4F00-B498-4771B2C0354E}" dt="2022-05-15T13:46:23.467" v="239" actId="1076"/>
+          <ac:spMkLst>
+            <pc:docMk/>
+            <pc:sldMk cId="2637552424" sldId="266"/>
+            <ac:spMk id="42" creationId="{042BD826-EC59-A435-D940-43B1FF155430}"/>
+          </ac:spMkLst>
+        </pc:spChg>
+        <pc:spChg chg="mod">
+          <ac:chgData name="Jared Fiacco" userId="e4f6bfaef04c63d1" providerId="LiveId" clId="{1E164F9B-1AA4-4F00-B498-4771B2C0354E}" dt="2022-05-15T13:46:23.467" v="239" actId="1076"/>
+          <ac:spMkLst>
+            <pc:docMk/>
+            <pc:sldMk cId="2637552424" sldId="266"/>
+            <ac:spMk id="44" creationId="{573F4EF7-DDBC-4CC4-A95C-DD8AEB8B3A09}"/>
+          </ac:spMkLst>
+        </pc:spChg>
+        <pc:spChg chg="add mod ord">
+          <ac:chgData name="Jared Fiacco" userId="e4f6bfaef04c63d1" providerId="LiveId" clId="{1E164F9B-1AA4-4F00-B498-4771B2C0354E}" dt="2022-05-15T13:47:54.706" v="251" actId="207"/>
+          <ac:spMkLst>
+            <pc:docMk/>
+            <pc:sldMk cId="2637552424" sldId="266"/>
+            <ac:spMk id="47" creationId="{C29DF940-0AD2-37A7-96AE-545D2C223AA1}"/>
+          </ac:spMkLst>
+        </pc:spChg>
+        <pc:spChg chg="mod">
+          <ac:chgData name="Jared Fiacco" userId="e4f6bfaef04c63d1" providerId="LiveId" clId="{1E164F9B-1AA4-4F00-B498-4771B2C0354E}" dt="2022-05-15T13:46:23.467" v="239" actId="1076"/>
+          <ac:spMkLst>
+            <pc:docMk/>
+            <pc:sldMk cId="2637552424" sldId="266"/>
+            <ac:spMk id="49" creationId="{DB9D40D4-985D-49A2-9EFF-CFAA243F9F30}"/>
+          </ac:spMkLst>
+        </pc:spChg>
+        <pc:spChg chg="mod">
+          <ac:chgData name="Jared Fiacco" userId="e4f6bfaef04c63d1" providerId="LiveId" clId="{1E164F9B-1AA4-4F00-B498-4771B2C0354E}" dt="2022-05-15T13:46:23.467" v="239" actId="1076"/>
+          <ac:spMkLst>
+            <pc:docMk/>
+            <pc:sldMk cId="2637552424" sldId="266"/>
+            <ac:spMk id="61" creationId="{03DD6DB6-B25E-43E2-9FA7-C521491A9F2D}"/>
+          </ac:spMkLst>
+        </pc:spChg>
+        <pc:spChg chg="mod">
+          <ac:chgData name="Jared Fiacco" userId="e4f6bfaef04c63d1" providerId="LiveId" clId="{1E164F9B-1AA4-4F00-B498-4771B2C0354E}" dt="2022-05-15T13:46:23.467" v="239" actId="1076"/>
+          <ac:spMkLst>
+            <pc:docMk/>
+            <pc:sldMk cId="2637552424" sldId="266"/>
+            <ac:spMk id="67" creationId="{D221BC66-D5C9-4B49-84BE-8723DAE2F94C}"/>
+          </ac:spMkLst>
+        </pc:spChg>
+        <pc:spChg chg="mod">
+          <ac:chgData name="Jared Fiacco" userId="e4f6bfaef04c63d1" providerId="LiveId" clId="{1E164F9B-1AA4-4F00-B498-4771B2C0354E}" dt="2022-05-15T13:46:23.467" v="239" actId="1076"/>
+          <ac:spMkLst>
+            <pc:docMk/>
+            <pc:sldMk cId="2637552424" sldId="266"/>
+            <ac:spMk id="68" creationId="{E8EEC665-BBC5-4DA7-BC85-FD83FCC28792}"/>
+          </ac:spMkLst>
+        </pc:spChg>
+        <pc:spChg chg="mod">
+          <ac:chgData name="Jared Fiacco" userId="e4f6bfaef04c63d1" providerId="LiveId" clId="{1E164F9B-1AA4-4F00-B498-4771B2C0354E}" dt="2022-05-15T13:46:23.467" v="239" actId="1076"/>
+          <ac:spMkLst>
+            <pc:docMk/>
+            <pc:sldMk cId="2637552424" sldId="266"/>
+            <ac:spMk id="69" creationId="{58EA6D4B-261D-4B03-8FDC-9F2505CD9A8B}"/>
+          </ac:spMkLst>
+        </pc:spChg>
+        <pc:spChg chg="del">
+          <ac:chgData name="Jared Fiacco" userId="e4f6bfaef04c63d1" providerId="LiveId" clId="{1E164F9B-1AA4-4F00-B498-4771B2C0354E}" dt="2022-05-15T13:39:38.870" v="25" actId="478"/>
+          <ac:spMkLst>
+            <pc:docMk/>
+            <pc:sldMk cId="2637552424" sldId="266"/>
+            <ac:spMk id="97" creationId="{3B56B241-6598-4453-8BFA-07FE9F3C96C0}"/>
+          </ac:spMkLst>
+        </pc:spChg>
+        <pc:grpChg chg="add del mod">
+          <ac:chgData name="Jared Fiacco" userId="e4f6bfaef04c63d1" providerId="LiveId" clId="{1E164F9B-1AA4-4F00-B498-4771B2C0354E}" dt="2022-05-15T13:41:57.814" v="170" actId="165"/>
+          <ac:grpSpMkLst>
+            <pc:docMk/>
+            <pc:sldMk cId="2637552424" sldId="266"/>
+            <ac:grpSpMk id="2" creationId="{DDF081D3-CE3F-1E16-6BE7-0F9CA8686734}"/>
+          </ac:grpSpMkLst>
+        </pc:grpChg>
+        <pc:grpChg chg="add mod">
+          <ac:chgData name="Jared Fiacco" userId="e4f6bfaef04c63d1" providerId="LiveId" clId="{1E164F9B-1AA4-4F00-B498-4771B2C0354E}" dt="2022-05-15T13:46:23.467" v="239" actId="1076"/>
+          <ac:grpSpMkLst>
+            <pc:docMk/>
+            <pc:sldMk cId="2637552424" sldId="266"/>
+            <ac:grpSpMk id="4" creationId="{1442582A-3547-1F44-30B1-5C55A1BE75C4}"/>
+          </ac:grpSpMkLst>
+        </pc:grpChg>
+        <pc:grpChg chg="add mod">
+          <ac:chgData name="Jared Fiacco" userId="e4f6bfaef04c63d1" providerId="LiveId" clId="{1E164F9B-1AA4-4F00-B498-4771B2C0354E}" dt="2022-05-15T13:46:23.467" v="239" actId="1076"/>
+          <ac:grpSpMkLst>
+            <pc:docMk/>
+            <pc:sldMk cId="2637552424" sldId="266"/>
+            <ac:grpSpMk id="11" creationId="{1576249E-C9FC-311A-810D-B600249E7A01}"/>
+          </ac:grpSpMkLst>
+        </pc:grpChg>
+        <pc:picChg chg="mod topLvl">
+          <ac:chgData name="Jared Fiacco" userId="e4f6bfaef04c63d1" providerId="LiveId" clId="{1E164F9B-1AA4-4F00-B498-4771B2C0354E}" dt="2022-05-15T13:46:23.467" v="239" actId="1076"/>
+          <ac:picMkLst>
+            <pc:docMk/>
+            <pc:sldMk cId="2637552424" sldId="266"/>
+            <ac:picMk id="5" creationId="{12E4C943-39D1-C0A6-627C-640C39364F38}"/>
+          </ac:picMkLst>
+        </pc:picChg>
+        <pc:picChg chg="mod">
+          <ac:chgData name="Jared Fiacco" userId="e4f6bfaef04c63d1" providerId="LiveId" clId="{1E164F9B-1AA4-4F00-B498-4771B2C0354E}" dt="2022-05-15T13:46:23.467" v="239" actId="1076"/>
+          <ac:picMkLst>
+            <pc:docMk/>
+            <pc:sldMk cId="2637552424" sldId="266"/>
+            <ac:picMk id="6" creationId="{3984912C-4A36-11F5-3CE5-4C4FBB849179}"/>
+          </ac:picMkLst>
+        </pc:picChg>
+        <pc:picChg chg="mod topLvl">
+          <ac:chgData name="Jared Fiacco" userId="e4f6bfaef04c63d1" providerId="LiveId" clId="{1E164F9B-1AA4-4F00-B498-4771B2C0354E}" dt="2022-05-15T13:46:23.467" v="239" actId="1076"/>
+          <ac:picMkLst>
+            <pc:docMk/>
+            <pc:sldMk cId="2637552424" sldId="266"/>
+            <ac:picMk id="8" creationId="{8E4E5B15-A4EB-6EFA-16C8-BEAD11DEBFC4}"/>
+          </ac:picMkLst>
+        </pc:picChg>
+        <pc:picChg chg="mod">
+          <ac:chgData name="Jared Fiacco" userId="e4f6bfaef04c63d1" providerId="LiveId" clId="{1E164F9B-1AA4-4F00-B498-4771B2C0354E}" dt="2022-05-15T13:46:23.467" v="239" actId="1076"/>
+          <ac:picMkLst>
+            <pc:docMk/>
+            <pc:sldMk cId="2637552424" sldId="266"/>
+            <ac:picMk id="10" creationId="{68497C2B-A344-4020-B2D0-F48D510138FE}"/>
+          </ac:picMkLst>
+        </pc:picChg>
+        <pc:picChg chg="mod">
+          <ac:chgData name="Jared Fiacco" userId="e4f6bfaef04c63d1" providerId="LiveId" clId="{1E164F9B-1AA4-4F00-B498-4771B2C0354E}" dt="2022-05-15T13:46:23.467" v="239" actId="1076"/>
+          <ac:picMkLst>
+            <pc:docMk/>
+            <pc:sldMk cId="2637552424" sldId="266"/>
+            <ac:picMk id="46" creationId="{3AFB97C1-9597-4F41-96D6-53AF0AB0BC73}"/>
+          </ac:picMkLst>
+        </pc:picChg>
+        <pc:picChg chg="mod">
+          <ac:chgData name="Jared Fiacco" userId="e4f6bfaef04c63d1" providerId="LiveId" clId="{1E164F9B-1AA4-4F00-B498-4771B2C0354E}" dt="2022-05-15T13:46:23.467" v="239" actId="1076"/>
+          <ac:picMkLst>
+            <pc:docMk/>
+            <pc:sldMk cId="2637552424" sldId="266"/>
+            <ac:picMk id="1028" creationId="{72C8560A-A80B-F2D0-A0C7-6D6FFFB640CB}"/>
+          </ac:picMkLst>
+        </pc:picChg>
+        <pc:picChg chg="mod">
+          <ac:chgData name="Jared Fiacco" userId="e4f6bfaef04c63d1" providerId="LiveId" clId="{1E164F9B-1AA4-4F00-B498-4771B2C0354E}" dt="2022-05-15T13:46:23.467" v="239" actId="1076"/>
+          <ac:picMkLst>
+            <pc:docMk/>
+            <pc:sldMk cId="2637552424" sldId="266"/>
+            <ac:picMk id="1030" creationId="{8373C1EE-6D16-FF26-76B8-93B4E6897AF2}"/>
+          </ac:picMkLst>
+        </pc:picChg>
+        <pc:picChg chg="mod">
+          <ac:chgData name="Jared Fiacco" userId="e4f6bfaef04c63d1" providerId="LiveId" clId="{1E164F9B-1AA4-4F00-B498-4771B2C0354E}" dt="2022-05-15T13:46:23.467" v="239" actId="1076"/>
+          <ac:picMkLst>
+            <pc:docMk/>
+            <pc:sldMk cId="2637552424" sldId="266"/>
+            <ac:picMk id="1034" creationId="{B980752D-1CF8-A30C-CBB2-EFF357F61ED4}"/>
+          </ac:picMkLst>
+        </pc:picChg>
+        <pc:picChg chg="mod">
+          <ac:chgData name="Jared Fiacco" userId="e4f6bfaef04c63d1" providerId="LiveId" clId="{1E164F9B-1AA4-4F00-B498-4771B2C0354E}" dt="2022-05-15T13:46:23.467" v="239" actId="1076"/>
+          <ac:picMkLst>
+            <pc:docMk/>
+            <pc:sldMk cId="2637552424" sldId="266"/>
+            <ac:picMk id="1036" creationId="{534C6FE8-F4BA-17DC-CF2A-CF9D083AE346}"/>
+          </ac:picMkLst>
+        </pc:picChg>
+        <pc:picChg chg="mod">
+          <ac:chgData name="Jared Fiacco" userId="e4f6bfaef04c63d1" providerId="LiveId" clId="{1E164F9B-1AA4-4F00-B498-4771B2C0354E}" dt="2022-05-15T13:46:40.667" v="243" actId="1076"/>
+          <ac:picMkLst>
+            <pc:docMk/>
+            <pc:sldMk cId="2637552424" sldId="266"/>
+            <ac:picMk id="1038" creationId="{6041EDB3-F4B2-2BA9-2F42-5EEF170FE9EA}"/>
+          </ac:picMkLst>
+        </pc:picChg>
+        <pc:picChg chg="mod">
+          <ac:chgData name="Jared Fiacco" userId="e4f6bfaef04c63d1" providerId="LiveId" clId="{1E164F9B-1AA4-4F00-B498-4771B2C0354E}" dt="2022-05-15T13:46:23.467" v="239" actId="1076"/>
+          <ac:picMkLst>
+            <pc:docMk/>
+            <pc:sldMk cId="2637552424" sldId="266"/>
+            <ac:picMk id="1040" creationId="{D7B46418-511E-4114-8B8D-7D6CD964B97B}"/>
+          </ac:picMkLst>
+        </pc:picChg>
+        <pc:picChg chg="mod">
+          <ac:chgData name="Jared Fiacco" userId="e4f6bfaef04c63d1" providerId="LiveId" clId="{1E164F9B-1AA4-4F00-B498-4771B2C0354E}" dt="2022-05-15T13:46:23.467" v="239" actId="1076"/>
+          <ac:picMkLst>
+            <pc:docMk/>
+            <pc:sldMk cId="2637552424" sldId="266"/>
+            <ac:picMk id="1042" creationId="{760CDDC0-29D1-4ACE-84A4-BCD04C814568}"/>
+          </ac:picMkLst>
+        </pc:picChg>
+        <pc:picChg chg="mod">
+          <ac:chgData name="Jared Fiacco" userId="e4f6bfaef04c63d1" providerId="LiveId" clId="{1E164F9B-1AA4-4F00-B498-4771B2C0354E}" dt="2022-05-15T13:46:23.467" v="239" actId="1076"/>
+          <ac:picMkLst>
+            <pc:docMk/>
+            <pc:sldMk cId="2637552424" sldId="266"/>
+            <ac:picMk id="1044" creationId="{7B9F09EC-0872-2456-64AB-FA5AA8199641}"/>
+          </ac:picMkLst>
+        </pc:picChg>
+        <pc:picChg chg="mod topLvl">
+          <ac:chgData name="Jared Fiacco" userId="e4f6bfaef04c63d1" providerId="LiveId" clId="{1E164F9B-1AA4-4F00-B498-4771B2C0354E}" dt="2022-05-15T13:46:23.467" v="239" actId="1076"/>
+          <ac:picMkLst>
+            <pc:docMk/>
+            <pc:sldMk cId="2637552424" sldId="266"/>
+            <ac:picMk id="1046" creationId="{0EAA7E35-A087-BFD0-54C1-48B779DD89E8}"/>
+          </ac:picMkLst>
+        </pc:picChg>
+        <pc:picChg chg="mod topLvl">
+          <ac:chgData name="Jared Fiacco" userId="e4f6bfaef04c63d1" providerId="LiveId" clId="{1E164F9B-1AA4-4F00-B498-4771B2C0354E}" dt="2022-05-15T13:46:23.467" v="239" actId="1076"/>
+          <ac:picMkLst>
+            <pc:docMk/>
+            <pc:sldMk cId="2637552424" sldId="266"/>
+            <ac:picMk id="1048" creationId="{3A78B402-022D-89C7-F5A9-FC4A215EEA40}"/>
+          </ac:picMkLst>
+        </pc:picChg>
+        <pc:cxnChg chg="mod">
+          <ac:chgData name="Jared Fiacco" userId="e4f6bfaef04c63d1" providerId="LiveId" clId="{1E164F9B-1AA4-4F00-B498-4771B2C0354E}" dt="2022-05-15T13:46:23.467" v="239" actId="1076"/>
+          <ac:cxnSpMkLst>
+            <pc:docMk/>
+            <pc:sldMk cId="2637552424" sldId="266"/>
+            <ac:cxnSpMk id="37" creationId="{E3804E55-72D8-4949-ACA5-B3B5E17BDEE4}"/>
+          </ac:cxnSpMkLst>
+        </pc:cxnChg>
+        <pc:cxnChg chg="add mod">
+          <ac:chgData name="Jared Fiacco" userId="e4f6bfaef04c63d1" providerId="LiveId" clId="{1E164F9B-1AA4-4F00-B498-4771B2C0354E}" dt="2022-05-15T13:46:23.467" v="239" actId="1076"/>
+          <ac:cxnSpMkLst>
+            <pc:docMk/>
+            <pc:sldMk cId="2637552424" sldId="266"/>
+            <ac:cxnSpMk id="43" creationId="{5934ECDD-CEBB-9976-EBE8-56596BE14350}"/>
+          </ac:cxnSpMkLst>
+        </pc:cxnChg>
+        <pc:cxnChg chg="mod">
+          <ac:chgData name="Jared Fiacco" userId="e4f6bfaef04c63d1" providerId="LiveId" clId="{1E164F9B-1AA4-4F00-B498-4771B2C0354E}" dt="2022-05-15T13:46:23.467" v="239" actId="1076"/>
+          <ac:cxnSpMkLst>
+            <pc:docMk/>
+            <pc:sldMk cId="2637552424" sldId="266"/>
+            <ac:cxnSpMk id="45" creationId="{52CA36DB-1ED3-40ED-9F3A-158D3E2D7360}"/>
+          </ac:cxnSpMkLst>
+        </pc:cxnChg>
+        <pc:cxnChg chg="mod">
+          <ac:chgData name="Jared Fiacco" userId="e4f6bfaef04c63d1" providerId="LiveId" clId="{1E164F9B-1AA4-4F00-B498-4771B2C0354E}" dt="2022-05-15T13:46:23.467" v="239" actId="1076"/>
+          <ac:cxnSpMkLst>
+            <pc:docMk/>
+            <pc:sldMk cId="2637552424" sldId="266"/>
+            <ac:cxnSpMk id="54" creationId="{2A5D7007-D002-4D32-AA23-2FAA6C8C54FF}"/>
+          </ac:cxnSpMkLst>
+        </pc:cxnChg>
+        <pc:cxnChg chg="mod">
+          <ac:chgData name="Jared Fiacco" userId="e4f6bfaef04c63d1" providerId="LiveId" clId="{1E164F9B-1AA4-4F00-B498-4771B2C0354E}" dt="2022-05-15T13:46:23.467" v="239" actId="1076"/>
+          <ac:cxnSpMkLst>
+            <pc:docMk/>
+            <pc:sldMk cId="2637552424" sldId="266"/>
+            <ac:cxnSpMk id="59" creationId="{723B867F-CE77-4420-880F-7FBB1581F784}"/>
+          </ac:cxnSpMkLst>
+        </pc:cxnChg>
+        <pc:cxnChg chg="mod">
+          <ac:chgData name="Jared Fiacco" userId="e4f6bfaef04c63d1" providerId="LiveId" clId="{1E164F9B-1AA4-4F00-B498-4771B2C0354E}" dt="2022-05-15T13:46:23.467" v="239" actId="1076"/>
+          <ac:cxnSpMkLst>
+            <pc:docMk/>
+            <pc:sldMk cId="2637552424" sldId="266"/>
+            <ac:cxnSpMk id="65" creationId="{F1B06F3D-5D62-4FA3-B657-99F08BB89958}"/>
+          </ac:cxnSpMkLst>
+        </pc:cxnChg>
+        <pc:cxnChg chg="mod">
+          <ac:chgData name="Jared Fiacco" userId="e4f6bfaef04c63d1" providerId="LiveId" clId="{1E164F9B-1AA4-4F00-B498-4771B2C0354E}" dt="2022-05-15T13:46:23.467" v="239" actId="1076"/>
+          <ac:cxnSpMkLst>
+            <pc:docMk/>
+            <pc:sldMk cId="2637552424" sldId="266"/>
+            <ac:cxnSpMk id="79" creationId="{5A62DE4F-2D4C-4E89-98FD-95533ED1775C}"/>
+          </ac:cxnSpMkLst>
+        </pc:cxnChg>
+        <pc:cxnChg chg="mod">
+          <ac:chgData name="Jared Fiacco" userId="e4f6bfaef04c63d1" providerId="LiveId" clId="{1E164F9B-1AA4-4F00-B498-4771B2C0354E}" dt="2022-05-15T13:46:23.467" v="239" actId="1076"/>
+          <ac:cxnSpMkLst>
+            <pc:docMk/>
+            <pc:sldMk cId="2637552424" sldId="266"/>
+            <ac:cxnSpMk id="87" creationId="{2631579E-EA0D-4C22-9086-ADA4FA144BDB}"/>
+          </ac:cxnSpMkLst>
+        </pc:cxnChg>
       </pc:sldChg>
     </pc:docChg>
   </pc:docChgLst>
@@ -4373,10 +4445,10 @@
       </p:sp>
       <p:sp>
         <p:nvSpPr>
-          <p:cNvPr id="7" name="Isosceles Triangle 6">
-            <a:extLst>
-              <a:ext uri="{FF2B5EF4-FFF2-40B4-BE49-F238E27FC236}">
-                <a16:creationId xmlns:a16="http://schemas.microsoft.com/office/drawing/2014/main" id="{DC8B8C25-E888-B12C-0492-5ED76DA79D84}"/>
+          <p:cNvPr id="56" name="Isosceles Triangle 55">
+            <a:extLst>
+              <a:ext uri="{FF2B5EF4-FFF2-40B4-BE49-F238E27FC236}">
+                <a16:creationId xmlns:a16="http://schemas.microsoft.com/office/drawing/2014/main" id="{9287E9AB-BAAF-3947-A535-8BE914F7B0AC}"/>
               </a:ext>
             </a:extLst>
           </p:cNvPr>
@@ -4384,9 +4456,9 @@
           <p:nvPr/>
         </p:nvSpPr>
         <p:spPr>
-          <a:xfrm rot="15385136" flipV="1">
-            <a:off x="3724832" y="441765"/>
-            <a:ext cx="1497404" cy="2713292"/>
+          <a:xfrm rot="11355661" flipV="1">
+            <a:off x="2900684" y="1219022"/>
+            <a:ext cx="1354552" cy="2260711"/>
           </a:xfrm>
           <a:prstGeom prst="triangle">
             <a:avLst/>
@@ -4442,6 +4514,75 @@
       </p:sp>
       <p:sp>
         <p:nvSpPr>
+          <p:cNvPr id="7" name="Isosceles Triangle 6">
+            <a:extLst>
+              <a:ext uri="{FF2B5EF4-FFF2-40B4-BE49-F238E27FC236}">
+                <a16:creationId xmlns:a16="http://schemas.microsoft.com/office/drawing/2014/main" id="{DC8B8C25-E888-B12C-0492-5ED76DA79D84}"/>
+              </a:ext>
+            </a:extLst>
+          </p:cNvPr>
+          <p:cNvSpPr/>
+          <p:nvPr/>
+        </p:nvSpPr>
+        <p:spPr>
+          <a:xfrm rot="16200000" flipV="1">
+            <a:off x="4469924" y="473458"/>
+            <a:ext cx="904668" cy="2266497"/>
+          </a:xfrm>
+          <a:prstGeom prst="triangle">
+            <a:avLst/>
+          </a:prstGeom>
+          <a:gradFill>
+            <a:gsLst>
+              <a:gs pos="0">
+                <a:schemeClr val="accent1">
+                  <a:lumMod val="5000"/>
+                  <a:lumOff val="95000"/>
+                </a:schemeClr>
+              </a:gs>
+              <a:gs pos="50000">
+                <a:srgbClr val="5294CF"/>
+              </a:gs>
+              <a:gs pos="82000">
+                <a:srgbClr val="2D72B8"/>
+              </a:gs>
+              <a:gs pos="100000">
+                <a:srgbClr val="205B98"/>
+              </a:gs>
+            </a:gsLst>
+            <a:lin ang="5400000" scaled="1"/>
+          </a:gradFill>
+          <a:ln>
+            <a:noFill/>
+          </a:ln>
+        </p:spPr>
+        <p:style>
+          <a:lnRef idx="2">
+            <a:schemeClr val="accent1">
+              <a:shade val="50000"/>
+            </a:schemeClr>
+          </a:lnRef>
+          <a:fillRef idx="1">
+            <a:schemeClr val="accent1"/>
+          </a:fillRef>
+          <a:effectRef idx="0">
+            <a:schemeClr val="accent1"/>
+          </a:effectRef>
+          <a:fontRef idx="minor">
+            <a:schemeClr val="lt1"/>
+          </a:fontRef>
+        </p:style>
+        <p:txBody>
+          <a:bodyPr rtlCol="0" anchor="ctr"/>
+          <a:lstStyle/>
+          <a:p>
+            <a:pPr algn="ctr"/>
+            <a:endParaRPr lang="en-US"/>
+          </a:p>
+        </p:txBody>
+      </p:sp>
+      <p:sp>
+        <p:nvSpPr>
           <p:cNvPr id="41" name="Arrow: Curved Left 40">
             <a:extLst>
               <a:ext uri="{FF2B5EF4-FFF2-40B4-BE49-F238E27FC236}">
@@ -4609,6 +4750,13 @@
             <a:chOff x="3343002" y="3461920"/>
             <a:chExt cx="1965846" cy="1536205"/>
           </a:xfrm>
+          <a:effectLst>
+            <a:outerShdw blurRad="50800" dist="38100" dir="2700000" algn="tl" rotWithShape="0">
+              <a:prstClr val="black">
+                <a:alpha val="40000"/>
+              </a:prstClr>
+            </a:outerShdw>
+          </a:effectLst>
         </p:grpSpPr>
         <p:pic>
           <p:nvPicPr>
@@ -4782,6 +4930,13 @@
                 <a:solidFill>
                   <a:srgbClr val="FF9900"/>
                 </a:solidFill>
+                <a:effectLst>
+                  <a:outerShdw blurRad="38100" dist="38100" dir="2700000" algn="tl">
+                    <a:srgbClr val="000000">
+                      <a:alpha val="43137"/>
+                    </a:srgbClr>
+                  </a:outerShdw>
+                </a:effectLst>
               </a:rPr>
               <a:t>Redshift</a:t>
             </a:r>
@@ -4822,6 +4977,13 @@
                 <a:solidFill>
                   <a:srgbClr val="FF9900"/>
                 </a:solidFill>
+                <a:effectLst>
+                  <a:outerShdw blurRad="38100" dist="38100" dir="2700000" algn="tl">
+                    <a:srgbClr val="000000">
+                      <a:alpha val="43137"/>
+                    </a:srgbClr>
+                  </a:outerShdw>
+                </a:effectLst>
               </a:rPr>
               <a:t>SNS</a:t>
             </a:r>
@@ -4862,6 +5024,13 @@
                 <a:solidFill>
                   <a:srgbClr val="FF9900"/>
                 </a:solidFill>
+                <a:effectLst>
+                  <a:outerShdw blurRad="38100" dist="38100" dir="2700000" algn="tl">
+                    <a:srgbClr val="000000">
+                      <a:alpha val="43137"/>
+                    </a:srgbClr>
+                  </a:outerShdw>
+                </a:effectLst>
               </a:rPr>
               <a:t>Cloud Watch</a:t>
             </a:r>
@@ -4994,6 +5163,13 @@
           <a:prstGeom prst="rect">
             <a:avLst/>
           </a:prstGeom>
+          <a:effectLst>
+            <a:outerShdw blurRad="50800" dist="38100" dir="2700000" algn="tl" rotWithShape="0">
+              <a:prstClr val="black">
+                <a:alpha val="40000"/>
+              </a:prstClr>
+            </a:outerShdw>
+          </a:effectLst>
         </p:spPr>
       </p:pic>
       <p:sp>
@@ -5030,6 +5206,13 @@
                 <a:solidFill>
                   <a:schemeClr val="accent1"/>
                 </a:solidFill>
+                <a:effectLst>
+                  <a:outerShdw blurRad="38100" dist="38100" dir="2700000" algn="tl">
+                    <a:srgbClr val="000000">
+                      <a:alpha val="43137"/>
+                    </a:srgbClr>
+                  </a:outerShdw>
+                </a:effectLst>
               </a:rPr>
               <a:t>Data Studio</a:t>
             </a:r>
@@ -5117,6 +5300,13 @@
             <a:avLst/>
           </a:prstGeom>
           <a:noFill/>
+          <a:effectLst>
+            <a:outerShdw blurRad="50800" dist="38100" dir="2700000" algn="tl" rotWithShape="0">
+              <a:prstClr val="black">
+                <a:alpha val="40000"/>
+              </a:prstClr>
+            </a:outerShdw>
+          </a:effectLst>
           <a:extLst>
             <a:ext uri="{909E8E84-426E-40DD-AFC4-6F175D3DCCD1}">
               <a14:hiddenFill xmlns:a14="http://schemas.microsoft.com/office/drawing/2010/main">
@@ -5208,6 +5398,13 @@
                     <a:lumMod val="75000"/>
                   </a:schemeClr>
                 </a:solidFill>
+                <a:effectLst>
+                  <a:outerShdw blurRad="38100" dist="38100" dir="2700000" algn="tl">
+                    <a:srgbClr val="000000">
+                      <a:alpha val="43137"/>
+                    </a:srgbClr>
+                  </a:outerShdw>
+                </a:effectLst>
               </a:rPr>
               <a:t>Data Studio Report Emailed Daily</a:t>
             </a:r>
@@ -5248,6 +5445,13 @@
             <a:avLst/>
           </a:prstGeom>
           <a:noFill/>
+          <a:effectLst>
+            <a:outerShdw blurRad="50800" dist="38100" dir="2700000" algn="tl" rotWithShape="0">
+              <a:prstClr val="black">
+                <a:alpha val="40000"/>
+              </a:prstClr>
+            </a:outerShdw>
+          </a:effectLst>
           <a:extLst>
             <a:ext uri="{909E8E84-426E-40DD-AFC4-6F175D3DCCD1}">
               <a14:hiddenFill xmlns:a14="http://schemas.microsoft.com/office/drawing/2010/main">
@@ -5293,6 +5497,13 @@
             <a:avLst/>
           </a:prstGeom>
           <a:noFill/>
+          <a:effectLst>
+            <a:outerShdw blurRad="50800" dist="38100" dir="2700000" algn="tl" rotWithShape="0">
+              <a:prstClr val="black">
+                <a:alpha val="40000"/>
+              </a:prstClr>
+            </a:outerShdw>
+          </a:effectLst>
           <a:extLst>
             <a:ext uri="{909E8E84-426E-40DD-AFC4-6F175D3DCCD1}">
               <a14:hiddenFill xmlns:a14="http://schemas.microsoft.com/office/drawing/2010/main">
@@ -5340,6 +5551,13 @@
             <a:avLst/>
           </a:prstGeom>
           <a:noFill/>
+          <a:effectLst>
+            <a:outerShdw blurRad="50800" dist="38100" dir="2700000" algn="tl" rotWithShape="0">
+              <a:prstClr val="black">
+                <a:alpha val="40000"/>
+              </a:prstClr>
+            </a:outerShdw>
+          </a:effectLst>
           <a:extLst>
             <a:ext uri="{909E8E84-426E-40DD-AFC4-6F175D3DCCD1}">
               <a14:hiddenFill xmlns:a14="http://schemas.microsoft.com/office/drawing/2010/main">
@@ -5385,6 +5603,13 @@
             <a:avLst/>
           </a:prstGeom>
           <a:noFill/>
+          <a:effectLst>
+            <a:outerShdw blurRad="50800" dist="38100" dir="2700000" algn="tl" rotWithShape="0">
+              <a:prstClr val="black">
+                <a:alpha val="40000"/>
+              </a:prstClr>
+            </a:outerShdw>
+          </a:effectLst>
           <a:extLst>
             <a:ext uri="{909E8E84-426E-40DD-AFC4-6F175D3DCCD1}">
               <a14:hiddenFill xmlns:a14="http://schemas.microsoft.com/office/drawing/2010/main">
@@ -5425,13 +5650,20 @@
         </p:blipFill>
         <p:spPr bwMode="auto">
           <a:xfrm>
-            <a:off x="2844414" y="3696086"/>
+            <a:off x="2740338" y="4383622"/>
             <a:ext cx="1336098" cy="799832"/>
           </a:xfrm>
           <a:prstGeom prst="rect">
             <a:avLst/>
           </a:prstGeom>
           <a:noFill/>
+          <a:effectLst>
+            <a:outerShdw blurRad="50800" dist="38100" dir="2700000" algn="tl" rotWithShape="0">
+              <a:prstClr val="black">
+                <a:alpha val="40000"/>
+              </a:prstClr>
+            </a:outerShdw>
+          </a:effectLst>
           <a:extLst>
             <a:ext uri="{909E8E84-426E-40DD-AFC4-6F175D3DCCD1}">
               <a14:hiddenFill xmlns:a14="http://schemas.microsoft.com/office/drawing/2010/main">
@@ -5477,6 +5709,13 @@
                 <a:solidFill>
                   <a:srgbClr val="FF9900"/>
                 </a:solidFill>
+                <a:effectLst>
+                  <a:outerShdw blurRad="38100" dist="38100" dir="2700000" algn="tl">
+                    <a:srgbClr val="000000">
+                      <a:alpha val="43137"/>
+                    </a:srgbClr>
+                  </a:outerShdw>
+                </a:effectLst>
               </a:rPr>
               <a:t>S3</a:t>
             </a:r>
@@ -5772,6 +6011,13 @@
                       <a:lumMod val="75000"/>
                     </a:schemeClr>
                   </a:solidFill>
+                  <a:effectLst>
+                    <a:outerShdw blurRad="38100" dist="38100" dir="2700000" algn="tl">
+                      <a:srgbClr val="000000">
+                        <a:alpha val="43137"/>
+                      </a:srgbClr>
+                    </a:outerShdw>
+                  </a:effectLst>
                 </a:rPr>
                 <a:t>E-Scooter &amp; E-Bike Status APIs</a:t>
               </a:r>
@@ -5807,12 +6053,19 @@
         </p:blipFill>
         <p:spPr>
           <a:xfrm>
-            <a:off x="2943813" y="1374293"/>
+            <a:off x="2727630" y="2749005"/>
             <a:ext cx="1361932" cy="1485744"/>
           </a:xfrm>
           <a:prstGeom prst="rect">
             <a:avLst/>
           </a:prstGeom>
+          <a:effectLst>
+            <a:outerShdw blurRad="50800" dist="38100" dir="2700000" algn="tl" rotWithShape="0">
+              <a:prstClr val="black">
+                <a:alpha val="40000"/>
+              </a:prstClr>
+            </a:outerShdw>
+          </a:effectLst>
         </p:spPr>
       </p:pic>
       <p:sp>
@@ -5829,7 +6082,7 @@
         </p:nvSpPr>
         <p:spPr>
           <a:xfrm>
-            <a:off x="2701900" y="697123"/>
+            <a:off x="2503333" y="2078004"/>
             <a:ext cx="1753034" cy="707886"/>
           </a:xfrm>
           <a:prstGeom prst="rect">
@@ -5849,6 +6102,13 @@
                 <a:solidFill>
                   <a:srgbClr val="FF9900"/>
                 </a:solidFill>
+                <a:effectLst>
+                  <a:outerShdw blurRad="38100" dist="38100" dir="2700000" algn="tl">
+                    <a:srgbClr val="000000">
+                      <a:alpha val="43137"/>
+                    </a:srgbClr>
+                  </a:outerShdw>
+                </a:effectLst>
               </a:rPr>
               <a:t>Data Vault Data Modeling</a:t>
             </a:r>
@@ -5899,6 +6159,430 @@
           </a:fontRef>
         </p:style>
       </p:cxnSp>
+      <p:sp>
+        <p:nvSpPr>
+          <p:cNvPr id="2" name="Rectangle: Rounded Corners 1">
+            <a:extLst>
+              <a:ext uri="{FF2B5EF4-FFF2-40B4-BE49-F238E27FC236}">
+                <a16:creationId xmlns:a16="http://schemas.microsoft.com/office/drawing/2014/main" id="{A00B8562-BEA6-FCB8-0A5C-6C93862FB290}"/>
+              </a:ext>
+            </a:extLst>
+          </p:cNvPr>
+          <p:cNvSpPr/>
+          <p:nvPr/>
+        </p:nvSpPr>
+        <p:spPr>
+          <a:xfrm>
+            <a:off x="2291629" y="1154374"/>
+            <a:ext cx="2642486" cy="904669"/>
+          </a:xfrm>
+          <a:prstGeom prst="roundRect">
+            <a:avLst/>
+          </a:prstGeom>
+          <a:solidFill>
+            <a:srgbClr val="5294CF"/>
+          </a:solidFill>
+          <a:ln>
+            <a:noFill/>
+          </a:ln>
+          <a:effectLst>
+            <a:outerShdw blurRad="50800" dist="38100" dir="2700000" algn="tl" rotWithShape="0">
+              <a:prstClr val="black">
+                <a:alpha val="40000"/>
+              </a:prstClr>
+            </a:outerShdw>
+          </a:effectLst>
+        </p:spPr>
+        <p:style>
+          <a:lnRef idx="2">
+            <a:schemeClr val="accent1">
+              <a:shade val="50000"/>
+            </a:schemeClr>
+          </a:lnRef>
+          <a:fillRef idx="1">
+            <a:schemeClr val="accent1"/>
+          </a:fillRef>
+          <a:effectRef idx="0">
+            <a:schemeClr val="accent1"/>
+          </a:effectRef>
+          <a:fontRef idx="minor">
+            <a:schemeClr val="lt1"/>
+          </a:fontRef>
+        </p:style>
+        <p:txBody>
+          <a:bodyPr rtlCol="0" anchor="ctr"/>
+          <a:lstStyle/>
+          <a:p>
+            <a:pPr algn="ctr"/>
+            <a:endParaRPr lang="en-US" dirty="0"/>
+          </a:p>
+        </p:txBody>
+      </p:sp>
+      <p:sp>
+        <p:nvSpPr>
+          <p:cNvPr id="40" name="Rectangle: Rounded Corners 39">
+            <a:extLst>
+              <a:ext uri="{FF2B5EF4-FFF2-40B4-BE49-F238E27FC236}">
+                <a16:creationId xmlns:a16="http://schemas.microsoft.com/office/drawing/2014/main" id="{F55E1E0A-E7CE-70AC-404D-8F29BB28E62A}"/>
+              </a:ext>
+            </a:extLst>
+          </p:cNvPr>
+          <p:cNvSpPr/>
+          <p:nvPr/>
+        </p:nvSpPr>
+        <p:spPr>
+          <a:xfrm>
+            <a:off x="2365568" y="1517761"/>
+            <a:ext cx="755490" cy="446821"/>
+          </a:xfrm>
+          <a:prstGeom prst="roundRect">
+            <a:avLst/>
+          </a:prstGeom>
+          <a:solidFill>
+            <a:srgbClr val="205B98"/>
+          </a:solidFill>
+          <a:ln>
+            <a:noFill/>
+          </a:ln>
+          <a:effectLst>
+            <a:outerShdw blurRad="50800" dist="38100" dir="2700000" algn="tl" rotWithShape="0">
+              <a:prstClr val="black">
+                <a:alpha val="40000"/>
+              </a:prstClr>
+            </a:outerShdw>
+          </a:effectLst>
+        </p:spPr>
+        <p:style>
+          <a:lnRef idx="2">
+            <a:schemeClr val="accent1">
+              <a:shade val="50000"/>
+            </a:schemeClr>
+          </a:lnRef>
+          <a:fillRef idx="1">
+            <a:schemeClr val="accent1"/>
+          </a:fillRef>
+          <a:effectRef idx="0">
+            <a:schemeClr val="accent1"/>
+          </a:effectRef>
+          <a:fontRef idx="minor">
+            <a:schemeClr val="lt1"/>
+          </a:fontRef>
+        </p:style>
+        <p:txBody>
+          <a:bodyPr rtlCol="0" anchor="ctr"/>
+          <a:lstStyle/>
+          <a:p>
+            <a:pPr algn="ctr"/>
+            <a:endParaRPr lang="en-US" dirty="0"/>
+          </a:p>
+        </p:txBody>
+      </p:sp>
+      <p:sp>
+        <p:nvSpPr>
+          <p:cNvPr id="43" name="Rectangle: Rounded Corners 42">
+            <a:extLst>
+              <a:ext uri="{FF2B5EF4-FFF2-40B4-BE49-F238E27FC236}">
+                <a16:creationId xmlns:a16="http://schemas.microsoft.com/office/drawing/2014/main" id="{FD9D265A-6F3C-66BD-9827-3A96E3EC746E}"/>
+              </a:ext>
+            </a:extLst>
+          </p:cNvPr>
+          <p:cNvSpPr/>
+          <p:nvPr/>
+        </p:nvSpPr>
+        <p:spPr>
+          <a:xfrm>
+            <a:off x="3194997" y="1526323"/>
+            <a:ext cx="755490" cy="446821"/>
+          </a:xfrm>
+          <a:prstGeom prst="roundRect">
+            <a:avLst/>
+          </a:prstGeom>
+          <a:solidFill>
+            <a:srgbClr val="205B98"/>
+          </a:solidFill>
+          <a:ln>
+            <a:noFill/>
+          </a:ln>
+          <a:effectLst>
+            <a:outerShdw blurRad="50800" dist="38100" dir="2700000" algn="tl" rotWithShape="0">
+              <a:prstClr val="black">
+                <a:alpha val="40000"/>
+              </a:prstClr>
+            </a:outerShdw>
+          </a:effectLst>
+        </p:spPr>
+        <p:style>
+          <a:lnRef idx="2">
+            <a:schemeClr val="accent1">
+              <a:shade val="50000"/>
+            </a:schemeClr>
+          </a:lnRef>
+          <a:fillRef idx="1">
+            <a:schemeClr val="accent1"/>
+          </a:fillRef>
+          <a:effectRef idx="0">
+            <a:schemeClr val="accent1"/>
+          </a:effectRef>
+          <a:fontRef idx="minor">
+            <a:schemeClr val="lt1"/>
+          </a:fontRef>
+        </p:style>
+        <p:txBody>
+          <a:bodyPr rtlCol="0" anchor="ctr"/>
+          <a:lstStyle/>
+          <a:p>
+            <a:pPr algn="ctr"/>
+            <a:endParaRPr lang="en-US" dirty="0"/>
+          </a:p>
+        </p:txBody>
+      </p:sp>
+      <p:sp>
+        <p:nvSpPr>
+          <p:cNvPr id="50" name="Rectangle: Rounded Corners 49">
+            <a:extLst>
+              <a:ext uri="{FF2B5EF4-FFF2-40B4-BE49-F238E27FC236}">
+                <a16:creationId xmlns:a16="http://schemas.microsoft.com/office/drawing/2014/main" id="{91D67B58-FCBE-1488-E344-9B45B487A1D0}"/>
+              </a:ext>
+            </a:extLst>
+          </p:cNvPr>
+          <p:cNvSpPr/>
+          <p:nvPr/>
+        </p:nvSpPr>
+        <p:spPr>
+          <a:xfrm>
+            <a:off x="4024529" y="1537895"/>
+            <a:ext cx="829325" cy="426688"/>
+          </a:xfrm>
+          <a:prstGeom prst="roundRect">
+            <a:avLst/>
+          </a:prstGeom>
+          <a:solidFill>
+            <a:srgbClr val="205B98"/>
+          </a:solidFill>
+          <a:ln>
+            <a:noFill/>
+          </a:ln>
+          <a:effectLst>
+            <a:outerShdw blurRad="50800" dist="38100" dir="2700000" algn="tl" rotWithShape="0">
+              <a:prstClr val="black">
+                <a:alpha val="40000"/>
+              </a:prstClr>
+            </a:outerShdw>
+          </a:effectLst>
+        </p:spPr>
+        <p:style>
+          <a:lnRef idx="2">
+            <a:schemeClr val="accent1">
+              <a:shade val="50000"/>
+            </a:schemeClr>
+          </a:lnRef>
+          <a:fillRef idx="1">
+            <a:schemeClr val="accent1"/>
+          </a:fillRef>
+          <a:effectRef idx="0">
+            <a:schemeClr val="accent1"/>
+          </a:effectRef>
+          <a:fontRef idx="minor">
+            <a:schemeClr val="lt1"/>
+          </a:fontRef>
+        </p:style>
+        <p:txBody>
+          <a:bodyPr rtlCol="0" anchor="ctr"/>
+          <a:lstStyle/>
+          <a:p>
+            <a:pPr algn="ctr"/>
+            <a:endParaRPr lang="en-US" dirty="0"/>
+          </a:p>
+        </p:txBody>
+      </p:sp>
+      <p:sp>
+        <p:nvSpPr>
+          <p:cNvPr id="51" name="TextBox 50">
+            <a:extLst>
+              <a:ext uri="{FF2B5EF4-FFF2-40B4-BE49-F238E27FC236}">
+                <a16:creationId xmlns:a16="http://schemas.microsoft.com/office/drawing/2014/main" id="{B1A6ABA7-783A-F8C4-2ECF-01E41500BD17}"/>
+              </a:ext>
+            </a:extLst>
+          </p:cNvPr>
+          <p:cNvSpPr txBox="1"/>
+          <p:nvPr/>
+        </p:nvSpPr>
+        <p:spPr>
+          <a:xfrm>
+            <a:off x="2841292" y="1147098"/>
+            <a:ext cx="1524013" cy="400110"/>
+          </a:xfrm>
+          <a:prstGeom prst="rect">
+            <a:avLst/>
+          </a:prstGeom>
+          <a:noFill/>
+        </p:spPr>
+        <p:txBody>
+          <a:bodyPr wrap="square" rtlCol="0">
+            <a:spAutoFit/>
+          </a:bodyPr>
+          <a:lstStyle/>
+          <a:p>
+            <a:pPr algn="ctr"/>
+            <a:r>
+              <a:rPr lang="en-US" sz="2000" dirty="0">
+                <a:solidFill>
+                  <a:schemeClr val="bg1"/>
+                </a:solidFill>
+                <a:effectLst>
+                  <a:outerShdw blurRad="38100" dist="38100" dir="2700000" algn="tl">
+                    <a:srgbClr val="000000">
+                      <a:alpha val="43137"/>
+                    </a:srgbClr>
+                  </a:outerShdw>
+                </a:effectLst>
+              </a:rPr>
+              <a:t>Schemas</a:t>
+            </a:r>
+          </a:p>
+        </p:txBody>
+      </p:sp>
+      <p:sp>
+        <p:nvSpPr>
+          <p:cNvPr id="52" name="TextBox 51">
+            <a:extLst>
+              <a:ext uri="{FF2B5EF4-FFF2-40B4-BE49-F238E27FC236}">
+                <a16:creationId xmlns:a16="http://schemas.microsoft.com/office/drawing/2014/main" id="{D532736F-4D21-F3F6-203F-9F34ACE7BF53}"/>
+              </a:ext>
+            </a:extLst>
+          </p:cNvPr>
+          <p:cNvSpPr txBox="1"/>
+          <p:nvPr/>
+        </p:nvSpPr>
+        <p:spPr>
+          <a:xfrm>
+            <a:off x="2299649" y="1534700"/>
+            <a:ext cx="909027" cy="400110"/>
+          </a:xfrm>
+          <a:prstGeom prst="rect">
+            <a:avLst/>
+          </a:prstGeom>
+          <a:noFill/>
+        </p:spPr>
+        <p:txBody>
+          <a:bodyPr wrap="square" rtlCol="0">
+            <a:spAutoFit/>
+          </a:bodyPr>
+          <a:lstStyle/>
+          <a:p>
+            <a:pPr algn="ctr"/>
+            <a:r>
+              <a:rPr lang="en-US" sz="2000" dirty="0">
+                <a:solidFill>
+                  <a:schemeClr val="bg1"/>
+                </a:solidFill>
+                <a:effectLst>
+                  <a:outerShdw blurRad="38100" dist="38100" dir="2700000" algn="tl">
+                    <a:srgbClr val="000000">
+                      <a:alpha val="43137"/>
+                    </a:srgbClr>
+                  </a:outerShdw>
+                </a:effectLst>
+              </a:rPr>
+              <a:t>Stage</a:t>
+            </a:r>
+          </a:p>
+        </p:txBody>
+      </p:sp>
+      <p:sp>
+        <p:nvSpPr>
+          <p:cNvPr id="53" name="TextBox 52">
+            <a:extLst>
+              <a:ext uri="{FF2B5EF4-FFF2-40B4-BE49-F238E27FC236}">
+                <a16:creationId xmlns:a16="http://schemas.microsoft.com/office/drawing/2014/main" id="{BEA1D733-38B9-5DE1-CACE-C91DD5C73C04}"/>
+              </a:ext>
+            </a:extLst>
+          </p:cNvPr>
+          <p:cNvSpPr txBox="1"/>
+          <p:nvPr/>
+        </p:nvSpPr>
+        <p:spPr>
+          <a:xfrm>
+            <a:off x="3156237" y="1534700"/>
+            <a:ext cx="909027" cy="400110"/>
+          </a:xfrm>
+          <a:prstGeom prst="rect">
+            <a:avLst/>
+          </a:prstGeom>
+          <a:noFill/>
+        </p:spPr>
+        <p:txBody>
+          <a:bodyPr wrap="square" rtlCol="0">
+            <a:spAutoFit/>
+          </a:bodyPr>
+          <a:lstStyle/>
+          <a:p>
+            <a:pPr algn="ctr"/>
+            <a:r>
+              <a:rPr lang="en-US" sz="2000" dirty="0">
+                <a:solidFill>
+                  <a:schemeClr val="bg1"/>
+                </a:solidFill>
+                <a:effectLst>
+                  <a:outerShdw blurRad="38100" dist="38100" dir="2700000" algn="tl">
+                    <a:srgbClr val="000000">
+                      <a:alpha val="43137"/>
+                    </a:srgbClr>
+                  </a:outerShdw>
+                </a:effectLst>
+              </a:rPr>
+              <a:t>Refine</a:t>
+            </a:r>
+          </a:p>
+        </p:txBody>
+      </p:sp>
+      <p:sp>
+        <p:nvSpPr>
+          <p:cNvPr id="55" name="TextBox 54">
+            <a:extLst>
+              <a:ext uri="{FF2B5EF4-FFF2-40B4-BE49-F238E27FC236}">
+                <a16:creationId xmlns:a16="http://schemas.microsoft.com/office/drawing/2014/main" id="{050FC659-72FE-B0EC-6B7A-2636A4CCC663}"/>
+              </a:ext>
+            </a:extLst>
+          </p:cNvPr>
+          <p:cNvSpPr txBox="1"/>
+          <p:nvPr/>
+        </p:nvSpPr>
+        <p:spPr>
+          <a:xfrm>
+            <a:off x="3944272" y="1519452"/>
+            <a:ext cx="972913" cy="400110"/>
+          </a:xfrm>
+          <a:prstGeom prst="rect">
+            <a:avLst/>
+          </a:prstGeom>
+          <a:noFill/>
+        </p:spPr>
+        <p:txBody>
+          <a:bodyPr wrap="square" rtlCol="0">
+            <a:spAutoFit/>
+          </a:bodyPr>
+          <a:lstStyle/>
+          <a:p>
+            <a:pPr algn="ctr"/>
+            <a:r>
+              <a:rPr lang="en-US" sz="2000" dirty="0">
+                <a:solidFill>
+                  <a:schemeClr val="bg1"/>
+                </a:solidFill>
+                <a:effectLst>
+                  <a:outerShdw blurRad="38100" dist="38100" dir="2700000" algn="tl">
+                    <a:srgbClr val="000000">
+                      <a:alpha val="43137"/>
+                    </a:srgbClr>
+                  </a:outerShdw>
+                </a:effectLst>
+              </a:rPr>
+              <a:t>Publish</a:t>
+            </a:r>
+          </a:p>
+        </p:txBody>
+      </p:sp>
     </p:spTree>
     <p:extLst>
       <p:ext uri="{BB962C8B-B14F-4D97-AF65-F5344CB8AC3E}">
